--- a/misc docs/Katalon-Curious-Bot.pptx
+++ b/misc docs/Katalon-Curious-Bot.pptx
@@ -124,7 +124,7 @@
   </p:defaultTextStyle>
   <p:extLst>
     <p:ext uri="{EFAFB233-063F-42B5-8137-9DF3F51BA10A}">
-      <p15:sldGuideLst xmlns:p15="http://schemas.microsoft.com/office/powerpoint/2012/main" xmlns="">
+      <p15:sldGuideLst xmlns:p15="http://schemas.microsoft.com/office/powerpoint/2012/main">
         <p15:guide id="1" orient="horz" pos="2160">
           <p15:clr>
             <a:srgbClr val="A4A3A4"/>
@@ -168,7 +168,7 @@
           <p:cNvPr id="2" name="Header Placeholder 1">
             <a:extLst>
               <a:ext uri="{FF2B5EF4-FFF2-40B4-BE49-F238E27FC236}">
-                <a16:creationId xmlns:a16="http://schemas.microsoft.com/office/drawing/2014/main" xmlns="" id="{FC7D7BFE-32AF-6C45-85F4-6BF933B444D1}"/>
+                <a16:creationId xmlns:a16="http://schemas.microsoft.com/office/drawing/2014/main" id="{FC7D7BFE-32AF-6C45-85F4-6BF933B444D1}"/>
               </a:ext>
             </a:extLst>
           </p:cNvPr>
@@ -205,7 +205,7 @@
           <p:cNvPr id="3" name="Date Placeholder 2">
             <a:extLst>
               <a:ext uri="{FF2B5EF4-FFF2-40B4-BE49-F238E27FC236}">
-                <a16:creationId xmlns:a16="http://schemas.microsoft.com/office/drawing/2014/main" xmlns="" id="{C36F28F5-CE4A-CF4B-9BDD-AA2947E83911}"/>
+                <a16:creationId xmlns:a16="http://schemas.microsoft.com/office/drawing/2014/main" id="{C36F28F5-CE4A-CF4B-9BDD-AA2947E83911}"/>
               </a:ext>
             </a:extLst>
           </p:cNvPr>
@@ -235,7 +235,7 @@
           <a:p>
             <a:fld id="{2F95E63E-62F3-E344-8F6F-6D97C7E78A00}" type="datetime1">
               <a:rPr lang="en-IN" smtClean="0"/>
-              <a:t>25-07-2019</a:t>
+              <a:t>13-02-2023</a:t>
             </a:fld>
             <a:endParaRPr lang="en-US" dirty="0"/>
           </a:p>
@@ -246,7 +246,7 @@
           <p:cNvPr id="4" name="Footer Placeholder 3">
             <a:extLst>
               <a:ext uri="{FF2B5EF4-FFF2-40B4-BE49-F238E27FC236}">
-                <a16:creationId xmlns:a16="http://schemas.microsoft.com/office/drawing/2014/main" xmlns="" id="{C6FD1EC5-A4B4-6947-8552-1DB395468E25}"/>
+                <a16:creationId xmlns:a16="http://schemas.microsoft.com/office/drawing/2014/main" id="{C6FD1EC5-A4B4-6947-8552-1DB395468E25}"/>
               </a:ext>
             </a:extLst>
           </p:cNvPr>
@@ -283,7 +283,7 @@
           <p:cNvPr id="5" name="Slide Number Placeholder 4">
             <a:extLst>
               <a:ext uri="{FF2B5EF4-FFF2-40B4-BE49-F238E27FC236}">
-                <a16:creationId xmlns:a16="http://schemas.microsoft.com/office/drawing/2014/main" xmlns="" id="{66007E98-9D4F-9C4F-B129-4295F10DF244}"/>
+                <a16:creationId xmlns:a16="http://schemas.microsoft.com/office/drawing/2014/main" id="{66007E98-9D4F-9C4F-B129-4295F10DF244}"/>
               </a:ext>
             </a:extLst>
           </p:cNvPr>
@@ -413,7 +413,7 @@
           <a:p>
             <a:fld id="{91766CEB-553E-A548-99B1-5A5252F6D1C6}" type="datetime1">
               <a:rPr lang="en-IN" smtClean="0"/>
-              <a:t>25-07-2019</a:t>
+              <a:t>13-02-2023</a:t>
             </a:fld>
             <a:endParaRPr lang="en-US" dirty="0"/>
           </a:p>
@@ -726,7 +726,7 @@
           <p:cNvPr id="8" name="Straight Connector 7">
             <a:extLst>
               <a:ext uri="{FF2B5EF4-FFF2-40B4-BE49-F238E27FC236}">
-                <a16:creationId xmlns:a16="http://schemas.microsoft.com/office/drawing/2014/main" xmlns="" id="{F7E2A3B7-AD38-7C4C-8096-91A0D5A8A03C}"/>
+                <a16:creationId xmlns:a16="http://schemas.microsoft.com/office/drawing/2014/main" id="{F7E2A3B7-AD38-7C4C-8096-91A0D5A8A03C}"/>
               </a:ext>
             </a:extLst>
           </p:cNvPr>
@@ -769,7 +769,7 @@
           <p:cNvPr id="9" name="Text Placeholder 17">
             <a:extLst>
               <a:ext uri="{FF2B5EF4-FFF2-40B4-BE49-F238E27FC236}">
-                <a16:creationId xmlns:a16="http://schemas.microsoft.com/office/drawing/2014/main" xmlns="" id="{262DFE54-C01F-1540-9508-1591A8AA3497}"/>
+                <a16:creationId xmlns:a16="http://schemas.microsoft.com/office/drawing/2014/main" id="{262DFE54-C01F-1540-9508-1591A8AA3497}"/>
               </a:ext>
             </a:extLst>
           </p:cNvPr>
@@ -841,7 +841,7 @@
           <p:cNvPr id="10" name="Text Placeholder 17">
             <a:extLst>
               <a:ext uri="{FF2B5EF4-FFF2-40B4-BE49-F238E27FC236}">
-                <a16:creationId xmlns:a16="http://schemas.microsoft.com/office/drawing/2014/main" xmlns="" id="{3761CEC5-C572-DD4B-93B0-4A5EA21A108D}"/>
+                <a16:creationId xmlns:a16="http://schemas.microsoft.com/office/drawing/2014/main" id="{3761CEC5-C572-DD4B-93B0-4A5EA21A108D}"/>
               </a:ext>
             </a:extLst>
           </p:cNvPr>
@@ -916,7 +916,7 @@
           <p:cNvPr id="11" name="Group 10">
             <a:extLst>
               <a:ext uri="{FF2B5EF4-FFF2-40B4-BE49-F238E27FC236}">
-                <a16:creationId xmlns:a16="http://schemas.microsoft.com/office/drawing/2014/main" xmlns="" id="{8FEDF90B-4BEF-6E4D-8F86-F91897E52A8D}"/>
+                <a16:creationId xmlns:a16="http://schemas.microsoft.com/office/drawing/2014/main" id="{8FEDF90B-4BEF-6E4D-8F86-F91897E52A8D}"/>
               </a:ext>
             </a:extLst>
           </p:cNvPr>
@@ -936,7 +936,7 @@
             <p:cNvPr id="12" name="Graphic 11">
               <a:extLst>
                 <a:ext uri="{FF2B5EF4-FFF2-40B4-BE49-F238E27FC236}">
-                  <a16:creationId xmlns:a16="http://schemas.microsoft.com/office/drawing/2014/main" xmlns="" id="{F6B9F9B7-8A97-754F-B83B-6999C541B216}"/>
+                  <a16:creationId xmlns:a16="http://schemas.microsoft.com/office/drawing/2014/main" id="{F6B9F9B7-8A97-754F-B83B-6999C541B216}"/>
                 </a:ext>
               </a:extLst>
             </p:cNvPr>
@@ -952,7 +952,7 @@
                   <a14:useLocalDpi xmlns:a14="http://schemas.microsoft.com/office/drawing/2010/main"/>
                 </a:ext>
                 <a:ext uri="{96DAC541-7B7A-43D3-8B79-37D633B846F1}">
-                  <asvg:svgBlip xmlns:asvg="http://schemas.microsoft.com/office/drawing/2016/SVG/main" xmlns="" r:embed="rId3"/>
+                  <asvg:svgBlip xmlns:asvg="http://schemas.microsoft.com/office/drawing/2016/SVG/main" r:embed="rId3"/>
                 </a:ext>
               </a:extLst>
             </a:blip>
@@ -974,7 +974,7 @@
             <p:cNvPr id="13" name="Graphic 12">
               <a:extLst>
                 <a:ext uri="{FF2B5EF4-FFF2-40B4-BE49-F238E27FC236}">
-                  <a16:creationId xmlns:a16="http://schemas.microsoft.com/office/drawing/2014/main" xmlns="" id="{759B9A1A-AE1F-AE40-9A8B-2AE6DDB4F211}"/>
+                  <a16:creationId xmlns:a16="http://schemas.microsoft.com/office/drawing/2014/main" id="{759B9A1A-AE1F-AE40-9A8B-2AE6DDB4F211}"/>
                 </a:ext>
               </a:extLst>
             </p:cNvPr>
@@ -990,7 +990,7 @@
                   <a14:useLocalDpi xmlns:a14="http://schemas.microsoft.com/office/drawing/2010/main"/>
                 </a:ext>
                 <a:ext uri="{96DAC541-7B7A-43D3-8B79-37D633B846F1}">
-                  <asvg:svgBlip xmlns:asvg="http://schemas.microsoft.com/office/drawing/2016/SVG/main" xmlns="" r:embed="rId5"/>
+                  <asvg:svgBlip xmlns:asvg="http://schemas.microsoft.com/office/drawing/2016/SVG/main" r:embed="rId5"/>
                 </a:ext>
               </a:extLst>
             </a:blip>
@@ -1059,7 +1059,7 @@
           <p:cNvPr id="2" name="Rectangle 1">
             <a:extLst>
               <a:ext uri="{FF2B5EF4-FFF2-40B4-BE49-F238E27FC236}">
-                <a16:creationId xmlns:a16="http://schemas.microsoft.com/office/drawing/2014/main" xmlns="" id="{3D5C9CF1-B64E-5847-B0B1-CFE7D4FD0DDF}"/>
+                <a16:creationId xmlns:a16="http://schemas.microsoft.com/office/drawing/2014/main" id="{3D5C9CF1-B64E-5847-B0B1-CFE7D4FD0DDF}"/>
               </a:ext>
             </a:extLst>
           </p:cNvPr>
@@ -1113,7 +1113,7 @@
           <p:cNvPr id="14" name="Straight Connector 13">
             <a:extLst>
               <a:ext uri="{FF2B5EF4-FFF2-40B4-BE49-F238E27FC236}">
-                <a16:creationId xmlns:a16="http://schemas.microsoft.com/office/drawing/2014/main" xmlns="" id="{520C86F3-C934-1C46-B462-1AC3AFB71657}"/>
+                <a16:creationId xmlns:a16="http://schemas.microsoft.com/office/drawing/2014/main" id="{520C86F3-C934-1C46-B462-1AC3AFB71657}"/>
               </a:ext>
             </a:extLst>
           </p:cNvPr>
@@ -1156,7 +1156,7 @@
           <p:cNvPr id="15" name="Text Placeholder 17">
             <a:extLst>
               <a:ext uri="{FF2B5EF4-FFF2-40B4-BE49-F238E27FC236}">
-                <a16:creationId xmlns:a16="http://schemas.microsoft.com/office/drawing/2014/main" xmlns="" id="{F2B5A616-5214-A34E-AD35-F1F5977DE7DC}"/>
+                <a16:creationId xmlns:a16="http://schemas.microsoft.com/office/drawing/2014/main" id="{F2B5A616-5214-A34E-AD35-F1F5977DE7DC}"/>
               </a:ext>
             </a:extLst>
           </p:cNvPr>
@@ -1228,7 +1228,7 @@
           <p:cNvPr id="16" name="Text Placeholder 17">
             <a:extLst>
               <a:ext uri="{FF2B5EF4-FFF2-40B4-BE49-F238E27FC236}">
-                <a16:creationId xmlns:a16="http://schemas.microsoft.com/office/drawing/2014/main" xmlns="" id="{DE86F8F9-A5B2-2047-8E88-2DA2CA1A0D09}"/>
+                <a16:creationId xmlns:a16="http://schemas.microsoft.com/office/drawing/2014/main" id="{DE86F8F9-A5B2-2047-8E88-2DA2CA1A0D09}"/>
               </a:ext>
             </a:extLst>
           </p:cNvPr>
@@ -1302,7 +1302,7 @@
           <p:cNvPr id="17" name="Group 16">
             <a:extLst>
               <a:ext uri="{FF2B5EF4-FFF2-40B4-BE49-F238E27FC236}">
-                <a16:creationId xmlns:a16="http://schemas.microsoft.com/office/drawing/2014/main" xmlns="" id="{1E18F26B-CF82-4641-864B-5FCD2E99CE9F}"/>
+                <a16:creationId xmlns:a16="http://schemas.microsoft.com/office/drawing/2014/main" id="{1E18F26B-CF82-4641-864B-5FCD2E99CE9F}"/>
               </a:ext>
             </a:extLst>
           </p:cNvPr>
@@ -1322,7 +1322,7 @@
             <p:cNvPr id="20" name="Graphic 19">
               <a:extLst>
                 <a:ext uri="{FF2B5EF4-FFF2-40B4-BE49-F238E27FC236}">
-                  <a16:creationId xmlns:a16="http://schemas.microsoft.com/office/drawing/2014/main" xmlns="" id="{0C1A7196-1EAE-0442-8F06-B3550FA8F517}"/>
+                  <a16:creationId xmlns:a16="http://schemas.microsoft.com/office/drawing/2014/main" id="{0C1A7196-1EAE-0442-8F06-B3550FA8F517}"/>
                 </a:ext>
               </a:extLst>
             </p:cNvPr>
@@ -1338,7 +1338,7 @@
                   <a14:useLocalDpi xmlns:a14="http://schemas.microsoft.com/office/drawing/2010/main"/>
                 </a:ext>
                 <a:ext uri="{96DAC541-7B7A-43D3-8B79-37D633B846F1}">
-                  <asvg:svgBlip xmlns:asvg="http://schemas.microsoft.com/office/drawing/2016/SVG/main" xmlns="" r:embed="rId3"/>
+                  <asvg:svgBlip xmlns:asvg="http://schemas.microsoft.com/office/drawing/2016/SVG/main" r:embed="rId3"/>
                 </a:ext>
               </a:extLst>
             </a:blip>
@@ -1360,7 +1360,7 @@
             <p:cNvPr id="21" name="Graphic 20">
               <a:extLst>
                 <a:ext uri="{FF2B5EF4-FFF2-40B4-BE49-F238E27FC236}">
-                  <a16:creationId xmlns:a16="http://schemas.microsoft.com/office/drawing/2014/main" xmlns="" id="{E88C35A9-E315-3D4A-ACFD-5887701A4BBF}"/>
+                  <a16:creationId xmlns:a16="http://schemas.microsoft.com/office/drawing/2014/main" id="{E88C35A9-E315-3D4A-ACFD-5887701A4BBF}"/>
                 </a:ext>
               </a:extLst>
             </p:cNvPr>
@@ -1376,7 +1376,7 @@
                   <a14:useLocalDpi xmlns:a14="http://schemas.microsoft.com/office/drawing/2010/main"/>
                 </a:ext>
                 <a:ext uri="{96DAC541-7B7A-43D3-8B79-37D633B846F1}">
-                  <asvg:svgBlip xmlns:asvg="http://schemas.microsoft.com/office/drawing/2016/SVG/main" xmlns="" r:embed="rId5"/>
+                  <asvg:svgBlip xmlns:asvg="http://schemas.microsoft.com/office/drawing/2016/SVG/main" r:embed="rId5"/>
                 </a:ext>
               </a:extLst>
             </a:blip>
@@ -1445,7 +1445,7 @@
           <p:cNvPr id="7" name="Straight Connector 6">
             <a:extLst>
               <a:ext uri="{FF2B5EF4-FFF2-40B4-BE49-F238E27FC236}">
-                <a16:creationId xmlns:a16="http://schemas.microsoft.com/office/drawing/2014/main" xmlns="" id="{67247D62-C072-5445-A22C-3FE620CF06B8}"/>
+                <a16:creationId xmlns:a16="http://schemas.microsoft.com/office/drawing/2014/main" id="{67247D62-C072-5445-A22C-3FE620CF06B8}"/>
               </a:ext>
             </a:extLst>
           </p:cNvPr>
@@ -1488,7 +1488,7 @@
           <p:cNvPr id="8" name="Text Placeholder 17">
             <a:extLst>
               <a:ext uri="{FF2B5EF4-FFF2-40B4-BE49-F238E27FC236}">
-                <a16:creationId xmlns:a16="http://schemas.microsoft.com/office/drawing/2014/main" xmlns="" id="{4D4FD06C-5B53-0B4D-8142-26E4EA1C0E31}"/>
+                <a16:creationId xmlns:a16="http://schemas.microsoft.com/office/drawing/2014/main" id="{4D4FD06C-5B53-0B4D-8142-26E4EA1C0E31}"/>
               </a:ext>
             </a:extLst>
           </p:cNvPr>
@@ -1562,7 +1562,7 @@
           <p:cNvPr id="9" name="Text Placeholder 17">
             <a:extLst>
               <a:ext uri="{FF2B5EF4-FFF2-40B4-BE49-F238E27FC236}">
-                <a16:creationId xmlns:a16="http://schemas.microsoft.com/office/drawing/2014/main" xmlns="" id="{6A212E31-8890-6247-A94F-7AC3EC6DD0DE}"/>
+                <a16:creationId xmlns:a16="http://schemas.microsoft.com/office/drawing/2014/main" id="{6A212E31-8890-6247-A94F-7AC3EC6DD0DE}"/>
               </a:ext>
             </a:extLst>
           </p:cNvPr>
@@ -1638,7 +1638,7 @@
           <p:cNvPr id="11" name="Straight Connector 10">
             <a:extLst>
               <a:ext uri="{FF2B5EF4-FFF2-40B4-BE49-F238E27FC236}">
-                <a16:creationId xmlns:a16="http://schemas.microsoft.com/office/drawing/2014/main" xmlns="" id="{D56E4938-3E36-0A45-B7DC-34D590BA9920}"/>
+                <a16:creationId xmlns:a16="http://schemas.microsoft.com/office/drawing/2014/main" id="{D56E4938-3E36-0A45-B7DC-34D590BA9920}"/>
               </a:ext>
             </a:extLst>
           </p:cNvPr>
@@ -1681,7 +1681,7 @@
           <p:cNvPr id="12" name="Picture Placeholder 8">
             <a:extLst>
               <a:ext uri="{FF2B5EF4-FFF2-40B4-BE49-F238E27FC236}">
-                <a16:creationId xmlns:a16="http://schemas.microsoft.com/office/drawing/2014/main" xmlns="" id="{FE1431C8-DC1B-F940-95BC-74FB76E772D4}"/>
+                <a16:creationId xmlns:a16="http://schemas.microsoft.com/office/drawing/2014/main" id="{FE1431C8-DC1B-F940-95BC-74FB76E772D4}"/>
               </a:ext>
             </a:extLst>
           </p:cNvPr>
@@ -1760,7 +1760,7 @@
           <p:cNvPr id="15" name="Group 14">
             <a:extLst>
               <a:ext uri="{FF2B5EF4-FFF2-40B4-BE49-F238E27FC236}">
-                <a16:creationId xmlns:a16="http://schemas.microsoft.com/office/drawing/2014/main" xmlns="" id="{5EC77D1A-392B-DD49-96BD-A5CECB786AD8}"/>
+                <a16:creationId xmlns:a16="http://schemas.microsoft.com/office/drawing/2014/main" id="{5EC77D1A-392B-DD49-96BD-A5CECB786AD8}"/>
               </a:ext>
             </a:extLst>
           </p:cNvPr>
@@ -1780,7 +1780,7 @@
             <p:cNvPr id="16" name="Graphic 15">
               <a:extLst>
                 <a:ext uri="{FF2B5EF4-FFF2-40B4-BE49-F238E27FC236}">
-                  <a16:creationId xmlns:a16="http://schemas.microsoft.com/office/drawing/2014/main" xmlns="" id="{5D7884B9-FAFC-8542-B8A7-5685C8E9CB24}"/>
+                  <a16:creationId xmlns:a16="http://schemas.microsoft.com/office/drawing/2014/main" id="{5D7884B9-FAFC-8542-B8A7-5685C8E9CB24}"/>
                 </a:ext>
               </a:extLst>
             </p:cNvPr>
@@ -1796,7 +1796,7 @@
                   <a14:useLocalDpi xmlns:a14="http://schemas.microsoft.com/office/drawing/2010/main"/>
                 </a:ext>
                 <a:ext uri="{96DAC541-7B7A-43D3-8B79-37D633B846F1}">
-                  <asvg:svgBlip xmlns:asvg="http://schemas.microsoft.com/office/drawing/2016/SVG/main" xmlns="" r:embed="rId3"/>
+                  <asvg:svgBlip xmlns:asvg="http://schemas.microsoft.com/office/drawing/2016/SVG/main" r:embed="rId3"/>
                 </a:ext>
               </a:extLst>
             </a:blip>
@@ -1818,7 +1818,7 @@
             <p:cNvPr id="17" name="Graphic 16">
               <a:extLst>
                 <a:ext uri="{FF2B5EF4-FFF2-40B4-BE49-F238E27FC236}">
-                  <a16:creationId xmlns:a16="http://schemas.microsoft.com/office/drawing/2014/main" xmlns="" id="{FFC2EA8E-C782-154B-B2AC-5D1214886FFD}"/>
+                  <a16:creationId xmlns:a16="http://schemas.microsoft.com/office/drawing/2014/main" id="{FFC2EA8E-C782-154B-B2AC-5D1214886FFD}"/>
                 </a:ext>
               </a:extLst>
             </p:cNvPr>
@@ -1834,7 +1834,7 @@
                   <a14:useLocalDpi xmlns:a14="http://schemas.microsoft.com/office/drawing/2010/main"/>
                 </a:ext>
                 <a:ext uri="{96DAC541-7B7A-43D3-8B79-37D633B846F1}">
-                  <asvg:svgBlip xmlns:asvg="http://schemas.microsoft.com/office/drawing/2016/SVG/main" xmlns="" r:embed="rId5"/>
+                  <asvg:svgBlip xmlns:asvg="http://schemas.microsoft.com/office/drawing/2016/SVG/main" r:embed="rId5"/>
                 </a:ext>
               </a:extLst>
             </a:blip>
@@ -1887,7 +1887,7 @@
           <p:cNvPr id="2" name="Title 1">
             <a:extLst>
               <a:ext uri="{FF2B5EF4-FFF2-40B4-BE49-F238E27FC236}">
-                <a16:creationId xmlns:a16="http://schemas.microsoft.com/office/drawing/2014/main" xmlns="" id="{970DC997-9FB6-D045-9852-6C2F156B7477}"/>
+                <a16:creationId xmlns:a16="http://schemas.microsoft.com/office/drawing/2014/main" id="{970DC997-9FB6-D045-9852-6C2F156B7477}"/>
               </a:ext>
             </a:extLst>
           </p:cNvPr>
@@ -1947,9 +1947,7 @@
       </p:sp>
       <p:sp>
         <p:nvSpPr>
-          <p:cNvPr id="6" name="Date Placeholder 14">
-            <a:extLst/>
-          </p:cNvPr>
+          <p:cNvPr id="6" name="Date Placeholder 14"/>
           <p:cNvSpPr>
             <a:spLocks noGrp="1"/>
           </p:cNvSpPr>
@@ -1980,7 +1978,7 @@
           <a:p>
             <a:fld id="{F0C99D87-AFAD-4B11-8D22-9469FA50E3E6}" type="datetime1">
               <a:rPr lang="en-US" smtClean="0"/>
-              <a:t>7/25/2019</a:t>
+              <a:t>2/13/2023</a:t>
             </a:fld>
             <a:endParaRPr lang="en-US" dirty="0"/>
           </a:p>
@@ -1988,9 +1986,7 @@
       </p:sp>
       <p:sp>
         <p:nvSpPr>
-          <p:cNvPr id="7" name="Slide Number Placeholder 6">
-            <a:extLst/>
-          </p:cNvPr>
+          <p:cNvPr id="7" name="Slide Number Placeholder 6"/>
           <p:cNvSpPr>
             <a:spLocks noGrp="1"/>
           </p:cNvSpPr>
@@ -2075,7 +2071,7 @@
           <p:cNvPr id="5" name="Rounded Rectangle 4">
             <a:extLst>
               <a:ext uri="{FF2B5EF4-FFF2-40B4-BE49-F238E27FC236}">
-                <a16:creationId xmlns:a16="http://schemas.microsoft.com/office/drawing/2014/main" xmlns="" id="{350E031F-9589-5C49-8FBE-A95C0F863718}"/>
+                <a16:creationId xmlns:a16="http://schemas.microsoft.com/office/drawing/2014/main" id="{350E031F-9589-5C49-8FBE-A95C0F863718}"/>
               </a:ext>
             </a:extLst>
           </p:cNvPr>
@@ -2131,7 +2127,7 @@
           <p:cNvPr id="6" name="Rounded Rectangle 5">
             <a:extLst>
               <a:ext uri="{FF2B5EF4-FFF2-40B4-BE49-F238E27FC236}">
-                <a16:creationId xmlns:a16="http://schemas.microsoft.com/office/drawing/2014/main" xmlns="" id="{9649B85B-8EA8-5543-A14F-C6ED61CE8BEF}"/>
+                <a16:creationId xmlns:a16="http://schemas.microsoft.com/office/drawing/2014/main" id="{9649B85B-8EA8-5543-A14F-C6ED61CE8BEF}"/>
               </a:ext>
             </a:extLst>
           </p:cNvPr>
@@ -2179,7 +2175,7 @@
           <p:cNvPr id="7" name="Rounded Rectangle 6">
             <a:extLst>
               <a:ext uri="{FF2B5EF4-FFF2-40B4-BE49-F238E27FC236}">
-                <a16:creationId xmlns:a16="http://schemas.microsoft.com/office/drawing/2014/main" xmlns="" id="{B70233E0-8644-4842-A5DB-39A82AD1577F}"/>
+                <a16:creationId xmlns:a16="http://schemas.microsoft.com/office/drawing/2014/main" id="{B70233E0-8644-4842-A5DB-39A82AD1577F}"/>
               </a:ext>
             </a:extLst>
           </p:cNvPr>
@@ -2235,7 +2231,7 @@
           <p:cNvPr id="29" name="Title 1">
             <a:extLst>
               <a:ext uri="{FF2B5EF4-FFF2-40B4-BE49-F238E27FC236}">
-                <a16:creationId xmlns:a16="http://schemas.microsoft.com/office/drawing/2014/main" xmlns="" id="{624D84FE-9F10-3E4F-A3EE-08F2DC268A10}"/>
+                <a16:creationId xmlns:a16="http://schemas.microsoft.com/office/drawing/2014/main" id="{624D84FE-9F10-3E4F-A3EE-08F2DC268A10}"/>
               </a:ext>
             </a:extLst>
           </p:cNvPr>
@@ -2278,7 +2274,7 @@
           <p:cNvPr id="30" name="Straight Connector 29">
             <a:extLst>
               <a:ext uri="{FF2B5EF4-FFF2-40B4-BE49-F238E27FC236}">
-                <a16:creationId xmlns:a16="http://schemas.microsoft.com/office/drawing/2014/main" xmlns="" id="{8A8765D7-8C9E-1C4B-A2A5-4DE708E9FD45}"/>
+                <a16:creationId xmlns:a16="http://schemas.microsoft.com/office/drawing/2014/main" id="{8A8765D7-8C9E-1C4B-A2A5-4DE708E9FD45}"/>
               </a:ext>
             </a:extLst>
           </p:cNvPr>
@@ -2318,9 +2314,7 @@
       </p:cxnSp>
       <p:sp>
         <p:nvSpPr>
-          <p:cNvPr id="48" name="Rounded Rectangle 4">
-            <a:extLst/>
-          </p:cNvPr>
+          <p:cNvPr id="48" name="Rounded Rectangle 4"/>
           <p:cNvSpPr/>
           <p:nvPr userDrawn="1"/>
         </p:nvSpPr>
@@ -2439,9 +2433,7 @@
       </p:sp>
       <p:sp>
         <p:nvSpPr>
-          <p:cNvPr id="56" name="Rounded Rectangle 4">
-            <a:extLst/>
-          </p:cNvPr>
+          <p:cNvPr id="56" name="Rounded Rectangle 4"/>
           <p:cNvSpPr/>
           <p:nvPr userDrawn="1"/>
         </p:nvSpPr>
@@ -2491,9 +2483,7 @@
       </p:sp>
       <p:sp>
         <p:nvSpPr>
-          <p:cNvPr id="57" name="Rounded Rectangle 5">
-            <a:extLst/>
-          </p:cNvPr>
+          <p:cNvPr id="57" name="Rounded Rectangle 5"/>
           <p:cNvSpPr/>
           <p:nvPr userDrawn="1"/>
         </p:nvSpPr>
@@ -2535,9 +2525,7 @@
       </p:sp>
       <p:sp>
         <p:nvSpPr>
-          <p:cNvPr id="58" name="Rounded Rectangle 6">
-            <a:extLst/>
-          </p:cNvPr>
+          <p:cNvPr id="58" name="Rounded Rectangle 6"/>
           <p:cNvSpPr/>
           <p:nvPr userDrawn="1"/>
         </p:nvSpPr>
@@ -2573,9 +2561,7 @@
       </p:sp>
       <p:sp>
         <p:nvSpPr>
-          <p:cNvPr id="59" name="Rounded Rectangle 4">
-            <a:extLst/>
-          </p:cNvPr>
+          <p:cNvPr id="59" name="Rounded Rectangle 4"/>
           <p:cNvSpPr/>
           <p:nvPr userDrawn="1"/>
         </p:nvSpPr>
@@ -2687,9 +2673,7 @@
       </p:sp>
       <p:sp>
         <p:nvSpPr>
-          <p:cNvPr id="64" name="Rounded Rectangle 4">
-            <a:extLst/>
-          </p:cNvPr>
+          <p:cNvPr id="64" name="Rounded Rectangle 4"/>
           <p:cNvSpPr/>
           <p:nvPr userDrawn="1"/>
         </p:nvSpPr>
@@ -2739,9 +2723,7 @@
       </p:sp>
       <p:sp>
         <p:nvSpPr>
-          <p:cNvPr id="19" name="Date Placeholder 14">
-            <a:extLst/>
-          </p:cNvPr>
+          <p:cNvPr id="19" name="Date Placeholder 14"/>
           <p:cNvSpPr>
             <a:spLocks noGrp="1"/>
           </p:cNvSpPr>
@@ -2772,7 +2754,7 @@
           <a:p>
             <a:fld id="{F0C99D87-AFAD-4B11-8D22-9469FA50E3E6}" type="datetime1">
               <a:rPr lang="en-US" smtClean="0"/>
-              <a:t>7/25/2019</a:t>
+              <a:t>2/13/2023</a:t>
             </a:fld>
             <a:endParaRPr lang="en-US" dirty="0"/>
           </a:p>
@@ -2780,9 +2762,7 @@
       </p:sp>
       <p:sp>
         <p:nvSpPr>
-          <p:cNvPr id="20" name="Slide Number Placeholder 6">
-            <a:extLst/>
-          </p:cNvPr>
+          <p:cNvPr id="20" name="Slide Number Placeholder 6"/>
           <p:cNvSpPr>
             <a:spLocks noGrp="1"/>
           </p:cNvSpPr>
@@ -3646,7 +3626,7 @@
           <p:cNvPr id="5" name="Title 1">
             <a:extLst>
               <a:ext uri="{FF2B5EF4-FFF2-40B4-BE49-F238E27FC236}">
-                <a16:creationId xmlns:a16="http://schemas.microsoft.com/office/drawing/2014/main" xmlns="" id="{BC32A823-2E32-FE4A-8912-5D4220A5E809}"/>
+                <a16:creationId xmlns:a16="http://schemas.microsoft.com/office/drawing/2014/main" id="{BC32A823-2E32-FE4A-8912-5D4220A5E809}"/>
               </a:ext>
             </a:extLst>
           </p:cNvPr>
@@ -3690,7 +3670,7 @@
           <p:cNvPr id="6" name="Straight Connector 5">
             <a:extLst>
               <a:ext uri="{FF2B5EF4-FFF2-40B4-BE49-F238E27FC236}">
-                <a16:creationId xmlns:a16="http://schemas.microsoft.com/office/drawing/2014/main" xmlns="" id="{7B9991CA-9693-DA47-A120-B5F05901E155}"/>
+                <a16:creationId xmlns:a16="http://schemas.microsoft.com/office/drawing/2014/main" id="{7B9991CA-9693-DA47-A120-B5F05901E155}"/>
               </a:ext>
             </a:extLst>
           </p:cNvPr>
@@ -3733,7 +3713,7 @@
           <p:cNvPr id="7" name="Text Placeholder 623">
             <a:extLst>
               <a:ext uri="{FF2B5EF4-FFF2-40B4-BE49-F238E27FC236}">
-                <a16:creationId xmlns:a16="http://schemas.microsoft.com/office/drawing/2014/main" xmlns="" id="{45F66B7E-6685-2741-8D81-759E92CD74F0}"/>
+                <a16:creationId xmlns:a16="http://schemas.microsoft.com/office/drawing/2014/main" id="{45F66B7E-6685-2741-8D81-759E92CD74F0}"/>
               </a:ext>
             </a:extLst>
           </p:cNvPr>
@@ -3779,9 +3759,7 @@
       </p:sp>
       <p:sp>
         <p:nvSpPr>
-          <p:cNvPr id="10" name="Date Placeholder 14">
-            <a:extLst/>
-          </p:cNvPr>
+          <p:cNvPr id="10" name="Date Placeholder 14"/>
           <p:cNvSpPr>
             <a:spLocks noGrp="1"/>
           </p:cNvSpPr>
@@ -3812,7 +3790,7 @@
           <a:p>
             <a:fld id="{F0C99D87-AFAD-4B11-8D22-9469FA50E3E6}" type="datetime1">
               <a:rPr lang="en-US" smtClean="0"/>
-              <a:t>7/25/2019</a:t>
+              <a:t>2/13/2023</a:t>
             </a:fld>
             <a:endParaRPr lang="en-US" dirty="0"/>
           </a:p>
@@ -3820,9 +3798,7 @@
       </p:sp>
       <p:sp>
         <p:nvSpPr>
-          <p:cNvPr id="11" name="Slide Number Placeholder 6">
-            <a:extLst/>
-          </p:cNvPr>
+          <p:cNvPr id="11" name="Slide Number Placeholder 6"/>
           <p:cNvSpPr>
             <a:spLocks noGrp="1"/>
           </p:cNvSpPr>
@@ -3905,7 +3881,7 @@
           <p:cNvPr id="10" name="Straight Connector 9">
             <a:extLst>
               <a:ext uri="{FF2B5EF4-FFF2-40B4-BE49-F238E27FC236}">
-                <a16:creationId xmlns:a16="http://schemas.microsoft.com/office/drawing/2014/main" xmlns="" id="{C99F0783-036D-944D-9BDE-BE26AA5B6C0A}"/>
+                <a16:creationId xmlns:a16="http://schemas.microsoft.com/office/drawing/2014/main" id="{C99F0783-036D-944D-9BDE-BE26AA5B6C0A}"/>
               </a:ext>
             </a:extLst>
           </p:cNvPr>
@@ -3954,7 +3930,7 @@
           <p:cNvPr id="12" name="Content Placeholder 4">
             <a:extLst>
               <a:ext uri="{FF2B5EF4-FFF2-40B4-BE49-F238E27FC236}">
-                <a16:creationId xmlns:a16="http://schemas.microsoft.com/office/drawing/2014/main" xmlns="" id="{1FDAFCB2-B2EB-B442-A106-65F4F9E022A4}"/>
+                <a16:creationId xmlns:a16="http://schemas.microsoft.com/office/drawing/2014/main" id="{1FDAFCB2-B2EB-B442-A106-65F4F9E022A4}"/>
               </a:ext>
             </a:extLst>
           </p:cNvPr>
@@ -4033,7 +4009,7 @@
           <p:cNvPr id="16" name="Content Placeholder 3">
             <a:extLst>
               <a:ext uri="{FF2B5EF4-FFF2-40B4-BE49-F238E27FC236}">
-                <a16:creationId xmlns:a16="http://schemas.microsoft.com/office/drawing/2014/main" xmlns="" id="{04055F18-C494-BA40-9345-4E81EA0A72C1}"/>
+                <a16:creationId xmlns:a16="http://schemas.microsoft.com/office/drawing/2014/main" id="{04055F18-C494-BA40-9345-4E81EA0A72C1}"/>
               </a:ext>
             </a:extLst>
           </p:cNvPr>
@@ -4219,7 +4195,7 @@
           <p:cNvPr id="3" name="Title 2">
             <a:extLst>
               <a:ext uri="{FF2B5EF4-FFF2-40B4-BE49-F238E27FC236}">
-                <a16:creationId xmlns:a16="http://schemas.microsoft.com/office/drawing/2014/main" xmlns="" id="{94E81F3C-A3F0-5C45-AC5C-5E3E76E2BA06}"/>
+                <a16:creationId xmlns:a16="http://schemas.microsoft.com/office/drawing/2014/main" id="{94E81F3C-A3F0-5C45-AC5C-5E3E76E2BA06}"/>
               </a:ext>
             </a:extLst>
           </p:cNvPr>
@@ -4253,7 +4229,7 @@
           <p:cNvPr id="9" name="Straight Connector 8">
             <a:extLst>
               <a:ext uri="{FF2B5EF4-FFF2-40B4-BE49-F238E27FC236}">
-                <a16:creationId xmlns:a16="http://schemas.microsoft.com/office/drawing/2014/main" xmlns="" id="{2A8999C6-1BB4-6840-82C6-4B0EA3C27C99}"/>
+                <a16:creationId xmlns:a16="http://schemas.microsoft.com/office/drawing/2014/main" id="{2A8999C6-1BB4-6840-82C6-4B0EA3C27C99}"/>
               </a:ext>
             </a:extLst>
           </p:cNvPr>
@@ -4296,7 +4272,7 @@
           <p:cNvPr id="4" name="Text Placeholder 3">
             <a:extLst>
               <a:ext uri="{FF2B5EF4-FFF2-40B4-BE49-F238E27FC236}">
-                <a16:creationId xmlns:a16="http://schemas.microsoft.com/office/drawing/2014/main" xmlns="" id="{92615417-DE54-7A46-A92C-1B28F9EFEF0F}"/>
+                <a16:creationId xmlns:a16="http://schemas.microsoft.com/office/drawing/2014/main" id="{92615417-DE54-7A46-A92C-1B28F9EFEF0F}"/>
               </a:ext>
             </a:extLst>
           </p:cNvPr>
@@ -4455,9 +4431,7 @@
       </p:sp>
       <p:sp>
         <p:nvSpPr>
-          <p:cNvPr id="7" name="Date Placeholder 14">
-            <a:extLst/>
-          </p:cNvPr>
+          <p:cNvPr id="7" name="Date Placeholder 14"/>
           <p:cNvSpPr>
             <a:spLocks noGrp="1"/>
           </p:cNvSpPr>
@@ -4488,7 +4462,7 @@
           <a:p>
             <a:fld id="{F0C99D87-AFAD-4B11-8D22-9469FA50E3E6}" type="datetime1">
               <a:rPr lang="en-US" smtClean="0"/>
-              <a:t>7/25/2019</a:t>
+              <a:t>2/13/2023</a:t>
             </a:fld>
             <a:endParaRPr lang="en-US" dirty="0"/>
           </a:p>
@@ -4496,9 +4470,7 @@
       </p:sp>
       <p:sp>
         <p:nvSpPr>
-          <p:cNvPr id="8" name="Slide Number Placeholder 6">
-            <a:extLst/>
-          </p:cNvPr>
+          <p:cNvPr id="8" name="Slide Number Placeholder 6"/>
           <p:cNvSpPr>
             <a:spLocks noGrp="1"/>
           </p:cNvSpPr>
@@ -4571,7 +4543,7 @@
           <p:cNvPr id="22" name="Straight Connector 21">
             <a:extLst>
               <a:ext uri="{FF2B5EF4-FFF2-40B4-BE49-F238E27FC236}">
-                <a16:creationId xmlns:a16="http://schemas.microsoft.com/office/drawing/2014/main" xmlns="" id="{CE3B927A-65C9-2246-99F7-D23790240C58}"/>
+                <a16:creationId xmlns:a16="http://schemas.microsoft.com/office/drawing/2014/main" id="{CE3B927A-65C9-2246-99F7-D23790240C58}"/>
               </a:ext>
             </a:extLst>
           </p:cNvPr>
@@ -4614,7 +4586,7 @@
           <p:cNvPr id="7" name="Picture Placeholder 6">
             <a:extLst>
               <a:ext uri="{FF2B5EF4-FFF2-40B4-BE49-F238E27FC236}">
-                <a16:creationId xmlns:a16="http://schemas.microsoft.com/office/drawing/2014/main" xmlns="" id="{A0774E77-E043-504C-ACE6-24B71FA45949}"/>
+                <a16:creationId xmlns:a16="http://schemas.microsoft.com/office/drawing/2014/main" id="{A0774E77-E043-504C-ACE6-24B71FA45949}"/>
               </a:ext>
             </a:extLst>
           </p:cNvPr>
@@ -4661,7 +4633,7 @@
           <p:cNvPr id="9" name="Content Placeholder 8">
             <a:extLst>
               <a:ext uri="{FF2B5EF4-FFF2-40B4-BE49-F238E27FC236}">
-                <a16:creationId xmlns:a16="http://schemas.microsoft.com/office/drawing/2014/main" xmlns="" id="{4E4385F9-7DF9-C747-9140-1CB14CA20DFC}"/>
+                <a16:creationId xmlns:a16="http://schemas.microsoft.com/office/drawing/2014/main" id="{4E4385F9-7DF9-C747-9140-1CB14CA20DFC}"/>
               </a:ext>
             </a:extLst>
           </p:cNvPr>
@@ -4747,7 +4719,7 @@
           <p:cNvPr id="32" name="Content Placeholder 8">
             <a:extLst>
               <a:ext uri="{FF2B5EF4-FFF2-40B4-BE49-F238E27FC236}">
-                <a16:creationId xmlns:a16="http://schemas.microsoft.com/office/drawing/2014/main" xmlns="" id="{CE2A1EDC-2C75-9740-9ED9-6482C8F4D9DC}"/>
+                <a16:creationId xmlns:a16="http://schemas.microsoft.com/office/drawing/2014/main" id="{CE2A1EDC-2C75-9740-9ED9-6482C8F4D9DC}"/>
               </a:ext>
             </a:extLst>
           </p:cNvPr>
@@ -4875,7 +4847,7 @@
           <p:cNvPr id="33" name="Picture Placeholder 6">
             <a:extLst>
               <a:ext uri="{FF2B5EF4-FFF2-40B4-BE49-F238E27FC236}">
-                <a16:creationId xmlns:a16="http://schemas.microsoft.com/office/drawing/2014/main" xmlns="" id="{B29C05CD-147F-4443-A557-CFB1A4135534}"/>
+                <a16:creationId xmlns:a16="http://schemas.microsoft.com/office/drawing/2014/main" id="{B29C05CD-147F-4443-A557-CFB1A4135534}"/>
               </a:ext>
             </a:extLst>
           </p:cNvPr>
@@ -4922,7 +4894,7 @@
           <p:cNvPr id="34" name="Content Placeholder 8">
             <a:extLst>
               <a:ext uri="{FF2B5EF4-FFF2-40B4-BE49-F238E27FC236}">
-                <a16:creationId xmlns:a16="http://schemas.microsoft.com/office/drawing/2014/main" xmlns="" id="{37C7FAA8-41F2-F54C-87F9-17FE72DD537C}"/>
+                <a16:creationId xmlns:a16="http://schemas.microsoft.com/office/drawing/2014/main" id="{37C7FAA8-41F2-F54C-87F9-17FE72DD537C}"/>
               </a:ext>
             </a:extLst>
           </p:cNvPr>
@@ -5008,7 +4980,7 @@
           <p:cNvPr id="35" name="Content Placeholder 8">
             <a:extLst>
               <a:ext uri="{FF2B5EF4-FFF2-40B4-BE49-F238E27FC236}">
-                <a16:creationId xmlns:a16="http://schemas.microsoft.com/office/drawing/2014/main" xmlns="" id="{F8445A30-D024-C04D-9119-56C71802227A}"/>
+                <a16:creationId xmlns:a16="http://schemas.microsoft.com/office/drawing/2014/main" id="{F8445A30-D024-C04D-9119-56C71802227A}"/>
               </a:ext>
             </a:extLst>
           </p:cNvPr>
@@ -5136,7 +5108,7 @@
           <p:cNvPr id="36" name="Picture Placeholder 6">
             <a:extLst>
               <a:ext uri="{FF2B5EF4-FFF2-40B4-BE49-F238E27FC236}">
-                <a16:creationId xmlns:a16="http://schemas.microsoft.com/office/drawing/2014/main" xmlns="" id="{21F6F720-5328-4144-A463-C367FB601D41}"/>
+                <a16:creationId xmlns:a16="http://schemas.microsoft.com/office/drawing/2014/main" id="{21F6F720-5328-4144-A463-C367FB601D41}"/>
               </a:ext>
             </a:extLst>
           </p:cNvPr>
@@ -5183,7 +5155,7 @@
           <p:cNvPr id="37" name="Content Placeholder 8">
             <a:extLst>
               <a:ext uri="{FF2B5EF4-FFF2-40B4-BE49-F238E27FC236}">
-                <a16:creationId xmlns:a16="http://schemas.microsoft.com/office/drawing/2014/main" xmlns="" id="{F7B4EC80-8192-DC43-B1DD-B0739E9B4C60}"/>
+                <a16:creationId xmlns:a16="http://schemas.microsoft.com/office/drawing/2014/main" id="{F7B4EC80-8192-DC43-B1DD-B0739E9B4C60}"/>
               </a:ext>
             </a:extLst>
           </p:cNvPr>
@@ -5269,7 +5241,7 @@
           <p:cNvPr id="38" name="Content Placeholder 8">
             <a:extLst>
               <a:ext uri="{FF2B5EF4-FFF2-40B4-BE49-F238E27FC236}">
-                <a16:creationId xmlns:a16="http://schemas.microsoft.com/office/drawing/2014/main" xmlns="" id="{ED8A264A-E1CE-D24C-BC62-C29EFE0AF580}"/>
+                <a16:creationId xmlns:a16="http://schemas.microsoft.com/office/drawing/2014/main" id="{ED8A264A-E1CE-D24C-BC62-C29EFE0AF580}"/>
               </a:ext>
             </a:extLst>
           </p:cNvPr>
@@ -5397,7 +5369,7 @@
           <p:cNvPr id="39" name="Picture Placeholder 6">
             <a:extLst>
               <a:ext uri="{FF2B5EF4-FFF2-40B4-BE49-F238E27FC236}">
-                <a16:creationId xmlns:a16="http://schemas.microsoft.com/office/drawing/2014/main" xmlns="" id="{69D91425-B53D-AA4A-925C-F492B4DA64F4}"/>
+                <a16:creationId xmlns:a16="http://schemas.microsoft.com/office/drawing/2014/main" id="{69D91425-B53D-AA4A-925C-F492B4DA64F4}"/>
               </a:ext>
             </a:extLst>
           </p:cNvPr>
@@ -5444,7 +5416,7 @@
           <p:cNvPr id="40" name="Content Placeholder 8">
             <a:extLst>
               <a:ext uri="{FF2B5EF4-FFF2-40B4-BE49-F238E27FC236}">
-                <a16:creationId xmlns:a16="http://schemas.microsoft.com/office/drawing/2014/main" xmlns="" id="{A250792F-E381-5C45-8472-FC5038DB3C2D}"/>
+                <a16:creationId xmlns:a16="http://schemas.microsoft.com/office/drawing/2014/main" id="{A250792F-E381-5C45-8472-FC5038DB3C2D}"/>
               </a:ext>
             </a:extLst>
           </p:cNvPr>
@@ -5530,7 +5502,7 @@
           <p:cNvPr id="41" name="Content Placeholder 8">
             <a:extLst>
               <a:ext uri="{FF2B5EF4-FFF2-40B4-BE49-F238E27FC236}">
-                <a16:creationId xmlns:a16="http://schemas.microsoft.com/office/drawing/2014/main" xmlns="" id="{97F6E0BA-F36F-A049-BEB6-B0041C17E05D}"/>
+                <a16:creationId xmlns:a16="http://schemas.microsoft.com/office/drawing/2014/main" id="{97F6E0BA-F36F-A049-BEB6-B0041C17E05D}"/>
               </a:ext>
             </a:extLst>
           </p:cNvPr>
@@ -5658,7 +5630,7 @@
           <p:cNvPr id="42" name="Picture Placeholder 6">
             <a:extLst>
               <a:ext uri="{FF2B5EF4-FFF2-40B4-BE49-F238E27FC236}">
-                <a16:creationId xmlns:a16="http://schemas.microsoft.com/office/drawing/2014/main" xmlns="" id="{279C246A-59B6-4841-8FBA-0053C5323BC1}"/>
+                <a16:creationId xmlns:a16="http://schemas.microsoft.com/office/drawing/2014/main" id="{279C246A-59B6-4841-8FBA-0053C5323BC1}"/>
               </a:ext>
             </a:extLst>
           </p:cNvPr>
@@ -5705,7 +5677,7 @@
           <p:cNvPr id="43" name="Content Placeholder 8">
             <a:extLst>
               <a:ext uri="{FF2B5EF4-FFF2-40B4-BE49-F238E27FC236}">
-                <a16:creationId xmlns:a16="http://schemas.microsoft.com/office/drawing/2014/main" xmlns="" id="{CC845706-6037-0249-9F58-FB4E9D33DD00}"/>
+                <a16:creationId xmlns:a16="http://schemas.microsoft.com/office/drawing/2014/main" id="{CC845706-6037-0249-9F58-FB4E9D33DD00}"/>
               </a:ext>
             </a:extLst>
           </p:cNvPr>
@@ -5791,7 +5763,7 @@
           <p:cNvPr id="44" name="Content Placeholder 8">
             <a:extLst>
               <a:ext uri="{FF2B5EF4-FFF2-40B4-BE49-F238E27FC236}">
-                <a16:creationId xmlns:a16="http://schemas.microsoft.com/office/drawing/2014/main" xmlns="" id="{C52A1D35-9FE4-6140-9517-CE7FBEFD664C}"/>
+                <a16:creationId xmlns:a16="http://schemas.microsoft.com/office/drawing/2014/main" id="{C52A1D35-9FE4-6140-9517-CE7FBEFD664C}"/>
               </a:ext>
             </a:extLst>
           </p:cNvPr>
@@ -5919,7 +5891,7 @@
           <p:cNvPr id="45" name="Picture Placeholder 6">
             <a:extLst>
               <a:ext uri="{FF2B5EF4-FFF2-40B4-BE49-F238E27FC236}">
-                <a16:creationId xmlns:a16="http://schemas.microsoft.com/office/drawing/2014/main" xmlns="" id="{7F8A2272-AB36-D947-859E-DF5469905385}"/>
+                <a16:creationId xmlns:a16="http://schemas.microsoft.com/office/drawing/2014/main" id="{7F8A2272-AB36-D947-859E-DF5469905385}"/>
               </a:ext>
             </a:extLst>
           </p:cNvPr>
@@ -5966,7 +5938,7 @@
           <p:cNvPr id="46" name="Content Placeholder 8">
             <a:extLst>
               <a:ext uri="{FF2B5EF4-FFF2-40B4-BE49-F238E27FC236}">
-                <a16:creationId xmlns:a16="http://schemas.microsoft.com/office/drawing/2014/main" xmlns="" id="{3F6ACA93-999A-7E46-B07F-5B2DCC1D692C}"/>
+                <a16:creationId xmlns:a16="http://schemas.microsoft.com/office/drawing/2014/main" id="{3F6ACA93-999A-7E46-B07F-5B2DCC1D692C}"/>
               </a:ext>
             </a:extLst>
           </p:cNvPr>
@@ -6052,7 +6024,7 @@
           <p:cNvPr id="47" name="Content Placeholder 8">
             <a:extLst>
               <a:ext uri="{FF2B5EF4-FFF2-40B4-BE49-F238E27FC236}">
-                <a16:creationId xmlns:a16="http://schemas.microsoft.com/office/drawing/2014/main" xmlns="" id="{E1F25B93-8052-3845-86BE-DA6566FB0CA2}"/>
+                <a16:creationId xmlns:a16="http://schemas.microsoft.com/office/drawing/2014/main" id="{E1F25B93-8052-3845-86BE-DA6566FB0CA2}"/>
               </a:ext>
             </a:extLst>
           </p:cNvPr>
@@ -6177,9 +6149,7 @@
       </p:sp>
       <p:sp>
         <p:nvSpPr>
-          <p:cNvPr id="25" name="Title 2">
-            <a:extLst/>
-          </p:cNvPr>
+          <p:cNvPr id="25" name="Title 2"/>
           <p:cNvSpPr>
             <a:spLocks noGrp="1"/>
           </p:cNvSpPr>
@@ -6212,9 +6182,7 @@
       </p:sp>
       <p:sp>
         <p:nvSpPr>
-          <p:cNvPr id="24" name="Date Placeholder 14">
-            <a:extLst/>
-          </p:cNvPr>
+          <p:cNvPr id="24" name="Date Placeholder 14"/>
           <p:cNvSpPr>
             <a:spLocks noGrp="1"/>
           </p:cNvSpPr>
@@ -6245,7 +6213,7 @@
           <a:p>
             <a:fld id="{F0C99D87-AFAD-4B11-8D22-9469FA50E3E6}" type="datetime1">
               <a:rPr lang="en-US" smtClean="0"/>
-              <a:t>7/25/2019</a:t>
+              <a:t>2/13/2023</a:t>
             </a:fld>
             <a:endParaRPr lang="en-US" dirty="0"/>
           </a:p>
@@ -6253,9 +6221,7 @@
       </p:sp>
       <p:sp>
         <p:nvSpPr>
-          <p:cNvPr id="26" name="Slide Number Placeholder 6">
-            <a:extLst/>
-          </p:cNvPr>
+          <p:cNvPr id="26" name="Slide Number Placeholder 6"/>
           <p:cNvSpPr>
             <a:spLocks noGrp="1"/>
           </p:cNvSpPr>
@@ -6340,7 +6306,7 @@
           <p:cNvPr id="2" name="Title 1">
             <a:extLst>
               <a:ext uri="{FF2B5EF4-FFF2-40B4-BE49-F238E27FC236}">
-                <a16:creationId xmlns:a16="http://schemas.microsoft.com/office/drawing/2014/main" xmlns="" id="{970DC997-9FB6-D045-9852-6C2F156B7477}"/>
+                <a16:creationId xmlns:a16="http://schemas.microsoft.com/office/drawing/2014/main" id="{970DC997-9FB6-D045-9852-6C2F156B7477}"/>
               </a:ext>
             </a:extLst>
           </p:cNvPr>
@@ -6378,7 +6344,7 @@
           <p:cNvPr id="22" name="Straight Connector 21">
             <a:extLst>
               <a:ext uri="{FF2B5EF4-FFF2-40B4-BE49-F238E27FC236}">
-                <a16:creationId xmlns:a16="http://schemas.microsoft.com/office/drawing/2014/main" xmlns="" id="{CE3B927A-65C9-2246-99F7-D23790240C58}"/>
+                <a16:creationId xmlns:a16="http://schemas.microsoft.com/office/drawing/2014/main" id="{CE3B927A-65C9-2246-99F7-D23790240C58}"/>
               </a:ext>
             </a:extLst>
           </p:cNvPr>
@@ -6421,7 +6387,7 @@
           <p:cNvPr id="624" name="Text Placeholder 623">
             <a:extLst>
               <a:ext uri="{FF2B5EF4-FFF2-40B4-BE49-F238E27FC236}">
-                <a16:creationId xmlns:a16="http://schemas.microsoft.com/office/drawing/2014/main" xmlns="" id="{F13131B2-6C30-0A42-9D55-5B7CC94F4040}"/>
+                <a16:creationId xmlns:a16="http://schemas.microsoft.com/office/drawing/2014/main" id="{F13131B2-6C30-0A42-9D55-5B7CC94F4040}"/>
               </a:ext>
             </a:extLst>
           </p:cNvPr>
@@ -6469,7 +6435,7 @@
           <p:cNvPr id="8" name="Rectangle 7">
             <a:extLst>
               <a:ext uri="{FF2B5EF4-FFF2-40B4-BE49-F238E27FC236}">
-                <a16:creationId xmlns:a16="http://schemas.microsoft.com/office/drawing/2014/main" xmlns="" id="{2738D98C-CC92-9444-8D21-3E66E8C747EC}"/>
+                <a16:creationId xmlns:a16="http://schemas.microsoft.com/office/drawing/2014/main" id="{2738D98C-CC92-9444-8D21-3E66E8C747EC}"/>
               </a:ext>
             </a:extLst>
           </p:cNvPr>
@@ -6523,7 +6489,7 @@
           <p:cNvPr id="31" name="Rectangle 30">
             <a:extLst>
               <a:ext uri="{FF2B5EF4-FFF2-40B4-BE49-F238E27FC236}">
-                <a16:creationId xmlns:a16="http://schemas.microsoft.com/office/drawing/2014/main" xmlns="" id="{2DD5F79D-DDF6-5443-BD9D-C45650A29A72}"/>
+                <a16:creationId xmlns:a16="http://schemas.microsoft.com/office/drawing/2014/main" id="{2DD5F79D-DDF6-5443-BD9D-C45650A29A72}"/>
               </a:ext>
             </a:extLst>
           </p:cNvPr>
@@ -6577,7 +6543,7 @@
           <p:cNvPr id="32" name="Rectangle 31">
             <a:extLst>
               <a:ext uri="{FF2B5EF4-FFF2-40B4-BE49-F238E27FC236}">
-                <a16:creationId xmlns:a16="http://schemas.microsoft.com/office/drawing/2014/main" xmlns="" id="{B25E3315-D25C-2845-B512-76E55298C31F}"/>
+                <a16:creationId xmlns:a16="http://schemas.microsoft.com/office/drawing/2014/main" id="{B25E3315-D25C-2845-B512-76E55298C31F}"/>
               </a:ext>
             </a:extLst>
           </p:cNvPr>
@@ -6631,7 +6597,7 @@
           <p:cNvPr id="33" name="Text Placeholder 18">
             <a:extLst>
               <a:ext uri="{FF2B5EF4-FFF2-40B4-BE49-F238E27FC236}">
-                <a16:creationId xmlns:a16="http://schemas.microsoft.com/office/drawing/2014/main" xmlns="" id="{AECF946E-527F-EE4F-99FB-A72D0602184D}"/>
+                <a16:creationId xmlns:a16="http://schemas.microsoft.com/office/drawing/2014/main" id="{AECF946E-527F-EE4F-99FB-A72D0602184D}"/>
               </a:ext>
             </a:extLst>
           </p:cNvPr>
@@ -6713,7 +6679,7 @@
           <p:cNvPr id="34" name="Text Placeholder 18">
             <a:extLst>
               <a:ext uri="{FF2B5EF4-FFF2-40B4-BE49-F238E27FC236}">
-                <a16:creationId xmlns:a16="http://schemas.microsoft.com/office/drawing/2014/main" xmlns="" id="{0DE19446-6892-4F45-BBD8-39528DEB50D0}"/>
+                <a16:creationId xmlns:a16="http://schemas.microsoft.com/office/drawing/2014/main" id="{0DE19446-6892-4F45-BBD8-39528DEB50D0}"/>
               </a:ext>
             </a:extLst>
           </p:cNvPr>
@@ -6830,7 +6796,7 @@
           <p:cNvPr id="35" name="Text Placeholder 18">
             <a:extLst>
               <a:ext uri="{FF2B5EF4-FFF2-40B4-BE49-F238E27FC236}">
-                <a16:creationId xmlns:a16="http://schemas.microsoft.com/office/drawing/2014/main" xmlns="" id="{14D67D08-4BC2-8A41-A285-F59C411D3EB4}"/>
+                <a16:creationId xmlns:a16="http://schemas.microsoft.com/office/drawing/2014/main" id="{14D67D08-4BC2-8A41-A285-F59C411D3EB4}"/>
               </a:ext>
             </a:extLst>
           </p:cNvPr>
@@ -6912,7 +6878,7 @@
           <p:cNvPr id="36" name="Text Placeholder 18">
             <a:extLst>
               <a:ext uri="{FF2B5EF4-FFF2-40B4-BE49-F238E27FC236}">
-                <a16:creationId xmlns:a16="http://schemas.microsoft.com/office/drawing/2014/main" xmlns="" id="{30A9CC9B-BCFD-1C48-9E3B-FAFE7A445215}"/>
+                <a16:creationId xmlns:a16="http://schemas.microsoft.com/office/drawing/2014/main" id="{30A9CC9B-BCFD-1C48-9E3B-FAFE7A445215}"/>
               </a:ext>
             </a:extLst>
           </p:cNvPr>
@@ -7047,7 +7013,7 @@
           <p:cNvPr id="37" name="Text Placeholder 18">
             <a:extLst>
               <a:ext uri="{FF2B5EF4-FFF2-40B4-BE49-F238E27FC236}">
-                <a16:creationId xmlns:a16="http://schemas.microsoft.com/office/drawing/2014/main" xmlns="" id="{245E9C70-408B-D743-A43B-A83DD6AF8C9B}"/>
+                <a16:creationId xmlns:a16="http://schemas.microsoft.com/office/drawing/2014/main" id="{245E9C70-408B-D743-A43B-A83DD6AF8C9B}"/>
               </a:ext>
             </a:extLst>
           </p:cNvPr>
@@ -7129,7 +7095,7 @@
           <p:cNvPr id="38" name="Text Placeholder 18">
             <a:extLst>
               <a:ext uri="{FF2B5EF4-FFF2-40B4-BE49-F238E27FC236}">
-                <a16:creationId xmlns:a16="http://schemas.microsoft.com/office/drawing/2014/main" xmlns="" id="{F6C64DA1-9B80-A34D-983C-D4BB0DCF3A62}"/>
+                <a16:creationId xmlns:a16="http://schemas.microsoft.com/office/drawing/2014/main" id="{F6C64DA1-9B80-A34D-983C-D4BB0DCF3A62}"/>
               </a:ext>
             </a:extLst>
           </p:cNvPr>
@@ -7264,7 +7230,7 @@
           <p:cNvPr id="39" name="Rectangle 38">
             <a:extLst>
               <a:ext uri="{FF2B5EF4-FFF2-40B4-BE49-F238E27FC236}">
-                <a16:creationId xmlns:a16="http://schemas.microsoft.com/office/drawing/2014/main" xmlns="" id="{D4D8573A-27FF-0D49-B1F4-D131B7211CBC}"/>
+                <a16:creationId xmlns:a16="http://schemas.microsoft.com/office/drawing/2014/main" id="{D4D8573A-27FF-0D49-B1F4-D131B7211CBC}"/>
               </a:ext>
             </a:extLst>
           </p:cNvPr>
@@ -7318,7 +7284,7 @@
           <p:cNvPr id="40" name="Rectangle 39">
             <a:extLst>
               <a:ext uri="{FF2B5EF4-FFF2-40B4-BE49-F238E27FC236}">
-                <a16:creationId xmlns:a16="http://schemas.microsoft.com/office/drawing/2014/main" xmlns="" id="{A0D3707C-6789-194D-AE7C-4576306CAF57}"/>
+                <a16:creationId xmlns:a16="http://schemas.microsoft.com/office/drawing/2014/main" id="{A0D3707C-6789-194D-AE7C-4576306CAF57}"/>
               </a:ext>
             </a:extLst>
           </p:cNvPr>
@@ -7372,7 +7338,7 @@
           <p:cNvPr id="41" name="Rectangle 40">
             <a:extLst>
               <a:ext uri="{FF2B5EF4-FFF2-40B4-BE49-F238E27FC236}">
-                <a16:creationId xmlns:a16="http://schemas.microsoft.com/office/drawing/2014/main" xmlns="" id="{B4159AB7-562C-EF4F-A038-B2F28EB86407}"/>
+                <a16:creationId xmlns:a16="http://schemas.microsoft.com/office/drawing/2014/main" id="{B4159AB7-562C-EF4F-A038-B2F28EB86407}"/>
               </a:ext>
             </a:extLst>
           </p:cNvPr>
@@ -7426,7 +7392,7 @@
           <p:cNvPr id="42" name="Text Placeholder 18">
             <a:extLst>
               <a:ext uri="{FF2B5EF4-FFF2-40B4-BE49-F238E27FC236}">
-                <a16:creationId xmlns:a16="http://schemas.microsoft.com/office/drawing/2014/main" xmlns="" id="{88D0E5D3-8CD6-D64F-A31A-004E932DE7F9}"/>
+                <a16:creationId xmlns:a16="http://schemas.microsoft.com/office/drawing/2014/main" id="{88D0E5D3-8CD6-D64F-A31A-004E932DE7F9}"/>
               </a:ext>
             </a:extLst>
           </p:cNvPr>
@@ -7508,7 +7474,7 @@
           <p:cNvPr id="43" name="Text Placeholder 18">
             <a:extLst>
               <a:ext uri="{FF2B5EF4-FFF2-40B4-BE49-F238E27FC236}">
-                <a16:creationId xmlns:a16="http://schemas.microsoft.com/office/drawing/2014/main" xmlns="" id="{FDD28E3F-B55B-974B-A6CD-313EC1137ED4}"/>
+                <a16:creationId xmlns:a16="http://schemas.microsoft.com/office/drawing/2014/main" id="{FDD28E3F-B55B-974B-A6CD-313EC1137ED4}"/>
               </a:ext>
             </a:extLst>
           </p:cNvPr>
@@ -7643,7 +7609,7 @@
           <p:cNvPr id="44" name="Text Placeholder 18">
             <a:extLst>
               <a:ext uri="{FF2B5EF4-FFF2-40B4-BE49-F238E27FC236}">
-                <a16:creationId xmlns:a16="http://schemas.microsoft.com/office/drawing/2014/main" xmlns="" id="{276AFB49-1DAB-0A45-A380-6E556384230D}"/>
+                <a16:creationId xmlns:a16="http://schemas.microsoft.com/office/drawing/2014/main" id="{276AFB49-1DAB-0A45-A380-6E556384230D}"/>
               </a:ext>
             </a:extLst>
           </p:cNvPr>
@@ -7725,7 +7691,7 @@
           <p:cNvPr id="45" name="Text Placeholder 18">
             <a:extLst>
               <a:ext uri="{FF2B5EF4-FFF2-40B4-BE49-F238E27FC236}">
-                <a16:creationId xmlns:a16="http://schemas.microsoft.com/office/drawing/2014/main" xmlns="" id="{BC71BA58-1C4A-5C4B-854A-DE7E6DAB9396}"/>
+                <a16:creationId xmlns:a16="http://schemas.microsoft.com/office/drawing/2014/main" id="{BC71BA58-1C4A-5C4B-854A-DE7E6DAB9396}"/>
               </a:ext>
             </a:extLst>
           </p:cNvPr>
@@ -7860,7 +7826,7 @@
           <p:cNvPr id="46" name="Text Placeholder 18">
             <a:extLst>
               <a:ext uri="{FF2B5EF4-FFF2-40B4-BE49-F238E27FC236}">
-                <a16:creationId xmlns:a16="http://schemas.microsoft.com/office/drawing/2014/main" xmlns="" id="{80CC180B-8AAD-9147-816F-D9C8A74CC687}"/>
+                <a16:creationId xmlns:a16="http://schemas.microsoft.com/office/drawing/2014/main" id="{80CC180B-8AAD-9147-816F-D9C8A74CC687}"/>
               </a:ext>
             </a:extLst>
           </p:cNvPr>
@@ -7942,7 +7908,7 @@
           <p:cNvPr id="47" name="Text Placeholder 18">
             <a:extLst>
               <a:ext uri="{FF2B5EF4-FFF2-40B4-BE49-F238E27FC236}">
-                <a16:creationId xmlns:a16="http://schemas.microsoft.com/office/drawing/2014/main" xmlns="" id="{78F293EA-B788-D54B-B4FB-0C4C2C4F7993}"/>
+                <a16:creationId xmlns:a16="http://schemas.microsoft.com/office/drawing/2014/main" id="{78F293EA-B788-D54B-B4FB-0C4C2C4F7993}"/>
               </a:ext>
             </a:extLst>
           </p:cNvPr>
@@ -8074,9 +8040,7 @@
       </p:sp>
       <p:sp>
         <p:nvSpPr>
-          <p:cNvPr id="25" name="Date Placeholder 14">
-            <a:extLst/>
-          </p:cNvPr>
+          <p:cNvPr id="25" name="Date Placeholder 14"/>
           <p:cNvSpPr>
             <a:spLocks noGrp="1"/>
           </p:cNvSpPr>
@@ -8107,7 +8071,7 @@
           <a:p>
             <a:fld id="{F0C99D87-AFAD-4B11-8D22-9469FA50E3E6}" type="datetime1">
               <a:rPr lang="en-US" smtClean="0"/>
-              <a:t>7/25/2019</a:t>
+              <a:t>2/13/2023</a:t>
             </a:fld>
             <a:endParaRPr lang="en-US" dirty="0"/>
           </a:p>
@@ -8115,9 +8079,7 @@
       </p:sp>
       <p:sp>
         <p:nvSpPr>
-          <p:cNvPr id="26" name="Slide Number Placeholder 6">
-            <a:extLst/>
-          </p:cNvPr>
+          <p:cNvPr id="26" name="Slide Number Placeholder 6"/>
           <p:cNvSpPr>
             <a:spLocks noGrp="1"/>
           </p:cNvSpPr>
@@ -8202,7 +8164,7 @@
           <p:cNvPr id="2" name="Title 1">
             <a:extLst>
               <a:ext uri="{FF2B5EF4-FFF2-40B4-BE49-F238E27FC236}">
-                <a16:creationId xmlns:a16="http://schemas.microsoft.com/office/drawing/2014/main" xmlns="" id="{970DC997-9FB6-D045-9852-6C2F156B7477}"/>
+                <a16:creationId xmlns:a16="http://schemas.microsoft.com/office/drawing/2014/main" id="{970DC997-9FB6-D045-9852-6C2F156B7477}"/>
               </a:ext>
             </a:extLst>
           </p:cNvPr>
@@ -8240,7 +8202,7 @@
           <p:cNvPr id="22" name="Straight Connector 21">
             <a:extLst>
               <a:ext uri="{FF2B5EF4-FFF2-40B4-BE49-F238E27FC236}">
-                <a16:creationId xmlns:a16="http://schemas.microsoft.com/office/drawing/2014/main" xmlns="" id="{CE3B927A-65C9-2246-99F7-D23790240C58}"/>
+                <a16:creationId xmlns:a16="http://schemas.microsoft.com/office/drawing/2014/main" id="{CE3B927A-65C9-2246-99F7-D23790240C58}"/>
               </a:ext>
             </a:extLst>
           </p:cNvPr>
@@ -8283,7 +8245,7 @@
           <p:cNvPr id="624" name="Text Placeholder 623">
             <a:extLst>
               <a:ext uri="{FF2B5EF4-FFF2-40B4-BE49-F238E27FC236}">
-                <a16:creationId xmlns:a16="http://schemas.microsoft.com/office/drawing/2014/main" xmlns="" id="{F13131B2-6C30-0A42-9D55-5B7CC94F4040}"/>
+                <a16:creationId xmlns:a16="http://schemas.microsoft.com/office/drawing/2014/main" id="{F13131B2-6C30-0A42-9D55-5B7CC94F4040}"/>
               </a:ext>
             </a:extLst>
           </p:cNvPr>
@@ -8331,7 +8293,7 @@
           <p:cNvPr id="8" name="Rectangle 7">
             <a:extLst>
               <a:ext uri="{FF2B5EF4-FFF2-40B4-BE49-F238E27FC236}">
-                <a16:creationId xmlns:a16="http://schemas.microsoft.com/office/drawing/2014/main" xmlns="" id="{2738D98C-CC92-9444-8D21-3E66E8C747EC}"/>
+                <a16:creationId xmlns:a16="http://schemas.microsoft.com/office/drawing/2014/main" id="{2738D98C-CC92-9444-8D21-3E66E8C747EC}"/>
               </a:ext>
             </a:extLst>
           </p:cNvPr>
@@ -8385,7 +8347,7 @@
           <p:cNvPr id="32" name="Rectangle 31">
             <a:extLst>
               <a:ext uri="{FF2B5EF4-FFF2-40B4-BE49-F238E27FC236}">
-                <a16:creationId xmlns:a16="http://schemas.microsoft.com/office/drawing/2014/main" xmlns="" id="{B25E3315-D25C-2845-B512-76E55298C31F}"/>
+                <a16:creationId xmlns:a16="http://schemas.microsoft.com/office/drawing/2014/main" id="{B25E3315-D25C-2845-B512-76E55298C31F}"/>
               </a:ext>
             </a:extLst>
           </p:cNvPr>
@@ -8439,7 +8401,7 @@
           <p:cNvPr id="33" name="Text Placeholder 18">
             <a:extLst>
               <a:ext uri="{FF2B5EF4-FFF2-40B4-BE49-F238E27FC236}">
-                <a16:creationId xmlns:a16="http://schemas.microsoft.com/office/drawing/2014/main" xmlns="" id="{AECF946E-527F-EE4F-99FB-A72D0602184D}"/>
+                <a16:creationId xmlns:a16="http://schemas.microsoft.com/office/drawing/2014/main" id="{AECF946E-527F-EE4F-99FB-A72D0602184D}"/>
               </a:ext>
             </a:extLst>
           </p:cNvPr>
@@ -8521,7 +8483,7 @@
           <p:cNvPr id="35" name="Text Placeholder 18">
             <a:extLst>
               <a:ext uri="{FF2B5EF4-FFF2-40B4-BE49-F238E27FC236}">
-                <a16:creationId xmlns:a16="http://schemas.microsoft.com/office/drawing/2014/main" xmlns="" id="{14D67D08-4BC2-8A41-A285-F59C411D3EB4}"/>
+                <a16:creationId xmlns:a16="http://schemas.microsoft.com/office/drawing/2014/main" id="{14D67D08-4BC2-8A41-A285-F59C411D3EB4}"/>
               </a:ext>
             </a:extLst>
           </p:cNvPr>
@@ -8605,7 +8567,7 @@
           <p:cNvPr id="37" name="Text Placeholder 18">
             <a:extLst>
               <a:ext uri="{FF2B5EF4-FFF2-40B4-BE49-F238E27FC236}">
-                <a16:creationId xmlns:a16="http://schemas.microsoft.com/office/drawing/2014/main" xmlns="" id="{245E9C70-408B-D743-A43B-A83DD6AF8C9B}"/>
+                <a16:creationId xmlns:a16="http://schemas.microsoft.com/office/drawing/2014/main" id="{245E9C70-408B-D743-A43B-A83DD6AF8C9B}"/>
               </a:ext>
             </a:extLst>
           </p:cNvPr>
@@ -8687,7 +8649,7 @@
           <p:cNvPr id="40" name="Rectangle 39">
             <a:extLst>
               <a:ext uri="{FF2B5EF4-FFF2-40B4-BE49-F238E27FC236}">
-                <a16:creationId xmlns:a16="http://schemas.microsoft.com/office/drawing/2014/main" xmlns="" id="{A0D3707C-6789-194D-AE7C-4576306CAF57}"/>
+                <a16:creationId xmlns:a16="http://schemas.microsoft.com/office/drawing/2014/main" id="{A0D3707C-6789-194D-AE7C-4576306CAF57}"/>
               </a:ext>
             </a:extLst>
           </p:cNvPr>
@@ -8741,7 +8703,7 @@
           <p:cNvPr id="42" name="Text Placeholder 18">
             <a:extLst>
               <a:ext uri="{FF2B5EF4-FFF2-40B4-BE49-F238E27FC236}">
-                <a16:creationId xmlns:a16="http://schemas.microsoft.com/office/drawing/2014/main" xmlns="" id="{88D0E5D3-8CD6-D64F-A31A-004E932DE7F9}"/>
+                <a16:creationId xmlns:a16="http://schemas.microsoft.com/office/drawing/2014/main" id="{88D0E5D3-8CD6-D64F-A31A-004E932DE7F9}"/>
               </a:ext>
             </a:extLst>
           </p:cNvPr>
@@ -8825,7 +8787,7 @@
           <p:cNvPr id="44" name="Text Placeholder 18">
             <a:extLst>
               <a:ext uri="{FF2B5EF4-FFF2-40B4-BE49-F238E27FC236}">
-                <a16:creationId xmlns:a16="http://schemas.microsoft.com/office/drawing/2014/main" xmlns="" id="{276AFB49-1DAB-0A45-A380-6E556384230D}"/>
+                <a16:creationId xmlns:a16="http://schemas.microsoft.com/office/drawing/2014/main" id="{276AFB49-1DAB-0A45-A380-6E556384230D}"/>
               </a:ext>
             </a:extLst>
           </p:cNvPr>
@@ -8907,7 +8869,7 @@
           <p:cNvPr id="46" name="Text Placeholder 18">
             <a:extLst>
               <a:ext uri="{FF2B5EF4-FFF2-40B4-BE49-F238E27FC236}">
-                <a16:creationId xmlns:a16="http://schemas.microsoft.com/office/drawing/2014/main" xmlns="" id="{80CC180B-8AAD-9147-816F-D9C8A74CC687}"/>
+                <a16:creationId xmlns:a16="http://schemas.microsoft.com/office/drawing/2014/main" id="{80CC180B-8AAD-9147-816F-D9C8A74CC687}"/>
               </a:ext>
             </a:extLst>
           </p:cNvPr>
@@ -8991,7 +8953,7 @@
           <p:cNvPr id="23" name="Text Placeholder 18">
             <a:extLst>
               <a:ext uri="{FF2B5EF4-FFF2-40B4-BE49-F238E27FC236}">
-                <a16:creationId xmlns:a16="http://schemas.microsoft.com/office/drawing/2014/main" xmlns="" id="{A1F92122-B658-DD4B-BB97-A9939E833D20}"/>
+                <a16:creationId xmlns:a16="http://schemas.microsoft.com/office/drawing/2014/main" id="{A1F92122-B658-DD4B-BB97-A9939E833D20}"/>
               </a:ext>
             </a:extLst>
           </p:cNvPr>
@@ -9108,7 +9070,7 @@
           <p:cNvPr id="24" name="Text Placeholder 18">
             <a:extLst>
               <a:ext uri="{FF2B5EF4-FFF2-40B4-BE49-F238E27FC236}">
-                <a16:creationId xmlns:a16="http://schemas.microsoft.com/office/drawing/2014/main" xmlns="" id="{D2CB635D-AF7C-8349-87A8-88CD14B5C2DF}"/>
+                <a16:creationId xmlns:a16="http://schemas.microsoft.com/office/drawing/2014/main" id="{D2CB635D-AF7C-8349-87A8-88CD14B5C2DF}"/>
               </a:ext>
             </a:extLst>
           </p:cNvPr>
@@ -9243,7 +9205,7 @@
           <p:cNvPr id="25" name="Text Placeholder 18">
             <a:extLst>
               <a:ext uri="{FF2B5EF4-FFF2-40B4-BE49-F238E27FC236}">
-                <a16:creationId xmlns:a16="http://schemas.microsoft.com/office/drawing/2014/main" xmlns="" id="{2BC722E3-F2A4-344C-A525-05AF28CF5E90}"/>
+                <a16:creationId xmlns:a16="http://schemas.microsoft.com/office/drawing/2014/main" id="{2BC722E3-F2A4-344C-A525-05AF28CF5E90}"/>
               </a:ext>
             </a:extLst>
           </p:cNvPr>
@@ -9378,7 +9340,7 @@
           <p:cNvPr id="26" name="Text Placeholder 18">
             <a:extLst>
               <a:ext uri="{FF2B5EF4-FFF2-40B4-BE49-F238E27FC236}">
-                <a16:creationId xmlns:a16="http://schemas.microsoft.com/office/drawing/2014/main" xmlns="" id="{4C114B16-95F3-A445-8C7A-0EBC414BEC9F}"/>
+                <a16:creationId xmlns:a16="http://schemas.microsoft.com/office/drawing/2014/main" id="{4C114B16-95F3-A445-8C7A-0EBC414BEC9F}"/>
               </a:ext>
             </a:extLst>
           </p:cNvPr>
@@ -9513,7 +9475,7 @@
           <p:cNvPr id="27" name="Text Placeholder 18">
             <a:extLst>
               <a:ext uri="{FF2B5EF4-FFF2-40B4-BE49-F238E27FC236}">
-                <a16:creationId xmlns:a16="http://schemas.microsoft.com/office/drawing/2014/main" xmlns="" id="{89CAA18E-C293-2E4E-BAF1-B89EC15772D8}"/>
+                <a16:creationId xmlns:a16="http://schemas.microsoft.com/office/drawing/2014/main" id="{89CAA18E-C293-2E4E-BAF1-B89EC15772D8}"/>
               </a:ext>
             </a:extLst>
           </p:cNvPr>
@@ -9648,7 +9610,7 @@
           <p:cNvPr id="28" name="Text Placeholder 18">
             <a:extLst>
               <a:ext uri="{FF2B5EF4-FFF2-40B4-BE49-F238E27FC236}">
-                <a16:creationId xmlns:a16="http://schemas.microsoft.com/office/drawing/2014/main" xmlns="" id="{DE75EE04-92F5-D842-8DA3-CD32E9DE04D1}"/>
+                <a16:creationId xmlns:a16="http://schemas.microsoft.com/office/drawing/2014/main" id="{DE75EE04-92F5-D842-8DA3-CD32E9DE04D1}"/>
               </a:ext>
             </a:extLst>
           </p:cNvPr>
@@ -9780,9 +9742,7 @@
       </p:sp>
       <p:sp>
         <p:nvSpPr>
-          <p:cNvPr id="29" name="Date Placeholder 14">
-            <a:extLst/>
-          </p:cNvPr>
+          <p:cNvPr id="29" name="Date Placeholder 14"/>
           <p:cNvSpPr>
             <a:spLocks noGrp="1"/>
           </p:cNvSpPr>
@@ -9813,7 +9773,7 @@
           <a:p>
             <a:fld id="{F0C99D87-AFAD-4B11-8D22-9469FA50E3E6}" type="datetime1">
               <a:rPr lang="en-US" smtClean="0"/>
-              <a:t>7/25/2019</a:t>
+              <a:t>2/13/2023</a:t>
             </a:fld>
             <a:endParaRPr lang="en-US" dirty="0"/>
           </a:p>
@@ -9821,9 +9781,7 @@
       </p:sp>
       <p:sp>
         <p:nvSpPr>
-          <p:cNvPr id="30" name="Slide Number Placeholder 6">
-            <a:extLst/>
-          </p:cNvPr>
+          <p:cNvPr id="30" name="Slide Number Placeholder 6"/>
           <p:cNvSpPr>
             <a:spLocks noGrp="1"/>
           </p:cNvSpPr>
@@ -9924,7 +9882,7 @@
           <p:cNvPr id="16" name="Straight Connector 15">
             <a:extLst>
               <a:ext uri="{FF2B5EF4-FFF2-40B4-BE49-F238E27FC236}">
-                <a16:creationId xmlns:a16="http://schemas.microsoft.com/office/drawing/2014/main" xmlns="" id="{864FE4DC-4CF2-F043-9053-C1567889C2B3}"/>
+                <a16:creationId xmlns:a16="http://schemas.microsoft.com/office/drawing/2014/main" id="{864FE4DC-4CF2-F043-9053-C1567889C2B3}"/>
               </a:ext>
             </a:extLst>
           </p:cNvPr>
@@ -9967,7 +9925,7 @@
           <p:cNvPr id="17" name="Text Placeholder 17">
             <a:extLst>
               <a:ext uri="{FF2B5EF4-FFF2-40B4-BE49-F238E27FC236}">
-                <a16:creationId xmlns:a16="http://schemas.microsoft.com/office/drawing/2014/main" xmlns="" id="{FAD9E369-D6D4-E440-A1DD-85E0115A3673}"/>
+                <a16:creationId xmlns:a16="http://schemas.microsoft.com/office/drawing/2014/main" id="{FAD9E369-D6D4-E440-A1DD-85E0115A3673}"/>
               </a:ext>
             </a:extLst>
           </p:cNvPr>
@@ -10039,7 +9997,7 @@
           <p:cNvPr id="18" name="Text Placeholder 17">
             <a:extLst>
               <a:ext uri="{FF2B5EF4-FFF2-40B4-BE49-F238E27FC236}">
-                <a16:creationId xmlns:a16="http://schemas.microsoft.com/office/drawing/2014/main" xmlns="" id="{7E3A75B8-7C67-E64B-8BF0-EC6015AF0B06}"/>
+                <a16:creationId xmlns:a16="http://schemas.microsoft.com/office/drawing/2014/main" id="{7E3A75B8-7C67-E64B-8BF0-EC6015AF0B06}"/>
               </a:ext>
             </a:extLst>
           </p:cNvPr>
@@ -10114,7 +10072,7 @@
           <p:cNvPr id="19" name="Group 18">
             <a:extLst>
               <a:ext uri="{FF2B5EF4-FFF2-40B4-BE49-F238E27FC236}">
-                <a16:creationId xmlns:a16="http://schemas.microsoft.com/office/drawing/2014/main" xmlns="" id="{F2A954B6-85F9-4749-B434-69B12A194CC7}"/>
+                <a16:creationId xmlns:a16="http://schemas.microsoft.com/office/drawing/2014/main" id="{F2A954B6-85F9-4749-B434-69B12A194CC7}"/>
               </a:ext>
             </a:extLst>
           </p:cNvPr>
@@ -10134,7 +10092,7 @@
             <p:cNvPr id="20" name="Graphic 19">
               <a:extLst>
                 <a:ext uri="{FF2B5EF4-FFF2-40B4-BE49-F238E27FC236}">
-                  <a16:creationId xmlns:a16="http://schemas.microsoft.com/office/drawing/2014/main" xmlns="" id="{A2CC4BA3-4B14-3D4E-933B-DF31ADAB3F36}"/>
+                  <a16:creationId xmlns:a16="http://schemas.microsoft.com/office/drawing/2014/main" id="{A2CC4BA3-4B14-3D4E-933B-DF31ADAB3F36}"/>
                 </a:ext>
               </a:extLst>
             </p:cNvPr>
@@ -10150,7 +10108,7 @@
                   <a14:useLocalDpi xmlns:a14="http://schemas.microsoft.com/office/drawing/2010/main"/>
                 </a:ext>
                 <a:ext uri="{96DAC541-7B7A-43D3-8B79-37D633B846F1}">
-                  <asvg:svgBlip xmlns:asvg="http://schemas.microsoft.com/office/drawing/2016/SVG/main" xmlns="" r:embed="rId3"/>
+                  <asvg:svgBlip xmlns:asvg="http://schemas.microsoft.com/office/drawing/2016/SVG/main" r:embed="rId3"/>
                 </a:ext>
               </a:extLst>
             </a:blip>
@@ -10172,7 +10130,7 @@
             <p:cNvPr id="21" name="Graphic 20">
               <a:extLst>
                 <a:ext uri="{FF2B5EF4-FFF2-40B4-BE49-F238E27FC236}">
-                  <a16:creationId xmlns:a16="http://schemas.microsoft.com/office/drawing/2014/main" xmlns="" id="{A2CAD290-0BA5-FB4E-B8E1-7972E11C3F20}"/>
+                  <a16:creationId xmlns:a16="http://schemas.microsoft.com/office/drawing/2014/main" id="{A2CAD290-0BA5-FB4E-B8E1-7972E11C3F20}"/>
                 </a:ext>
               </a:extLst>
             </p:cNvPr>
@@ -10188,7 +10146,7 @@
                   <a14:useLocalDpi xmlns:a14="http://schemas.microsoft.com/office/drawing/2010/main"/>
                 </a:ext>
                 <a:ext uri="{96DAC541-7B7A-43D3-8B79-37D633B846F1}">
-                  <asvg:svgBlip xmlns:asvg="http://schemas.microsoft.com/office/drawing/2016/SVG/main" xmlns="" r:embed="rId5"/>
+                  <asvg:svgBlip xmlns:asvg="http://schemas.microsoft.com/office/drawing/2016/SVG/main" r:embed="rId5"/>
                 </a:ext>
               </a:extLst>
             </a:blip>
@@ -10241,7 +10199,7 @@
           <p:cNvPr id="18" name="Content Placeholder 6">
             <a:extLst>
               <a:ext uri="{FF2B5EF4-FFF2-40B4-BE49-F238E27FC236}">
-                <a16:creationId xmlns:a16="http://schemas.microsoft.com/office/drawing/2014/main" xmlns="" id="{FC6ADE07-46A1-0542-BAA8-59D063769FDD}"/>
+                <a16:creationId xmlns:a16="http://schemas.microsoft.com/office/drawing/2014/main" id="{FC6ADE07-46A1-0542-BAA8-59D063769FDD}"/>
               </a:ext>
             </a:extLst>
           </p:cNvPr>
@@ -10302,7 +10260,7 @@
           <p:cNvPr id="29" name="Title 1">
             <a:extLst>
               <a:ext uri="{FF2B5EF4-FFF2-40B4-BE49-F238E27FC236}">
-                <a16:creationId xmlns:a16="http://schemas.microsoft.com/office/drawing/2014/main" xmlns="" id="{624D84FE-9F10-3E4F-A3EE-08F2DC268A10}"/>
+                <a16:creationId xmlns:a16="http://schemas.microsoft.com/office/drawing/2014/main" id="{624D84FE-9F10-3E4F-A3EE-08F2DC268A10}"/>
               </a:ext>
             </a:extLst>
           </p:cNvPr>
@@ -10345,7 +10303,7 @@
           <p:cNvPr id="30" name="Straight Connector 29">
             <a:extLst>
               <a:ext uri="{FF2B5EF4-FFF2-40B4-BE49-F238E27FC236}">
-                <a16:creationId xmlns:a16="http://schemas.microsoft.com/office/drawing/2014/main" xmlns="" id="{8A8765D7-8C9E-1C4B-A2A5-4DE708E9FD45}"/>
+                <a16:creationId xmlns:a16="http://schemas.microsoft.com/office/drawing/2014/main" id="{8A8765D7-8C9E-1C4B-A2A5-4DE708E9FD45}"/>
               </a:ext>
             </a:extLst>
           </p:cNvPr>
@@ -10388,7 +10346,7 @@
           <p:cNvPr id="32" name="Content Placeholder 6">
             <a:extLst>
               <a:ext uri="{FF2B5EF4-FFF2-40B4-BE49-F238E27FC236}">
-                <a16:creationId xmlns:a16="http://schemas.microsoft.com/office/drawing/2014/main" xmlns="" id="{79E64612-691E-8B4C-A5A2-69AA4E6E46D8}"/>
+                <a16:creationId xmlns:a16="http://schemas.microsoft.com/office/drawing/2014/main" id="{79E64612-691E-8B4C-A5A2-69AA4E6E46D8}"/>
               </a:ext>
             </a:extLst>
           </p:cNvPr>
@@ -10449,7 +10407,7 @@
           <p:cNvPr id="36" name="Content Placeholder 6">
             <a:extLst>
               <a:ext uri="{FF2B5EF4-FFF2-40B4-BE49-F238E27FC236}">
-                <a16:creationId xmlns:a16="http://schemas.microsoft.com/office/drawing/2014/main" xmlns="" id="{D5511090-BE15-874F-A34F-3A094A293842}"/>
+                <a16:creationId xmlns:a16="http://schemas.microsoft.com/office/drawing/2014/main" id="{D5511090-BE15-874F-A34F-3A094A293842}"/>
               </a:ext>
             </a:extLst>
           </p:cNvPr>
@@ -10510,7 +10468,7 @@
           <p:cNvPr id="37" name="Content Placeholder 6">
             <a:extLst>
               <a:ext uri="{FF2B5EF4-FFF2-40B4-BE49-F238E27FC236}">
-                <a16:creationId xmlns:a16="http://schemas.microsoft.com/office/drawing/2014/main" xmlns="" id="{A393D8D3-6C36-994E-9699-1B7369AAE58F}"/>
+                <a16:creationId xmlns:a16="http://schemas.microsoft.com/office/drawing/2014/main" id="{A393D8D3-6C36-994E-9699-1B7369AAE58F}"/>
               </a:ext>
             </a:extLst>
           </p:cNvPr>
@@ -10573,7 +10531,7 @@
           <p:cNvPr id="40" name="Content Placeholder 6">
             <a:extLst>
               <a:ext uri="{FF2B5EF4-FFF2-40B4-BE49-F238E27FC236}">
-                <a16:creationId xmlns:a16="http://schemas.microsoft.com/office/drawing/2014/main" xmlns="" id="{CA186673-35D5-5D41-AEFB-CA5989E40034}"/>
+                <a16:creationId xmlns:a16="http://schemas.microsoft.com/office/drawing/2014/main" id="{CA186673-35D5-5D41-AEFB-CA5989E40034}"/>
               </a:ext>
             </a:extLst>
           </p:cNvPr>
@@ -10634,7 +10592,7 @@
           <p:cNvPr id="41" name="Content Placeholder 6">
             <a:extLst>
               <a:ext uri="{FF2B5EF4-FFF2-40B4-BE49-F238E27FC236}">
-                <a16:creationId xmlns:a16="http://schemas.microsoft.com/office/drawing/2014/main" xmlns="" id="{EA7E4A05-86A4-2541-8C1E-2AAFF72634DC}"/>
+                <a16:creationId xmlns:a16="http://schemas.microsoft.com/office/drawing/2014/main" id="{EA7E4A05-86A4-2541-8C1E-2AAFF72634DC}"/>
               </a:ext>
             </a:extLst>
           </p:cNvPr>
@@ -10695,7 +10653,7 @@
           <p:cNvPr id="31" name="Rectangle 30">
             <a:extLst>
               <a:ext uri="{FF2B5EF4-FFF2-40B4-BE49-F238E27FC236}">
-                <a16:creationId xmlns:a16="http://schemas.microsoft.com/office/drawing/2014/main" xmlns="" id="{2A8A6C66-02C4-8E4D-AE92-4B679AD1FA35}"/>
+                <a16:creationId xmlns:a16="http://schemas.microsoft.com/office/drawing/2014/main" id="{2A8A6C66-02C4-8E4D-AE92-4B679AD1FA35}"/>
               </a:ext>
             </a:extLst>
           </p:cNvPr>
@@ -10740,7 +10698,7 @@
           <p:cNvPr id="33" name="Rectangle 5">
             <a:extLst>
               <a:ext uri="{FF2B5EF4-FFF2-40B4-BE49-F238E27FC236}">
-                <a16:creationId xmlns:a16="http://schemas.microsoft.com/office/drawing/2014/main" xmlns="" id="{112C20E7-BB02-6F41-A72E-005E76A5753F}"/>
+                <a16:creationId xmlns:a16="http://schemas.microsoft.com/office/drawing/2014/main" id="{112C20E7-BB02-6F41-A72E-005E76A5753F}"/>
               </a:ext>
             </a:extLst>
           </p:cNvPr>
@@ -10785,7 +10743,7 @@
           <p:cNvPr id="44" name="Rectangle 5">
             <a:extLst>
               <a:ext uri="{FF2B5EF4-FFF2-40B4-BE49-F238E27FC236}">
-                <a16:creationId xmlns:a16="http://schemas.microsoft.com/office/drawing/2014/main" xmlns="" id="{EB6BB1FA-DC7D-FE4A-B0B7-19F2D29CCC7F}"/>
+                <a16:creationId xmlns:a16="http://schemas.microsoft.com/office/drawing/2014/main" id="{EB6BB1FA-DC7D-FE4A-B0B7-19F2D29CCC7F}"/>
               </a:ext>
             </a:extLst>
           </p:cNvPr>
@@ -10829,7 +10787,7 @@
           <p:cNvPr id="45" name="Rectangle 5">
             <a:extLst>
               <a:ext uri="{FF2B5EF4-FFF2-40B4-BE49-F238E27FC236}">
-                <a16:creationId xmlns:a16="http://schemas.microsoft.com/office/drawing/2014/main" xmlns="" id="{691541A0-18A4-4F4D-8525-53FDAC03C238}"/>
+                <a16:creationId xmlns:a16="http://schemas.microsoft.com/office/drawing/2014/main" id="{691541A0-18A4-4F4D-8525-53FDAC03C238}"/>
               </a:ext>
             </a:extLst>
           </p:cNvPr>
@@ -10875,7 +10833,7 @@
           <p:cNvPr id="46" name="Rectangle 5">
             <a:extLst>
               <a:ext uri="{FF2B5EF4-FFF2-40B4-BE49-F238E27FC236}">
-                <a16:creationId xmlns:a16="http://schemas.microsoft.com/office/drawing/2014/main" xmlns="" id="{897A47C5-163B-DE43-8D0B-C6E1903E504B}"/>
+                <a16:creationId xmlns:a16="http://schemas.microsoft.com/office/drawing/2014/main" id="{897A47C5-163B-DE43-8D0B-C6E1903E504B}"/>
               </a:ext>
             </a:extLst>
           </p:cNvPr>
@@ -10919,7 +10877,7 @@
           <p:cNvPr id="52" name="Content Placeholder 6">
             <a:extLst>
               <a:ext uri="{FF2B5EF4-FFF2-40B4-BE49-F238E27FC236}">
-                <a16:creationId xmlns:a16="http://schemas.microsoft.com/office/drawing/2014/main" xmlns="" id="{4E0987FC-9403-5F4F-B2C5-D7DE18DD7ABE}"/>
+                <a16:creationId xmlns:a16="http://schemas.microsoft.com/office/drawing/2014/main" id="{4E0987FC-9403-5F4F-B2C5-D7DE18DD7ABE}"/>
               </a:ext>
             </a:extLst>
           </p:cNvPr>
@@ -10980,7 +10938,7 @@
           <p:cNvPr id="53" name="Content Placeholder 6">
             <a:extLst>
               <a:ext uri="{FF2B5EF4-FFF2-40B4-BE49-F238E27FC236}">
-                <a16:creationId xmlns:a16="http://schemas.microsoft.com/office/drawing/2014/main" xmlns="" id="{DF92003B-52E6-9A42-BB4D-46394A0D0000}"/>
+                <a16:creationId xmlns:a16="http://schemas.microsoft.com/office/drawing/2014/main" id="{DF92003B-52E6-9A42-BB4D-46394A0D0000}"/>
               </a:ext>
             </a:extLst>
           </p:cNvPr>
@@ -11041,7 +10999,7 @@
           <p:cNvPr id="54" name="Content Placeholder 6">
             <a:extLst>
               <a:ext uri="{FF2B5EF4-FFF2-40B4-BE49-F238E27FC236}">
-                <a16:creationId xmlns:a16="http://schemas.microsoft.com/office/drawing/2014/main" xmlns="" id="{5396C44C-70DB-4D42-8269-556ABFB2033C}"/>
+                <a16:creationId xmlns:a16="http://schemas.microsoft.com/office/drawing/2014/main" id="{5396C44C-70DB-4D42-8269-556ABFB2033C}"/>
               </a:ext>
             </a:extLst>
           </p:cNvPr>
@@ -11102,7 +11060,7 @@
           <p:cNvPr id="55" name="Content Placeholder 6">
             <a:extLst>
               <a:ext uri="{FF2B5EF4-FFF2-40B4-BE49-F238E27FC236}">
-                <a16:creationId xmlns:a16="http://schemas.microsoft.com/office/drawing/2014/main" xmlns="" id="{7332D94B-510C-FE4D-8C63-80CCDE730AF0}"/>
+                <a16:creationId xmlns:a16="http://schemas.microsoft.com/office/drawing/2014/main" id="{7332D94B-510C-FE4D-8C63-80CCDE730AF0}"/>
               </a:ext>
             </a:extLst>
           </p:cNvPr>
@@ -11163,7 +11121,7 @@
           <p:cNvPr id="5" name="Picture Placeholder 4">
             <a:extLst>
               <a:ext uri="{FF2B5EF4-FFF2-40B4-BE49-F238E27FC236}">
-                <a16:creationId xmlns:a16="http://schemas.microsoft.com/office/drawing/2014/main" xmlns="" id="{F669D749-B16C-4C41-AE15-409F88611D49}"/>
+                <a16:creationId xmlns:a16="http://schemas.microsoft.com/office/drawing/2014/main" id="{F669D749-B16C-4C41-AE15-409F88611D49}"/>
               </a:ext>
             </a:extLst>
           </p:cNvPr>
@@ -11220,7 +11178,7 @@
           <p:cNvPr id="28" name="Picture Placeholder 4">
             <a:extLst>
               <a:ext uri="{FF2B5EF4-FFF2-40B4-BE49-F238E27FC236}">
-                <a16:creationId xmlns:a16="http://schemas.microsoft.com/office/drawing/2014/main" xmlns="" id="{CF201FBA-7AA8-8F49-B2AD-90B0913CCABB}"/>
+                <a16:creationId xmlns:a16="http://schemas.microsoft.com/office/drawing/2014/main" id="{CF201FBA-7AA8-8F49-B2AD-90B0913CCABB}"/>
               </a:ext>
             </a:extLst>
           </p:cNvPr>
@@ -11277,7 +11235,7 @@
           <p:cNvPr id="34" name="Picture Placeholder 4">
             <a:extLst>
               <a:ext uri="{FF2B5EF4-FFF2-40B4-BE49-F238E27FC236}">
-                <a16:creationId xmlns:a16="http://schemas.microsoft.com/office/drawing/2014/main" xmlns="" id="{07EEC54F-8B17-3942-B95C-FD6569A0AFA9}"/>
+                <a16:creationId xmlns:a16="http://schemas.microsoft.com/office/drawing/2014/main" id="{07EEC54F-8B17-3942-B95C-FD6569A0AFA9}"/>
               </a:ext>
             </a:extLst>
           </p:cNvPr>
@@ -11334,7 +11292,7 @@
           <p:cNvPr id="35" name="Picture Placeholder 4">
             <a:extLst>
               <a:ext uri="{FF2B5EF4-FFF2-40B4-BE49-F238E27FC236}">
-                <a16:creationId xmlns:a16="http://schemas.microsoft.com/office/drawing/2014/main" xmlns="" id="{5C871C9D-3FBC-3049-BA69-97CBF95C8842}"/>
+                <a16:creationId xmlns:a16="http://schemas.microsoft.com/office/drawing/2014/main" id="{5C871C9D-3FBC-3049-BA69-97CBF95C8842}"/>
               </a:ext>
             </a:extLst>
           </p:cNvPr>
@@ -11391,7 +11349,7 @@
           <p:cNvPr id="38" name="Picture Placeholder 4">
             <a:extLst>
               <a:ext uri="{FF2B5EF4-FFF2-40B4-BE49-F238E27FC236}">
-                <a16:creationId xmlns:a16="http://schemas.microsoft.com/office/drawing/2014/main" xmlns="" id="{2BDC92E0-3042-A34E-A596-2E18D46F7D90}"/>
+                <a16:creationId xmlns:a16="http://schemas.microsoft.com/office/drawing/2014/main" id="{2BDC92E0-3042-A34E-A596-2E18D46F7D90}"/>
               </a:ext>
             </a:extLst>
           </p:cNvPr>
@@ -11445,9 +11403,7 @@
       </p:sp>
       <p:sp>
         <p:nvSpPr>
-          <p:cNvPr id="26" name="Date Placeholder 14">
-            <a:extLst/>
-          </p:cNvPr>
+          <p:cNvPr id="26" name="Date Placeholder 14"/>
           <p:cNvSpPr>
             <a:spLocks noGrp="1"/>
           </p:cNvSpPr>
@@ -11478,7 +11434,7 @@
           <a:p>
             <a:fld id="{F0C99D87-AFAD-4B11-8D22-9469FA50E3E6}" type="datetime1">
               <a:rPr lang="en-US" smtClean="0"/>
-              <a:t>7/25/2019</a:t>
+              <a:t>2/13/2023</a:t>
             </a:fld>
             <a:endParaRPr lang="en-US" dirty="0"/>
           </a:p>
@@ -11486,9 +11442,7 @@
       </p:sp>
       <p:sp>
         <p:nvSpPr>
-          <p:cNvPr id="27" name="Slide Number Placeholder 6">
-            <a:extLst/>
-          </p:cNvPr>
+          <p:cNvPr id="27" name="Slide Number Placeholder 6"/>
           <p:cNvSpPr>
             <a:spLocks noGrp="1"/>
           </p:cNvSpPr>
@@ -12024,7 +11978,7 @@
           <p:cNvPr id="26" name="Title 1">
             <a:extLst>
               <a:ext uri="{FF2B5EF4-FFF2-40B4-BE49-F238E27FC236}">
-                <a16:creationId xmlns:a16="http://schemas.microsoft.com/office/drawing/2014/main" xmlns="" id="{A8FD1FD4-3816-FB44-915F-85344A42071F}"/>
+                <a16:creationId xmlns:a16="http://schemas.microsoft.com/office/drawing/2014/main" id="{A8FD1FD4-3816-FB44-915F-85344A42071F}"/>
               </a:ext>
             </a:extLst>
           </p:cNvPr>
@@ -12067,7 +12021,7 @@
           <p:cNvPr id="27" name="Straight Connector 26">
             <a:extLst>
               <a:ext uri="{FF2B5EF4-FFF2-40B4-BE49-F238E27FC236}">
-                <a16:creationId xmlns:a16="http://schemas.microsoft.com/office/drawing/2014/main" xmlns="" id="{2D62095F-6BF0-AF4E-B506-8FDA68C91727}"/>
+                <a16:creationId xmlns:a16="http://schemas.microsoft.com/office/drawing/2014/main" id="{2D62095F-6BF0-AF4E-B506-8FDA68C91727}"/>
               </a:ext>
             </a:extLst>
           </p:cNvPr>
@@ -12110,7 +12064,7 @@
           <p:cNvPr id="28" name="Text Placeholder 623">
             <a:extLst>
               <a:ext uri="{FF2B5EF4-FFF2-40B4-BE49-F238E27FC236}">
-                <a16:creationId xmlns:a16="http://schemas.microsoft.com/office/drawing/2014/main" xmlns="" id="{767786F1-D9C9-4440-A47E-98F55FD996EC}"/>
+                <a16:creationId xmlns:a16="http://schemas.microsoft.com/office/drawing/2014/main" id="{767786F1-D9C9-4440-A47E-98F55FD996EC}"/>
               </a:ext>
             </a:extLst>
           </p:cNvPr>
@@ -12158,7 +12112,7 @@
           <p:cNvPr id="34" name="Oval 33">
             <a:extLst>
               <a:ext uri="{FF2B5EF4-FFF2-40B4-BE49-F238E27FC236}">
-                <a16:creationId xmlns:a16="http://schemas.microsoft.com/office/drawing/2014/main" xmlns="" id="{E780AE5F-5283-A94A-89BB-578B2EF44842}"/>
+                <a16:creationId xmlns:a16="http://schemas.microsoft.com/office/drawing/2014/main" id="{E780AE5F-5283-A94A-89BB-578B2EF44842}"/>
               </a:ext>
             </a:extLst>
           </p:cNvPr>
@@ -12211,7 +12165,7 @@
           <p:cNvPr id="35" name="Oval 34">
             <a:extLst>
               <a:ext uri="{FF2B5EF4-FFF2-40B4-BE49-F238E27FC236}">
-                <a16:creationId xmlns:a16="http://schemas.microsoft.com/office/drawing/2014/main" xmlns="" id="{64BB168D-24A5-4B4C-BD9C-92D9C5EF0F9C}"/>
+                <a16:creationId xmlns:a16="http://schemas.microsoft.com/office/drawing/2014/main" id="{64BB168D-24A5-4B4C-BD9C-92D9C5EF0F9C}"/>
               </a:ext>
             </a:extLst>
           </p:cNvPr>
@@ -12264,7 +12218,7 @@
           <p:cNvPr id="38" name="Oval 37">
             <a:extLst>
               <a:ext uri="{FF2B5EF4-FFF2-40B4-BE49-F238E27FC236}">
-                <a16:creationId xmlns:a16="http://schemas.microsoft.com/office/drawing/2014/main" xmlns="" id="{AA61C86D-51BA-2344-8C34-41A534F0EDAA}"/>
+                <a16:creationId xmlns:a16="http://schemas.microsoft.com/office/drawing/2014/main" id="{AA61C86D-51BA-2344-8C34-41A534F0EDAA}"/>
               </a:ext>
             </a:extLst>
           </p:cNvPr>
@@ -12317,7 +12271,7 @@
           <p:cNvPr id="39" name="Oval 38">
             <a:extLst>
               <a:ext uri="{FF2B5EF4-FFF2-40B4-BE49-F238E27FC236}">
-                <a16:creationId xmlns:a16="http://schemas.microsoft.com/office/drawing/2014/main" xmlns="" id="{EE57D211-A085-E743-9F95-EAC71A50311B}"/>
+                <a16:creationId xmlns:a16="http://schemas.microsoft.com/office/drawing/2014/main" id="{EE57D211-A085-E743-9F95-EAC71A50311B}"/>
               </a:ext>
             </a:extLst>
           </p:cNvPr>
@@ -12370,7 +12324,7 @@
           <p:cNvPr id="74" name="Content Placeholder 6">
             <a:extLst>
               <a:ext uri="{FF2B5EF4-FFF2-40B4-BE49-F238E27FC236}">
-                <a16:creationId xmlns:a16="http://schemas.microsoft.com/office/drawing/2014/main" xmlns="" id="{A5025F4D-93F4-1146-945B-9BABB74A8148}"/>
+                <a16:creationId xmlns:a16="http://schemas.microsoft.com/office/drawing/2014/main" id="{A5025F4D-93F4-1146-945B-9BABB74A8148}"/>
               </a:ext>
             </a:extLst>
           </p:cNvPr>
@@ -12431,7 +12385,7 @@
           <p:cNvPr id="75" name="Content Placeholder 6">
             <a:extLst>
               <a:ext uri="{FF2B5EF4-FFF2-40B4-BE49-F238E27FC236}">
-                <a16:creationId xmlns:a16="http://schemas.microsoft.com/office/drawing/2014/main" xmlns="" id="{F084681A-8996-0646-91F6-8B3B2640ED79}"/>
+                <a16:creationId xmlns:a16="http://schemas.microsoft.com/office/drawing/2014/main" id="{F084681A-8996-0646-91F6-8B3B2640ED79}"/>
               </a:ext>
             </a:extLst>
           </p:cNvPr>
@@ -12494,7 +12448,7 @@
           <p:cNvPr id="76" name="Content Placeholder 6">
             <a:extLst>
               <a:ext uri="{FF2B5EF4-FFF2-40B4-BE49-F238E27FC236}">
-                <a16:creationId xmlns:a16="http://schemas.microsoft.com/office/drawing/2014/main" xmlns="" id="{4F74BFB3-22F1-FA44-B137-A24F5DCA082B}"/>
+                <a16:creationId xmlns:a16="http://schemas.microsoft.com/office/drawing/2014/main" id="{4F74BFB3-22F1-FA44-B137-A24F5DCA082B}"/>
               </a:ext>
             </a:extLst>
           </p:cNvPr>
@@ -12557,7 +12511,7 @@
           <p:cNvPr id="77" name="Content Placeholder 6">
             <a:extLst>
               <a:ext uri="{FF2B5EF4-FFF2-40B4-BE49-F238E27FC236}">
-                <a16:creationId xmlns:a16="http://schemas.microsoft.com/office/drawing/2014/main" xmlns="" id="{DB57F645-8EEB-A74E-B54E-7292F6B14404}"/>
+                <a16:creationId xmlns:a16="http://schemas.microsoft.com/office/drawing/2014/main" id="{DB57F645-8EEB-A74E-B54E-7292F6B14404}"/>
               </a:ext>
             </a:extLst>
           </p:cNvPr>
@@ -12618,7 +12572,7 @@
           <p:cNvPr id="78" name="Content Placeholder 6">
             <a:extLst>
               <a:ext uri="{FF2B5EF4-FFF2-40B4-BE49-F238E27FC236}">
-                <a16:creationId xmlns:a16="http://schemas.microsoft.com/office/drawing/2014/main" xmlns="" id="{D80FAC28-DF0F-4F44-933C-B48206F46A3B}"/>
+                <a16:creationId xmlns:a16="http://schemas.microsoft.com/office/drawing/2014/main" id="{D80FAC28-DF0F-4F44-933C-B48206F46A3B}"/>
               </a:ext>
             </a:extLst>
           </p:cNvPr>
@@ -12681,7 +12635,7 @@
           <p:cNvPr id="79" name="Content Placeholder 6">
             <a:extLst>
               <a:ext uri="{FF2B5EF4-FFF2-40B4-BE49-F238E27FC236}">
-                <a16:creationId xmlns:a16="http://schemas.microsoft.com/office/drawing/2014/main" xmlns="" id="{4410A345-EA02-FB4C-BC25-80A8B6F08924}"/>
+                <a16:creationId xmlns:a16="http://schemas.microsoft.com/office/drawing/2014/main" id="{4410A345-EA02-FB4C-BC25-80A8B6F08924}"/>
               </a:ext>
             </a:extLst>
           </p:cNvPr>
@@ -12744,7 +12698,7 @@
           <p:cNvPr id="80" name="Content Placeholder 6">
             <a:extLst>
               <a:ext uri="{FF2B5EF4-FFF2-40B4-BE49-F238E27FC236}">
-                <a16:creationId xmlns:a16="http://schemas.microsoft.com/office/drawing/2014/main" xmlns="" id="{EAC0C461-8649-B145-8540-5A8CAD4606F3}"/>
+                <a16:creationId xmlns:a16="http://schemas.microsoft.com/office/drawing/2014/main" id="{EAC0C461-8649-B145-8540-5A8CAD4606F3}"/>
               </a:ext>
             </a:extLst>
           </p:cNvPr>
@@ -12805,7 +12759,7 @@
           <p:cNvPr id="81" name="Content Placeholder 6">
             <a:extLst>
               <a:ext uri="{FF2B5EF4-FFF2-40B4-BE49-F238E27FC236}">
-                <a16:creationId xmlns:a16="http://schemas.microsoft.com/office/drawing/2014/main" xmlns="" id="{F2491D6F-68AD-184F-A24B-2CB52E23FF48}"/>
+                <a16:creationId xmlns:a16="http://schemas.microsoft.com/office/drawing/2014/main" id="{F2491D6F-68AD-184F-A24B-2CB52E23FF48}"/>
               </a:ext>
             </a:extLst>
           </p:cNvPr>
@@ -12868,7 +12822,7 @@
           <p:cNvPr id="82" name="Content Placeholder 6">
             <a:extLst>
               <a:ext uri="{FF2B5EF4-FFF2-40B4-BE49-F238E27FC236}">
-                <a16:creationId xmlns:a16="http://schemas.microsoft.com/office/drawing/2014/main" xmlns="" id="{9D068DF7-FC5E-934A-89F6-53BB53FB4764}"/>
+                <a16:creationId xmlns:a16="http://schemas.microsoft.com/office/drawing/2014/main" id="{9D068DF7-FC5E-934A-89F6-53BB53FB4764}"/>
               </a:ext>
             </a:extLst>
           </p:cNvPr>
@@ -12931,7 +12885,7 @@
           <p:cNvPr id="83" name="Content Placeholder 6">
             <a:extLst>
               <a:ext uri="{FF2B5EF4-FFF2-40B4-BE49-F238E27FC236}">
-                <a16:creationId xmlns:a16="http://schemas.microsoft.com/office/drawing/2014/main" xmlns="" id="{0DBE7B52-D9D0-9A46-AD69-0143DD12F0E8}"/>
+                <a16:creationId xmlns:a16="http://schemas.microsoft.com/office/drawing/2014/main" id="{0DBE7B52-D9D0-9A46-AD69-0143DD12F0E8}"/>
               </a:ext>
             </a:extLst>
           </p:cNvPr>
@@ -12992,7 +12946,7 @@
           <p:cNvPr id="84" name="Content Placeholder 6">
             <a:extLst>
               <a:ext uri="{FF2B5EF4-FFF2-40B4-BE49-F238E27FC236}">
-                <a16:creationId xmlns:a16="http://schemas.microsoft.com/office/drawing/2014/main" xmlns="" id="{8DCA0E97-7C45-5C48-A6E0-33F74FD41D73}"/>
+                <a16:creationId xmlns:a16="http://schemas.microsoft.com/office/drawing/2014/main" id="{8DCA0E97-7C45-5C48-A6E0-33F74FD41D73}"/>
               </a:ext>
             </a:extLst>
           </p:cNvPr>
@@ -13055,7 +13009,7 @@
           <p:cNvPr id="85" name="Content Placeholder 6">
             <a:extLst>
               <a:ext uri="{FF2B5EF4-FFF2-40B4-BE49-F238E27FC236}">
-                <a16:creationId xmlns:a16="http://schemas.microsoft.com/office/drawing/2014/main" xmlns="" id="{B7673E71-C51A-DA4F-8AEE-3F9CEA05FF3B}"/>
+                <a16:creationId xmlns:a16="http://schemas.microsoft.com/office/drawing/2014/main" id="{B7673E71-C51A-DA4F-8AEE-3F9CEA05FF3B}"/>
               </a:ext>
             </a:extLst>
           </p:cNvPr>
@@ -13118,7 +13072,7 @@
           <p:cNvPr id="5" name="Picture Placeholder 4">
             <a:extLst>
               <a:ext uri="{FF2B5EF4-FFF2-40B4-BE49-F238E27FC236}">
-                <a16:creationId xmlns:a16="http://schemas.microsoft.com/office/drawing/2014/main" xmlns="" id="{855EFE35-0DA1-524E-8947-FB741B39DAEC}"/>
+                <a16:creationId xmlns:a16="http://schemas.microsoft.com/office/drawing/2014/main" id="{855EFE35-0DA1-524E-8947-FB741B39DAEC}"/>
               </a:ext>
             </a:extLst>
           </p:cNvPr>
@@ -13163,7 +13117,7 @@
           <p:cNvPr id="29" name="Picture Placeholder 4">
             <a:extLst>
               <a:ext uri="{FF2B5EF4-FFF2-40B4-BE49-F238E27FC236}">
-                <a16:creationId xmlns:a16="http://schemas.microsoft.com/office/drawing/2014/main" xmlns="" id="{5817DFA7-15E9-4D4D-8C46-F3C1D0EFC050}"/>
+                <a16:creationId xmlns:a16="http://schemas.microsoft.com/office/drawing/2014/main" id="{5817DFA7-15E9-4D4D-8C46-F3C1D0EFC050}"/>
               </a:ext>
             </a:extLst>
           </p:cNvPr>
@@ -13208,7 +13162,7 @@
           <p:cNvPr id="30" name="Picture Placeholder 4">
             <a:extLst>
               <a:ext uri="{FF2B5EF4-FFF2-40B4-BE49-F238E27FC236}">
-                <a16:creationId xmlns:a16="http://schemas.microsoft.com/office/drawing/2014/main" xmlns="" id="{D3B12BCB-7D94-FB4C-9F74-BA28C4390187}"/>
+                <a16:creationId xmlns:a16="http://schemas.microsoft.com/office/drawing/2014/main" id="{D3B12BCB-7D94-FB4C-9F74-BA28C4390187}"/>
               </a:ext>
             </a:extLst>
           </p:cNvPr>
@@ -13253,7 +13207,7 @@
           <p:cNvPr id="31" name="Picture Placeholder 4">
             <a:extLst>
               <a:ext uri="{FF2B5EF4-FFF2-40B4-BE49-F238E27FC236}">
-                <a16:creationId xmlns:a16="http://schemas.microsoft.com/office/drawing/2014/main" xmlns="" id="{DE56175F-D501-C64E-B0BD-C8689ACDDD3C}"/>
+                <a16:creationId xmlns:a16="http://schemas.microsoft.com/office/drawing/2014/main" id="{DE56175F-D501-C64E-B0BD-C8689ACDDD3C}"/>
               </a:ext>
             </a:extLst>
           </p:cNvPr>
@@ -13295,9 +13249,7 @@
       </p:sp>
       <p:sp>
         <p:nvSpPr>
-          <p:cNvPr id="32" name="Date Placeholder 14">
-            <a:extLst/>
-          </p:cNvPr>
+          <p:cNvPr id="32" name="Date Placeholder 14"/>
           <p:cNvSpPr>
             <a:spLocks noGrp="1"/>
           </p:cNvSpPr>
@@ -13328,7 +13280,7 @@
           <a:p>
             <a:fld id="{F0C99D87-AFAD-4B11-8D22-9469FA50E3E6}" type="datetime1">
               <a:rPr lang="en-US" smtClean="0"/>
-              <a:t>7/25/2019</a:t>
+              <a:t>2/13/2023</a:t>
             </a:fld>
             <a:endParaRPr lang="en-US" dirty="0"/>
           </a:p>
@@ -13336,9 +13288,7 @@
       </p:sp>
       <p:sp>
         <p:nvSpPr>
-          <p:cNvPr id="33" name="Slide Number Placeholder 6">
-            <a:extLst/>
-          </p:cNvPr>
+          <p:cNvPr id="33" name="Slide Number Placeholder 6"/>
           <p:cNvSpPr>
             <a:spLocks noGrp="1"/>
           </p:cNvSpPr>
@@ -13792,7 +13742,7 @@
           <p:cNvPr id="2" name="Title 1">
             <a:extLst>
               <a:ext uri="{FF2B5EF4-FFF2-40B4-BE49-F238E27FC236}">
-                <a16:creationId xmlns:a16="http://schemas.microsoft.com/office/drawing/2014/main" xmlns="" id="{970DC997-9FB6-D045-9852-6C2F156B7477}"/>
+                <a16:creationId xmlns:a16="http://schemas.microsoft.com/office/drawing/2014/main" id="{970DC997-9FB6-D045-9852-6C2F156B7477}"/>
               </a:ext>
             </a:extLst>
           </p:cNvPr>
@@ -13835,7 +13785,7 @@
           <p:cNvPr id="22" name="Straight Connector 21">
             <a:extLst>
               <a:ext uri="{FF2B5EF4-FFF2-40B4-BE49-F238E27FC236}">
-                <a16:creationId xmlns:a16="http://schemas.microsoft.com/office/drawing/2014/main" xmlns="" id="{CE3B927A-65C9-2246-99F7-D23790240C58}"/>
+                <a16:creationId xmlns:a16="http://schemas.microsoft.com/office/drawing/2014/main" id="{CE3B927A-65C9-2246-99F7-D23790240C58}"/>
               </a:ext>
             </a:extLst>
           </p:cNvPr>
@@ -13878,7 +13828,7 @@
           <p:cNvPr id="36" name="Text Placeholder 18">
             <a:extLst>
               <a:ext uri="{FF2B5EF4-FFF2-40B4-BE49-F238E27FC236}">
-                <a16:creationId xmlns:a16="http://schemas.microsoft.com/office/drawing/2014/main" xmlns="" id="{24E837B3-2950-FE4F-B37C-F7363B55F319}"/>
+                <a16:creationId xmlns:a16="http://schemas.microsoft.com/office/drawing/2014/main" id="{24E837B3-2950-FE4F-B37C-F7363B55F319}"/>
               </a:ext>
             </a:extLst>
           </p:cNvPr>
@@ -13960,7 +13910,7 @@
           <p:cNvPr id="6" name="Picture Placeholder 5">
             <a:extLst>
               <a:ext uri="{FF2B5EF4-FFF2-40B4-BE49-F238E27FC236}">
-                <a16:creationId xmlns:a16="http://schemas.microsoft.com/office/drawing/2014/main" xmlns="" id="{E4545BD0-124C-D44E-B714-99C0362C906F}"/>
+                <a16:creationId xmlns:a16="http://schemas.microsoft.com/office/drawing/2014/main" id="{E4545BD0-124C-D44E-B714-99C0362C906F}"/>
               </a:ext>
             </a:extLst>
           </p:cNvPr>
@@ -14004,7 +13954,7 @@
           <p:cNvPr id="9" name="Straight Connector 8">
             <a:extLst>
               <a:ext uri="{FF2B5EF4-FFF2-40B4-BE49-F238E27FC236}">
-                <a16:creationId xmlns:a16="http://schemas.microsoft.com/office/drawing/2014/main" xmlns="" id="{81DCF655-0CE1-184A-90C3-25230ADC2370}"/>
+                <a16:creationId xmlns:a16="http://schemas.microsoft.com/office/drawing/2014/main" id="{81DCF655-0CE1-184A-90C3-25230ADC2370}"/>
               </a:ext>
             </a:extLst>
           </p:cNvPr>
@@ -14047,7 +13997,7 @@
           <p:cNvPr id="11" name="Text Placeholder 10">
             <a:extLst>
               <a:ext uri="{FF2B5EF4-FFF2-40B4-BE49-F238E27FC236}">
-                <a16:creationId xmlns:a16="http://schemas.microsoft.com/office/drawing/2014/main" xmlns="" id="{82C5C3FE-A531-3546-B9D5-85245FBB8EFA}"/>
+                <a16:creationId xmlns:a16="http://schemas.microsoft.com/office/drawing/2014/main" id="{82C5C3FE-A531-3546-B9D5-85245FBB8EFA}"/>
               </a:ext>
             </a:extLst>
           </p:cNvPr>
@@ -14117,7 +14067,7 @@
           <p:cNvPr id="51" name="Text Placeholder 18">
             <a:extLst>
               <a:ext uri="{FF2B5EF4-FFF2-40B4-BE49-F238E27FC236}">
-                <a16:creationId xmlns:a16="http://schemas.microsoft.com/office/drawing/2014/main" xmlns="" id="{9D8B393F-AD0A-C84B-B162-1A257AE6FC16}"/>
+                <a16:creationId xmlns:a16="http://schemas.microsoft.com/office/drawing/2014/main" id="{9D8B393F-AD0A-C84B-B162-1A257AE6FC16}"/>
               </a:ext>
             </a:extLst>
           </p:cNvPr>
@@ -14199,7 +14149,7 @@
           <p:cNvPr id="52" name="Picture Placeholder 5">
             <a:extLst>
               <a:ext uri="{FF2B5EF4-FFF2-40B4-BE49-F238E27FC236}">
-                <a16:creationId xmlns:a16="http://schemas.microsoft.com/office/drawing/2014/main" xmlns="" id="{53319284-B93C-F64A-9D9D-5C21FCBE4773}"/>
+                <a16:creationId xmlns:a16="http://schemas.microsoft.com/office/drawing/2014/main" id="{53319284-B93C-F64A-9D9D-5C21FCBE4773}"/>
               </a:ext>
             </a:extLst>
           </p:cNvPr>
@@ -14243,7 +14193,7 @@
           <p:cNvPr id="53" name="Straight Connector 52">
             <a:extLst>
               <a:ext uri="{FF2B5EF4-FFF2-40B4-BE49-F238E27FC236}">
-                <a16:creationId xmlns:a16="http://schemas.microsoft.com/office/drawing/2014/main" xmlns="" id="{92A42968-D4F5-5849-B783-DE3CFB9BFF9F}"/>
+                <a16:creationId xmlns:a16="http://schemas.microsoft.com/office/drawing/2014/main" id="{92A42968-D4F5-5849-B783-DE3CFB9BFF9F}"/>
               </a:ext>
             </a:extLst>
           </p:cNvPr>
@@ -14286,7 +14236,7 @@
           <p:cNvPr id="54" name="Text Placeholder 10">
             <a:extLst>
               <a:ext uri="{FF2B5EF4-FFF2-40B4-BE49-F238E27FC236}">
-                <a16:creationId xmlns:a16="http://schemas.microsoft.com/office/drawing/2014/main" xmlns="" id="{DC245200-9052-0244-A354-AFA317F0CEB8}"/>
+                <a16:creationId xmlns:a16="http://schemas.microsoft.com/office/drawing/2014/main" id="{DC245200-9052-0244-A354-AFA317F0CEB8}"/>
               </a:ext>
             </a:extLst>
           </p:cNvPr>
@@ -14356,7 +14306,7 @@
           <p:cNvPr id="55" name="Text Placeholder 18">
             <a:extLst>
               <a:ext uri="{FF2B5EF4-FFF2-40B4-BE49-F238E27FC236}">
-                <a16:creationId xmlns:a16="http://schemas.microsoft.com/office/drawing/2014/main" xmlns="" id="{7866ABFE-6B83-7E49-883E-9CE09B07D84C}"/>
+                <a16:creationId xmlns:a16="http://schemas.microsoft.com/office/drawing/2014/main" id="{7866ABFE-6B83-7E49-883E-9CE09B07D84C}"/>
               </a:ext>
             </a:extLst>
           </p:cNvPr>
@@ -14438,7 +14388,7 @@
           <p:cNvPr id="56" name="Picture Placeholder 5">
             <a:extLst>
               <a:ext uri="{FF2B5EF4-FFF2-40B4-BE49-F238E27FC236}">
-                <a16:creationId xmlns:a16="http://schemas.microsoft.com/office/drawing/2014/main" xmlns="" id="{D85372D0-7E2D-474C-AA6B-BD05BCA984C1}"/>
+                <a16:creationId xmlns:a16="http://schemas.microsoft.com/office/drawing/2014/main" id="{D85372D0-7E2D-474C-AA6B-BD05BCA984C1}"/>
               </a:ext>
             </a:extLst>
           </p:cNvPr>
@@ -14482,7 +14432,7 @@
           <p:cNvPr id="57" name="Straight Connector 56">
             <a:extLst>
               <a:ext uri="{FF2B5EF4-FFF2-40B4-BE49-F238E27FC236}">
-                <a16:creationId xmlns:a16="http://schemas.microsoft.com/office/drawing/2014/main" xmlns="" id="{88D5CA7C-143B-944D-960D-87041F8C0813}"/>
+                <a16:creationId xmlns:a16="http://schemas.microsoft.com/office/drawing/2014/main" id="{88D5CA7C-143B-944D-960D-87041F8C0813}"/>
               </a:ext>
             </a:extLst>
           </p:cNvPr>
@@ -14525,7 +14475,7 @@
           <p:cNvPr id="58" name="Text Placeholder 10">
             <a:extLst>
               <a:ext uri="{FF2B5EF4-FFF2-40B4-BE49-F238E27FC236}">
-                <a16:creationId xmlns:a16="http://schemas.microsoft.com/office/drawing/2014/main" xmlns="" id="{80F88DC2-86AB-BC4A-9390-39A80D39CBF2}"/>
+                <a16:creationId xmlns:a16="http://schemas.microsoft.com/office/drawing/2014/main" id="{80F88DC2-86AB-BC4A-9390-39A80D39CBF2}"/>
               </a:ext>
             </a:extLst>
           </p:cNvPr>
@@ -14592,9 +14542,7 @@
       </p:sp>
       <p:sp>
         <p:nvSpPr>
-          <p:cNvPr id="18" name="Date Placeholder 14">
-            <a:extLst/>
-          </p:cNvPr>
+          <p:cNvPr id="18" name="Date Placeholder 14"/>
           <p:cNvSpPr>
             <a:spLocks noGrp="1"/>
           </p:cNvSpPr>
@@ -14625,7 +14573,7 @@
           <a:p>
             <a:fld id="{F0C99D87-AFAD-4B11-8D22-9469FA50E3E6}" type="datetime1">
               <a:rPr lang="en-US" smtClean="0"/>
-              <a:t>7/25/2019</a:t>
+              <a:t>2/13/2023</a:t>
             </a:fld>
             <a:endParaRPr lang="en-US" dirty="0"/>
           </a:p>
@@ -14633,9 +14581,7 @@
       </p:sp>
       <p:sp>
         <p:nvSpPr>
-          <p:cNvPr id="19" name="Slide Number Placeholder 6">
-            <a:extLst/>
-          </p:cNvPr>
+          <p:cNvPr id="19" name="Slide Number Placeholder 6"/>
           <p:cNvSpPr>
             <a:spLocks noGrp="1"/>
           </p:cNvSpPr>
@@ -14720,7 +14666,7 @@
           <p:cNvPr id="6" name="AutoShape 3">
             <a:extLst>
               <a:ext uri="{FF2B5EF4-FFF2-40B4-BE49-F238E27FC236}">
-                <a16:creationId xmlns:a16="http://schemas.microsoft.com/office/drawing/2014/main" xmlns="" id="{0C24F774-9509-EF40-82B7-D9C7A291A507}"/>
+                <a16:creationId xmlns:a16="http://schemas.microsoft.com/office/drawing/2014/main" id="{0C24F774-9509-EF40-82B7-D9C7A291A507}"/>
               </a:ext>
             </a:extLst>
           </p:cNvPr>
@@ -14783,7 +14729,7 @@
           <p:cNvPr id="7" name="Freeform 5">
             <a:extLst>
               <a:ext uri="{FF2B5EF4-FFF2-40B4-BE49-F238E27FC236}">
-                <a16:creationId xmlns:a16="http://schemas.microsoft.com/office/drawing/2014/main" xmlns="" id="{68CAE442-1A0A-AE4B-815F-D0DA437ED94C}"/>
+                <a16:creationId xmlns:a16="http://schemas.microsoft.com/office/drawing/2014/main" id="{68CAE442-1A0A-AE4B-815F-D0DA437ED94C}"/>
               </a:ext>
             </a:extLst>
           </p:cNvPr>
@@ -14940,7 +14886,7 @@
           <p:cNvPr id="8" name="Freeform 5">
             <a:extLst>
               <a:ext uri="{FF2B5EF4-FFF2-40B4-BE49-F238E27FC236}">
-                <a16:creationId xmlns:a16="http://schemas.microsoft.com/office/drawing/2014/main" xmlns="" id="{1DB86A00-7B9A-AE49-8DAD-931B827488D5}"/>
+                <a16:creationId xmlns:a16="http://schemas.microsoft.com/office/drawing/2014/main" id="{1DB86A00-7B9A-AE49-8DAD-931B827488D5}"/>
               </a:ext>
             </a:extLst>
           </p:cNvPr>
@@ -15097,7 +15043,7 @@
           <p:cNvPr id="9" name="Freeform 5">
             <a:extLst>
               <a:ext uri="{FF2B5EF4-FFF2-40B4-BE49-F238E27FC236}">
-                <a16:creationId xmlns:a16="http://schemas.microsoft.com/office/drawing/2014/main" xmlns="" id="{61F26DCE-14C8-4D4F-92F5-26FBF0D1ABAE}"/>
+                <a16:creationId xmlns:a16="http://schemas.microsoft.com/office/drawing/2014/main" id="{61F26DCE-14C8-4D4F-92F5-26FBF0D1ABAE}"/>
               </a:ext>
             </a:extLst>
           </p:cNvPr>
@@ -15254,7 +15200,7 @@
           <p:cNvPr id="10" name="Freeform 5">
             <a:extLst>
               <a:ext uri="{FF2B5EF4-FFF2-40B4-BE49-F238E27FC236}">
-                <a16:creationId xmlns:a16="http://schemas.microsoft.com/office/drawing/2014/main" xmlns="" id="{67D96130-C5FE-7340-B1C3-22308FBCA9AF}"/>
+                <a16:creationId xmlns:a16="http://schemas.microsoft.com/office/drawing/2014/main" id="{67D96130-C5FE-7340-B1C3-22308FBCA9AF}"/>
               </a:ext>
             </a:extLst>
           </p:cNvPr>
@@ -15411,7 +15357,7 @@
           <p:cNvPr id="11" name="Freeform 5">
             <a:extLst>
               <a:ext uri="{FF2B5EF4-FFF2-40B4-BE49-F238E27FC236}">
-                <a16:creationId xmlns:a16="http://schemas.microsoft.com/office/drawing/2014/main" xmlns="" id="{AA1B6B1C-F35E-084C-8674-A66C6E94B5CC}"/>
+                <a16:creationId xmlns:a16="http://schemas.microsoft.com/office/drawing/2014/main" id="{AA1B6B1C-F35E-084C-8674-A66C6E94B5CC}"/>
               </a:ext>
             </a:extLst>
           </p:cNvPr>
@@ -15568,7 +15514,7 @@
           <p:cNvPr id="12" name="Oval 11">
             <a:extLst>
               <a:ext uri="{FF2B5EF4-FFF2-40B4-BE49-F238E27FC236}">
-                <a16:creationId xmlns:a16="http://schemas.microsoft.com/office/drawing/2014/main" xmlns="" id="{6D2857D3-E2A3-4F46-8330-C84BAD441AAF}"/>
+                <a16:creationId xmlns:a16="http://schemas.microsoft.com/office/drawing/2014/main" id="{6D2857D3-E2A3-4F46-8330-C84BAD441AAF}"/>
               </a:ext>
             </a:extLst>
           </p:cNvPr>
@@ -15625,7 +15571,7 @@
           <p:cNvPr id="13" name="Oval 12">
             <a:extLst>
               <a:ext uri="{FF2B5EF4-FFF2-40B4-BE49-F238E27FC236}">
-                <a16:creationId xmlns:a16="http://schemas.microsoft.com/office/drawing/2014/main" xmlns="" id="{B3513434-2EE7-AB43-B1C9-6285A6800432}"/>
+                <a16:creationId xmlns:a16="http://schemas.microsoft.com/office/drawing/2014/main" id="{B3513434-2EE7-AB43-B1C9-6285A6800432}"/>
               </a:ext>
             </a:extLst>
           </p:cNvPr>
@@ -15682,7 +15628,7 @@
           <p:cNvPr id="14" name="Oval 13">
             <a:extLst>
               <a:ext uri="{FF2B5EF4-FFF2-40B4-BE49-F238E27FC236}">
-                <a16:creationId xmlns:a16="http://schemas.microsoft.com/office/drawing/2014/main" xmlns="" id="{EEDA1FF3-5A6A-7C45-ABD3-6C6CEF8EF8AA}"/>
+                <a16:creationId xmlns:a16="http://schemas.microsoft.com/office/drawing/2014/main" id="{EEDA1FF3-5A6A-7C45-ABD3-6C6CEF8EF8AA}"/>
               </a:ext>
             </a:extLst>
           </p:cNvPr>
@@ -15739,7 +15685,7 @@
           <p:cNvPr id="15" name="Oval 14">
             <a:extLst>
               <a:ext uri="{FF2B5EF4-FFF2-40B4-BE49-F238E27FC236}">
-                <a16:creationId xmlns:a16="http://schemas.microsoft.com/office/drawing/2014/main" xmlns="" id="{D90C05BF-6BB9-EB44-BD01-C9B37A6FF859}"/>
+                <a16:creationId xmlns:a16="http://schemas.microsoft.com/office/drawing/2014/main" id="{D90C05BF-6BB9-EB44-BD01-C9B37A6FF859}"/>
               </a:ext>
             </a:extLst>
           </p:cNvPr>
@@ -15796,7 +15742,7 @@
           <p:cNvPr id="16" name="Oval 15">
             <a:extLst>
               <a:ext uri="{FF2B5EF4-FFF2-40B4-BE49-F238E27FC236}">
-                <a16:creationId xmlns:a16="http://schemas.microsoft.com/office/drawing/2014/main" xmlns="" id="{787C0A0B-1737-F440-BF1A-131AA5D8CEF0}"/>
+                <a16:creationId xmlns:a16="http://schemas.microsoft.com/office/drawing/2014/main" id="{787C0A0B-1737-F440-BF1A-131AA5D8CEF0}"/>
               </a:ext>
             </a:extLst>
           </p:cNvPr>
@@ -15853,7 +15799,7 @@
           <p:cNvPr id="27" name="Rectangle 26">
             <a:extLst>
               <a:ext uri="{FF2B5EF4-FFF2-40B4-BE49-F238E27FC236}">
-                <a16:creationId xmlns:a16="http://schemas.microsoft.com/office/drawing/2014/main" xmlns="" id="{0D3DE283-EC18-0F43-9034-534622839484}"/>
+                <a16:creationId xmlns:a16="http://schemas.microsoft.com/office/drawing/2014/main" id="{0D3DE283-EC18-0F43-9034-534622839484}"/>
               </a:ext>
             </a:extLst>
           </p:cNvPr>
@@ -15910,7 +15856,7 @@
           <p:cNvPr id="33" name="Title 1">
             <a:extLst>
               <a:ext uri="{FF2B5EF4-FFF2-40B4-BE49-F238E27FC236}">
-                <a16:creationId xmlns:a16="http://schemas.microsoft.com/office/drawing/2014/main" xmlns="" id="{E518D045-80CB-AA40-8564-4A75ACAD09A9}"/>
+                <a16:creationId xmlns:a16="http://schemas.microsoft.com/office/drawing/2014/main" id="{E518D045-80CB-AA40-8564-4A75ACAD09A9}"/>
               </a:ext>
             </a:extLst>
           </p:cNvPr>
@@ -15953,7 +15899,7 @@
           <p:cNvPr id="34" name="Straight Connector 33">
             <a:extLst>
               <a:ext uri="{FF2B5EF4-FFF2-40B4-BE49-F238E27FC236}">
-                <a16:creationId xmlns:a16="http://schemas.microsoft.com/office/drawing/2014/main" xmlns="" id="{00B418FA-A720-0B47-84CB-45475AE6480F}"/>
+                <a16:creationId xmlns:a16="http://schemas.microsoft.com/office/drawing/2014/main" id="{00B418FA-A720-0B47-84CB-45475AE6480F}"/>
               </a:ext>
             </a:extLst>
           </p:cNvPr>
@@ -15996,7 +15942,7 @@
           <p:cNvPr id="35" name="Text Placeholder 6">
             <a:extLst>
               <a:ext uri="{FF2B5EF4-FFF2-40B4-BE49-F238E27FC236}">
-                <a16:creationId xmlns:a16="http://schemas.microsoft.com/office/drawing/2014/main" xmlns="" id="{4D1739C8-E61E-F246-B5EF-FE5C54BAC74E}"/>
+                <a16:creationId xmlns:a16="http://schemas.microsoft.com/office/drawing/2014/main" id="{4D1739C8-E61E-F246-B5EF-FE5C54BAC74E}"/>
               </a:ext>
             </a:extLst>
           </p:cNvPr>
@@ -16060,7 +16006,7 @@
           <p:cNvPr id="36" name="Text Placeholder 6">
             <a:extLst>
               <a:ext uri="{FF2B5EF4-FFF2-40B4-BE49-F238E27FC236}">
-                <a16:creationId xmlns:a16="http://schemas.microsoft.com/office/drawing/2014/main" xmlns="" id="{9B8B3811-9C0D-7C49-82B0-8F573564F28D}"/>
+                <a16:creationId xmlns:a16="http://schemas.microsoft.com/office/drawing/2014/main" id="{9B8B3811-9C0D-7C49-82B0-8F573564F28D}"/>
               </a:ext>
             </a:extLst>
           </p:cNvPr>
@@ -16187,7 +16133,7 @@
           <p:cNvPr id="37" name="Text Placeholder 6">
             <a:extLst>
               <a:ext uri="{FF2B5EF4-FFF2-40B4-BE49-F238E27FC236}">
-                <a16:creationId xmlns:a16="http://schemas.microsoft.com/office/drawing/2014/main" xmlns="" id="{4FFBCA0A-45E6-7147-BE24-AD403DCFB3D5}"/>
+                <a16:creationId xmlns:a16="http://schemas.microsoft.com/office/drawing/2014/main" id="{4FFBCA0A-45E6-7147-BE24-AD403DCFB3D5}"/>
               </a:ext>
             </a:extLst>
           </p:cNvPr>
@@ -16251,7 +16197,7 @@
           <p:cNvPr id="38" name="Text Placeholder 6">
             <a:extLst>
               <a:ext uri="{FF2B5EF4-FFF2-40B4-BE49-F238E27FC236}">
-                <a16:creationId xmlns:a16="http://schemas.microsoft.com/office/drawing/2014/main" xmlns="" id="{5002CC26-6ACB-864C-BF7F-B97D802F2992}"/>
+                <a16:creationId xmlns:a16="http://schemas.microsoft.com/office/drawing/2014/main" id="{5002CC26-6ACB-864C-BF7F-B97D802F2992}"/>
               </a:ext>
             </a:extLst>
           </p:cNvPr>
@@ -16378,7 +16324,7 @@
           <p:cNvPr id="39" name="Text Placeholder 6">
             <a:extLst>
               <a:ext uri="{FF2B5EF4-FFF2-40B4-BE49-F238E27FC236}">
-                <a16:creationId xmlns:a16="http://schemas.microsoft.com/office/drawing/2014/main" xmlns="" id="{38CDB619-C2DC-924C-BBE0-F9515C4967A9}"/>
+                <a16:creationId xmlns:a16="http://schemas.microsoft.com/office/drawing/2014/main" id="{38CDB619-C2DC-924C-BBE0-F9515C4967A9}"/>
               </a:ext>
             </a:extLst>
           </p:cNvPr>
@@ -16442,7 +16388,7 @@
           <p:cNvPr id="40" name="Text Placeholder 6">
             <a:extLst>
               <a:ext uri="{FF2B5EF4-FFF2-40B4-BE49-F238E27FC236}">
-                <a16:creationId xmlns:a16="http://schemas.microsoft.com/office/drawing/2014/main" xmlns="" id="{ED332DD6-690A-4A4A-B279-EF7ED1A98E94}"/>
+                <a16:creationId xmlns:a16="http://schemas.microsoft.com/office/drawing/2014/main" id="{ED332DD6-690A-4A4A-B279-EF7ED1A98E94}"/>
               </a:ext>
             </a:extLst>
           </p:cNvPr>
@@ -16569,7 +16515,7 @@
           <p:cNvPr id="41" name="Text Placeholder 6">
             <a:extLst>
               <a:ext uri="{FF2B5EF4-FFF2-40B4-BE49-F238E27FC236}">
-                <a16:creationId xmlns:a16="http://schemas.microsoft.com/office/drawing/2014/main" xmlns="" id="{D1FD405E-560F-1145-8168-C8AE240DE6E6}"/>
+                <a16:creationId xmlns:a16="http://schemas.microsoft.com/office/drawing/2014/main" id="{D1FD405E-560F-1145-8168-C8AE240DE6E6}"/>
               </a:ext>
             </a:extLst>
           </p:cNvPr>
@@ -16633,7 +16579,7 @@
           <p:cNvPr id="42" name="Text Placeholder 6">
             <a:extLst>
               <a:ext uri="{FF2B5EF4-FFF2-40B4-BE49-F238E27FC236}">
-                <a16:creationId xmlns:a16="http://schemas.microsoft.com/office/drawing/2014/main" xmlns="" id="{AA5262B6-D761-F24D-8FAA-868EE345FCE7}"/>
+                <a16:creationId xmlns:a16="http://schemas.microsoft.com/office/drawing/2014/main" id="{AA5262B6-D761-F24D-8FAA-868EE345FCE7}"/>
               </a:ext>
             </a:extLst>
           </p:cNvPr>
@@ -16760,7 +16706,7 @@
           <p:cNvPr id="43" name="Text Placeholder 6">
             <a:extLst>
               <a:ext uri="{FF2B5EF4-FFF2-40B4-BE49-F238E27FC236}">
-                <a16:creationId xmlns:a16="http://schemas.microsoft.com/office/drawing/2014/main" xmlns="" id="{CC9D9D8B-8E9F-1544-8956-C112ADB5B6EA}"/>
+                <a16:creationId xmlns:a16="http://schemas.microsoft.com/office/drawing/2014/main" id="{CC9D9D8B-8E9F-1544-8956-C112ADB5B6EA}"/>
               </a:ext>
             </a:extLst>
           </p:cNvPr>
@@ -16824,7 +16770,7 @@
           <p:cNvPr id="44" name="Text Placeholder 6">
             <a:extLst>
               <a:ext uri="{FF2B5EF4-FFF2-40B4-BE49-F238E27FC236}">
-                <a16:creationId xmlns:a16="http://schemas.microsoft.com/office/drawing/2014/main" xmlns="" id="{E908BDBA-4726-D042-85A4-63122FFDBFEC}"/>
+                <a16:creationId xmlns:a16="http://schemas.microsoft.com/office/drawing/2014/main" id="{E908BDBA-4726-D042-85A4-63122FFDBFEC}"/>
               </a:ext>
             </a:extLst>
           </p:cNvPr>
@@ -16951,7 +16897,7 @@
           <p:cNvPr id="45" name="Text Placeholder 6">
             <a:extLst>
               <a:ext uri="{FF2B5EF4-FFF2-40B4-BE49-F238E27FC236}">
-                <a16:creationId xmlns:a16="http://schemas.microsoft.com/office/drawing/2014/main" xmlns="" id="{C54DC2F0-C2EE-084F-9C4B-87AC29D91E4B}"/>
+                <a16:creationId xmlns:a16="http://schemas.microsoft.com/office/drawing/2014/main" id="{C54DC2F0-C2EE-084F-9C4B-87AC29D91E4B}"/>
               </a:ext>
             </a:extLst>
           </p:cNvPr>
@@ -17016,7 +16962,7 @@
           <p:cNvPr id="46" name="Text Placeholder 6">
             <a:extLst>
               <a:ext uri="{FF2B5EF4-FFF2-40B4-BE49-F238E27FC236}">
-                <a16:creationId xmlns:a16="http://schemas.microsoft.com/office/drawing/2014/main" xmlns="" id="{CC25F18A-4EE1-C04D-831E-F891BFFC96CA}"/>
+                <a16:creationId xmlns:a16="http://schemas.microsoft.com/office/drawing/2014/main" id="{CC25F18A-4EE1-C04D-831E-F891BFFC96CA}"/>
               </a:ext>
             </a:extLst>
           </p:cNvPr>
@@ -17081,7 +17027,7 @@
           <p:cNvPr id="47" name="Text Placeholder 6">
             <a:extLst>
               <a:ext uri="{FF2B5EF4-FFF2-40B4-BE49-F238E27FC236}">
-                <a16:creationId xmlns:a16="http://schemas.microsoft.com/office/drawing/2014/main" xmlns="" id="{B11E4DB1-C347-1F4C-A072-A0BFCBDAA027}"/>
+                <a16:creationId xmlns:a16="http://schemas.microsoft.com/office/drawing/2014/main" id="{B11E4DB1-C347-1F4C-A072-A0BFCBDAA027}"/>
               </a:ext>
             </a:extLst>
           </p:cNvPr>
@@ -17146,7 +17092,7 @@
           <p:cNvPr id="48" name="Text Placeholder 6">
             <a:extLst>
               <a:ext uri="{FF2B5EF4-FFF2-40B4-BE49-F238E27FC236}">
-                <a16:creationId xmlns:a16="http://schemas.microsoft.com/office/drawing/2014/main" xmlns="" id="{C0CA8596-3B87-2841-B96F-12EB43E029AA}"/>
+                <a16:creationId xmlns:a16="http://schemas.microsoft.com/office/drawing/2014/main" id="{C0CA8596-3B87-2841-B96F-12EB43E029AA}"/>
               </a:ext>
             </a:extLst>
           </p:cNvPr>
@@ -17211,7 +17157,7 @@
           <p:cNvPr id="49" name="Text Placeholder 6">
             <a:extLst>
               <a:ext uri="{FF2B5EF4-FFF2-40B4-BE49-F238E27FC236}">
-                <a16:creationId xmlns:a16="http://schemas.microsoft.com/office/drawing/2014/main" xmlns="" id="{2F72FB37-AE95-B342-9CF4-D0EEF1293EF5}"/>
+                <a16:creationId xmlns:a16="http://schemas.microsoft.com/office/drawing/2014/main" id="{2F72FB37-AE95-B342-9CF4-D0EEF1293EF5}"/>
               </a:ext>
             </a:extLst>
           </p:cNvPr>
@@ -17273,9 +17219,7 @@
       </p:sp>
       <p:sp>
         <p:nvSpPr>
-          <p:cNvPr id="50" name="Date Placeholder 14">
-            <a:extLst/>
-          </p:cNvPr>
+          <p:cNvPr id="50" name="Date Placeholder 14"/>
           <p:cNvSpPr>
             <a:spLocks noGrp="1"/>
           </p:cNvSpPr>
@@ -17306,7 +17250,7 @@
           <a:p>
             <a:fld id="{F0C99D87-AFAD-4B11-8D22-9469FA50E3E6}" type="datetime1">
               <a:rPr lang="en-US" smtClean="0"/>
-              <a:t>7/25/2019</a:t>
+              <a:t>2/13/2023</a:t>
             </a:fld>
             <a:endParaRPr lang="en-US" dirty="0"/>
           </a:p>
@@ -17314,9 +17258,7 @@
       </p:sp>
       <p:sp>
         <p:nvSpPr>
-          <p:cNvPr id="51" name="Slide Number Placeholder 6">
-            <a:extLst/>
-          </p:cNvPr>
+          <p:cNvPr id="51" name="Slide Number Placeholder 6"/>
           <p:cNvSpPr>
             <a:spLocks noGrp="1"/>
           </p:cNvSpPr>
@@ -17928,7 +17870,7 @@
           <p:cNvPr id="22" name="Title 1">
             <a:extLst>
               <a:ext uri="{FF2B5EF4-FFF2-40B4-BE49-F238E27FC236}">
-                <a16:creationId xmlns:a16="http://schemas.microsoft.com/office/drawing/2014/main" xmlns="" id="{40FB3CCA-5010-384A-93BF-09B278FD5044}"/>
+                <a16:creationId xmlns:a16="http://schemas.microsoft.com/office/drawing/2014/main" id="{40FB3CCA-5010-384A-93BF-09B278FD5044}"/>
               </a:ext>
             </a:extLst>
           </p:cNvPr>
@@ -17971,7 +17913,7 @@
           <p:cNvPr id="23" name="Straight Connector 22">
             <a:extLst>
               <a:ext uri="{FF2B5EF4-FFF2-40B4-BE49-F238E27FC236}">
-                <a16:creationId xmlns:a16="http://schemas.microsoft.com/office/drawing/2014/main" xmlns="" id="{B3066C17-E29A-0E4B-AC4C-8AA9851BEEF5}"/>
+                <a16:creationId xmlns:a16="http://schemas.microsoft.com/office/drawing/2014/main" id="{B3066C17-E29A-0E4B-AC4C-8AA9851BEEF5}"/>
               </a:ext>
             </a:extLst>
           </p:cNvPr>
@@ -18014,7 +17956,7 @@
           <p:cNvPr id="24" name="Straight Connector 23">
             <a:extLst>
               <a:ext uri="{FF2B5EF4-FFF2-40B4-BE49-F238E27FC236}">
-                <a16:creationId xmlns:a16="http://schemas.microsoft.com/office/drawing/2014/main" xmlns="" id="{37A3B2D6-BD02-974A-A6BF-7EF83E5F1EAB}"/>
+                <a16:creationId xmlns:a16="http://schemas.microsoft.com/office/drawing/2014/main" id="{37A3B2D6-BD02-974A-A6BF-7EF83E5F1EAB}"/>
               </a:ext>
             </a:extLst>
           </p:cNvPr>
@@ -18059,7 +18001,7 @@
           <p:cNvPr id="25" name="Oval 24">
             <a:extLst>
               <a:ext uri="{FF2B5EF4-FFF2-40B4-BE49-F238E27FC236}">
-                <a16:creationId xmlns:a16="http://schemas.microsoft.com/office/drawing/2014/main" xmlns="" id="{50D4ED99-069C-6D48-85B9-0EF6CDFE8D09}"/>
+                <a16:creationId xmlns:a16="http://schemas.microsoft.com/office/drawing/2014/main" id="{50D4ED99-069C-6D48-85B9-0EF6CDFE8D09}"/>
               </a:ext>
             </a:extLst>
           </p:cNvPr>
@@ -18116,7 +18058,7 @@
           <p:cNvPr id="26" name="Oval 25">
             <a:extLst>
               <a:ext uri="{FF2B5EF4-FFF2-40B4-BE49-F238E27FC236}">
-                <a16:creationId xmlns:a16="http://schemas.microsoft.com/office/drawing/2014/main" xmlns="" id="{A97D3515-5EC4-C144-906B-379A4597141F}"/>
+                <a16:creationId xmlns:a16="http://schemas.microsoft.com/office/drawing/2014/main" id="{A97D3515-5EC4-C144-906B-379A4597141F}"/>
               </a:ext>
             </a:extLst>
           </p:cNvPr>
@@ -18170,7 +18112,7 @@
           <p:cNvPr id="27" name="Oval 26">
             <a:extLst>
               <a:ext uri="{FF2B5EF4-FFF2-40B4-BE49-F238E27FC236}">
-                <a16:creationId xmlns:a16="http://schemas.microsoft.com/office/drawing/2014/main" xmlns="" id="{830E17F2-D4D2-D147-B842-0947E330F543}"/>
+                <a16:creationId xmlns:a16="http://schemas.microsoft.com/office/drawing/2014/main" id="{830E17F2-D4D2-D147-B842-0947E330F543}"/>
               </a:ext>
             </a:extLst>
           </p:cNvPr>
@@ -18224,7 +18166,7 @@
           <p:cNvPr id="32" name="Picture Placeholder 4">
             <a:extLst>
               <a:ext uri="{FF2B5EF4-FFF2-40B4-BE49-F238E27FC236}">
-                <a16:creationId xmlns:a16="http://schemas.microsoft.com/office/drawing/2014/main" xmlns="" id="{BF0B41F7-63C9-5C4C-B8C8-D83815523F8E}"/>
+                <a16:creationId xmlns:a16="http://schemas.microsoft.com/office/drawing/2014/main" id="{BF0B41F7-63C9-5C4C-B8C8-D83815523F8E}"/>
               </a:ext>
             </a:extLst>
           </p:cNvPr>
@@ -18265,7 +18207,7 @@
           <p:cNvPr id="33" name="Text Placeholder 6">
             <a:extLst>
               <a:ext uri="{FF2B5EF4-FFF2-40B4-BE49-F238E27FC236}">
-                <a16:creationId xmlns:a16="http://schemas.microsoft.com/office/drawing/2014/main" xmlns="" id="{A8B279BA-14D9-9B48-B017-1F3CC2F184B0}"/>
+                <a16:creationId xmlns:a16="http://schemas.microsoft.com/office/drawing/2014/main" id="{A8B279BA-14D9-9B48-B017-1F3CC2F184B0}"/>
               </a:ext>
             </a:extLst>
           </p:cNvPr>
@@ -18329,7 +18271,7 @@
           <p:cNvPr id="34" name="Text Placeholder 6">
             <a:extLst>
               <a:ext uri="{FF2B5EF4-FFF2-40B4-BE49-F238E27FC236}">
-                <a16:creationId xmlns:a16="http://schemas.microsoft.com/office/drawing/2014/main" xmlns="" id="{3D2AF86D-3D79-C549-B5B4-769C5583A4FF}"/>
+                <a16:creationId xmlns:a16="http://schemas.microsoft.com/office/drawing/2014/main" id="{3D2AF86D-3D79-C549-B5B4-769C5583A4FF}"/>
               </a:ext>
             </a:extLst>
           </p:cNvPr>
@@ -18456,7 +18398,7 @@
           <p:cNvPr id="38" name="Text Placeholder 6">
             <a:extLst>
               <a:ext uri="{FF2B5EF4-FFF2-40B4-BE49-F238E27FC236}">
-                <a16:creationId xmlns:a16="http://schemas.microsoft.com/office/drawing/2014/main" xmlns="" id="{51AE283F-327B-394D-8A8B-061E674EFCB1}"/>
+                <a16:creationId xmlns:a16="http://schemas.microsoft.com/office/drawing/2014/main" id="{51AE283F-327B-394D-8A8B-061E674EFCB1}"/>
               </a:ext>
             </a:extLst>
           </p:cNvPr>
@@ -18518,9 +18460,7 @@
       </p:sp>
       <p:sp>
         <p:nvSpPr>
-          <p:cNvPr id="14" name="Date Placeholder 14">
-            <a:extLst/>
-          </p:cNvPr>
+          <p:cNvPr id="14" name="Date Placeholder 14"/>
           <p:cNvSpPr>
             <a:spLocks noGrp="1"/>
           </p:cNvSpPr>
@@ -18551,7 +18491,7 @@
           <a:p>
             <a:fld id="{F0C99D87-AFAD-4B11-8D22-9469FA50E3E6}" type="datetime1">
               <a:rPr lang="en-US" smtClean="0"/>
-              <a:t>7/25/2019</a:t>
+              <a:t>2/13/2023</a:t>
             </a:fld>
             <a:endParaRPr lang="en-US" dirty="0"/>
           </a:p>
@@ -18559,9 +18499,7 @@
       </p:sp>
       <p:sp>
         <p:nvSpPr>
-          <p:cNvPr id="15" name="Slide Number Placeholder 6">
-            <a:extLst/>
-          </p:cNvPr>
+          <p:cNvPr id="15" name="Slide Number Placeholder 6"/>
           <p:cNvSpPr>
             <a:spLocks noGrp="1"/>
           </p:cNvSpPr>
@@ -18634,7 +18572,7 @@
           <p:cNvPr id="14" name="Straight Connector 13">
             <a:extLst>
               <a:ext uri="{FF2B5EF4-FFF2-40B4-BE49-F238E27FC236}">
-                <a16:creationId xmlns:a16="http://schemas.microsoft.com/office/drawing/2014/main" xmlns="" id="{8C30D194-A319-2145-99EE-79EC690B61AC}"/>
+                <a16:creationId xmlns:a16="http://schemas.microsoft.com/office/drawing/2014/main" id="{8C30D194-A319-2145-99EE-79EC690B61AC}"/>
               </a:ext>
             </a:extLst>
           </p:cNvPr>
@@ -18681,7 +18619,7 @@
           <p:cNvPr id="19" name="Oval 18">
             <a:extLst>
               <a:ext uri="{FF2B5EF4-FFF2-40B4-BE49-F238E27FC236}">
-                <a16:creationId xmlns:a16="http://schemas.microsoft.com/office/drawing/2014/main" xmlns="" id="{D54B5266-9D9B-5F43-A355-779734CF70DA}"/>
+                <a16:creationId xmlns:a16="http://schemas.microsoft.com/office/drawing/2014/main" id="{D54B5266-9D9B-5F43-A355-779734CF70DA}"/>
               </a:ext>
             </a:extLst>
           </p:cNvPr>
@@ -18739,7 +18677,7 @@
           <p:cNvPr id="20" name="Oval 19">
             <a:extLst>
               <a:ext uri="{FF2B5EF4-FFF2-40B4-BE49-F238E27FC236}">
-                <a16:creationId xmlns:a16="http://schemas.microsoft.com/office/drawing/2014/main" xmlns="" id="{6C685AFF-CA20-D941-8A71-C3BE2FE26E3B}"/>
+                <a16:creationId xmlns:a16="http://schemas.microsoft.com/office/drawing/2014/main" id="{6C685AFF-CA20-D941-8A71-C3BE2FE26E3B}"/>
               </a:ext>
             </a:extLst>
           </p:cNvPr>
@@ -18797,7 +18735,7 @@
           <p:cNvPr id="21" name="Oval 20">
             <a:extLst>
               <a:ext uri="{FF2B5EF4-FFF2-40B4-BE49-F238E27FC236}">
-                <a16:creationId xmlns:a16="http://schemas.microsoft.com/office/drawing/2014/main" xmlns="" id="{DC28ABB8-342C-7043-AD93-6CDA35F55F8C}"/>
+                <a16:creationId xmlns:a16="http://schemas.microsoft.com/office/drawing/2014/main" id="{DC28ABB8-342C-7043-AD93-6CDA35F55F8C}"/>
               </a:ext>
             </a:extLst>
           </p:cNvPr>
@@ -18855,7 +18793,7 @@
           <p:cNvPr id="33" name="Oval 32">
             <a:extLst>
               <a:ext uri="{FF2B5EF4-FFF2-40B4-BE49-F238E27FC236}">
-                <a16:creationId xmlns:a16="http://schemas.microsoft.com/office/drawing/2014/main" xmlns="" id="{AA11A84D-4747-6547-8388-25F2D8089DB2}"/>
+                <a16:creationId xmlns:a16="http://schemas.microsoft.com/office/drawing/2014/main" id="{AA11A84D-4747-6547-8388-25F2D8089DB2}"/>
               </a:ext>
             </a:extLst>
           </p:cNvPr>
@@ -18913,7 +18851,7 @@
           <p:cNvPr id="34" name="Oval 33">
             <a:extLst>
               <a:ext uri="{FF2B5EF4-FFF2-40B4-BE49-F238E27FC236}">
-                <a16:creationId xmlns:a16="http://schemas.microsoft.com/office/drawing/2014/main" xmlns="" id="{92334F2D-8596-B748-B2A3-69E2FEF689E6}"/>
+                <a16:creationId xmlns:a16="http://schemas.microsoft.com/office/drawing/2014/main" id="{92334F2D-8596-B748-B2A3-69E2FEF689E6}"/>
               </a:ext>
             </a:extLst>
           </p:cNvPr>
@@ -18971,7 +18909,7 @@
           <p:cNvPr id="35" name="Oval 34">
             <a:extLst>
               <a:ext uri="{FF2B5EF4-FFF2-40B4-BE49-F238E27FC236}">
-                <a16:creationId xmlns:a16="http://schemas.microsoft.com/office/drawing/2014/main" xmlns="" id="{5D4C8EC2-0815-EE4B-9518-B2AABBCE4413}"/>
+                <a16:creationId xmlns:a16="http://schemas.microsoft.com/office/drawing/2014/main" id="{5D4C8EC2-0815-EE4B-9518-B2AABBCE4413}"/>
               </a:ext>
             </a:extLst>
           </p:cNvPr>
@@ -19029,7 +18967,7 @@
           <p:cNvPr id="39" name="Picture Placeholder 4">
             <a:extLst>
               <a:ext uri="{FF2B5EF4-FFF2-40B4-BE49-F238E27FC236}">
-                <a16:creationId xmlns:a16="http://schemas.microsoft.com/office/drawing/2014/main" xmlns="" id="{3BD55156-1884-324B-A870-42B25397DF60}"/>
+                <a16:creationId xmlns:a16="http://schemas.microsoft.com/office/drawing/2014/main" id="{3BD55156-1884-324B-A870-42B25397DF60}"/>
               </a:ext>
             </a:extLst>
           </p:cNvPr>
@@ -19070,7 +19008,7 @@
           <p:cNvPr id="40" name="Text Placeholder 6">
             <a:extLst>
               <a:ext uri="{FF2B5EF4-FFF2-40B4-BE49-F238E27FC236}">
-                <a16:creationId xmlns:a16="http://schemas.microsoft.com/office/drawing/2014/main" xmlns="" id="{0657EAF2-0044-D04E-B356-9DF92AC48E24}"/>
+                <a16:creationId xmlns:a16="http://schemas.microsoft.com/office/drawing/2014/main" id="{0657EAF2-0044-D04E-B356-9DF92AC48E24}"/>
               </a:ext>
             </a:extLst>
           </p:cNvPr>
@@ -19134,7 +19072,7 @@
           <p:cNvPr id="41" name="Text Placeholder 6">
             <a:extLst>
               <a:ext uri="{FF2B5EF4-FFF2-40B4-BE49-F238E27FC236}">
-                <a16:creationId xmlns:a16="http://schemas.microsoft.com/office/drawing/2014/main" xmlns="" id="{44025AFD-B02C-9D4A-82B4-66EF40B31C49}"/>
+                <a16:creationId xmlns:a16="http://schemas.microsoft.com/office/drawing/2014/main" id="{44025AFD-B02C-9D4A-82B4-66EF40B31C49}"/>
               </a:ext>
             </a:extLst>
           </p:cNvPr>
@@ -19261,7 +19199,7 @@
           <p:cNvPr id="42" name="Text Placeholder 6">
             <a:extLst>
               <a:ext uri="{FF2B5EF4-FFF2-40B4-BE49-F238E27FC236}">
-                <a16:creationId xmlns:a16="http://schemas.microsoft.com/office/drawing/2014/main" xmlns="" id="{8476D836-46F6-4244-8738-8752C1F943D8}"/>
+                <a16:creationId xmlns:a16="http://schemas.microsoft.com/office/drawing/2014/main" id="{8476D836-46F6-4244-8738-8752C1F943D8}"/>
               </a:ext>
             </a:extLst>
           </p:cNvPr>
@@ -19325,7 +19263,7 @@
           <p:cNvPr id="43" name="Text Placeholder 6">
             <a:extLst>
               <a:ext uri="{FF2B5EF4-FFF2-40B4-BE49-F238E27FC236}">
-                <a16:creationId xmlns:a16="http://schemas.microsoft.com/office/drawing/2014/main" xmlns="" id="{26E71183-D837-714D-99A5-66C1EB641D76}"/>
+                <a16:creationId xmlns:a16="http://schemas.microsoft.com/office/drawing/2014/main" id="{26E71183-D837-714D-99A5-66C1EB641D76}"/>
               </a:ext>
             </a:extLst>
           </p:cNvPr>
@@ -19452,7 +19390,7 @@
           <p:cNvPr id="44" name="Picture Placeholder 4">
             <a:extLst>
               <a:ext uri="{FF2B5EF4-FFF2-40B4-BE49-F238E27FC236}">
-                <a16:creationId xmlns:a16="http://schemas.microsoft.com/office/drawing/2014/main" xmlns="" id="{8DF26A37-47F8-BF4C-ADC8-3FC32B76E476}"/>
+                <a16:creationId xmlns:a16="http://schemas.microsoft.com/office/drawing/2014/main" id="{8DF26A37-47F8-BF4C-ADC8-3FC32B76E476}"/>
               </a:ext>
             </a:extLst>
           </p:cNvPr>
@@ -19493,7 +19431,7 @@
           <p:cNvPr id="45" name="Text Placeholder 6">
             <a:extLst>
               <a:ext uri="{FF2B5EF4-FFF2-40B4-BE49-F238E27FC236}">
-                <a16:creationId xmlns:a16="http://schemas.microsoft.com/office/drawing/2014/main" xmlns="" id="{9B2B0F81-26CC-854B-9E46-5781B108ED29}"/>
+                <a16:creationId xmlns:a16="http://schemas.microsoft.com/office/drawing/2014/main" id="{9B2B0F81-26CC-854B-9E46-5781B108ED29}"/>
               </a:ext>
             </a:extLst>
           </p:cNvPr>
@@ -19558,7 +19496,7 @@
           <p:cNvPr id="46" name="Text Placeholder 6">
             <a:extLst>
               <a:ext uri="{FF2B5EF4-FFF2-40B4-BE49-F238E27FC236}">
-                <a16:creationId xmlns:a16="http://schemas.microsoft.com/office/drawing/2014/main" xmlns="" id="{7008E69E-A5BF-A74C-9B8D-EDE0BBF57EAB}"/>
+                <a16:creationId xmlns:a16="http://schemas.microsoft.com/office/drawing/2014/main" id="{7008E69E-A5BF-A74C-9B8D-EDE0BBF57EAB}"/>
               </a:ext>
             </a:extLst>
           </p:cNvPr>
@@ -19620,9 +19558,7 @@
       </p:sp>
       <p:sp>
         <p:nvSpPr>
-          <p:cNvPr id="22" name="Date Placeholder 14">
-            <a:extLst/>
-          </p:cNvPr>
+          <p:cNvPr id="22" name="Date Placeholder 14"/>
           <p:cNvSpPr>
             <a:spLocks noGrp="1"/>
           </p:cNvSpPr>
@@ -19653,7 +19589,7 @@
           <a:p>
             <a:fld id="{F0C99D87-AFAD-4B11-8D22-9469FA50E3E6}" type="datetime1">
               <a:rPr lang="en-US" smtClean="0"/>
-              <a:t>7/25/2019</a:t>
+              <a:t>2/13/2023</a:t>
             </a:fld>
             <a:endParaRPr lang="en-US" dirty="0"/>
           </a:p>
@@ -19661,9 +19597,7 @@
       </p:sp>
       <p:sp>
         <p:nvSpPr>
-          <p:cNvPr id="23" name="Slide Number Placeholder 6">
-            <a:extLst/>
-          </p:cNvPr>
+          <p:cNvPr id="23" name="Slide Number Placeholder 6"/>
           <p:cNvSpPr>
             <a:spLocks noGrp="1"/>
           </p:cNvSpPr>
@@ -19736,7 +19670,7 @@
           <p:cNvPr id="22" name="Straight Connector 21">
             <a:extLst>
               <a:ext uri="{FF2B5EF4-FFF2-40B4-BE49-F238E27FC236}">
-                <a16:creationId xmlns:a16="http://schemas.microsoft.com/office/drawing/2014/main" xmlns="" id="{DAA60164-3802-0B4D-A9B7-954C45009E00}"/>
+                <a16:creationId xmlns:a16="http://schemas.microsoft.com/office/drawing/2014/main" id="{DAA60164-3802-0B4D-A9B7-954C45009E00}"/>
               </a:ext>
             </a:extLst>
           </p:cNvPr>
@@ -19783,7 +19717,7 @@
           <p:cNvPr id="23" name="Oval 22">
             <a:extLst>
               <a:ext uri="{FF2B5EF4-FFF2-40B4-BE49-F238E27FC236}">
-                <a16:creationId xmlns:a16="http://schemas.microsoft.com/office/drawing/2014/main" xmlns="" id="{B74995CE-D2EA-E644-A36C-4B676C461DFB}"/>
+                <a16:creationId xmlns:a16="http://schemas.microsoft.com/office/drawing/2014/main" id="{B74995CE-D2EA-E644-A36C-4B676C461DFB}"/>
               </a:ext>
             </a:extLst>
           </p:cNvPr>
@@ -19839,7 +19773,7 @@
           <p:cNvPr id="24" name="Oval 23">
             <a:extLst>
               <a:ext uri="{FF2B5EF4-FFF2-40B4-BE49-F238E27FC236}">
-                <a16:creationId xmlns:a16="http://schemas.microsoft.com/office/drawing/2014/main" xmlns="" id="{EE9FC6E9-AFD4-514A-8851-F0157EA3C169}"/>
+                <a16:creationId xmlns:a16="http://schemas.microsoft.com/office/drawing/2014/main" id="{EE9FC6E9-AFD4-514A-8851-F0157EA3C169}"/>
               </a:ext>
             </a:extLst>
           </p:cNvPr>
@@ -19891,7 +19825,7 @@
           <p:cNvPr id="25" name="Oval 24">
             <a:extLst>
               <a:ext uri="{FF2B5EF4-FFF2-40B4-BE49-F238E27FC236}">
-                <a16:creationId xmlns:a16="http://schemas.microsoft.com/office/drawing/2014/main" xmlns="" id="{88DD1C19-51B7-F746-B558-2D24889B7171}"/>
+                <a16:creationId xmlns:a16="http://schemas.microsoft.com/office/drawing/2014/main" id="{88DD1C19-51B7-F746-B558-2D24889B7171}"/>
               </a:ext>
             </a:extLst>
           </p:cNvPr>
@@ -19943,7 +19877,7 @@
           <p:cNvPr id="5" name="Picture Placeholder 4">
             <a:extLst>
               <a:ext uri="{FF2B5EF4-FFF2-40B4-BE49-F238E27FC236}">
-                <a16:creationId xmlns:a16="http://schemas.microsoft.com/office/drawing/2014/main" xmlns="" id="{A254F30D-8F56-F34F-9E55-16BC7431F8D7}"/>
+                <a16:creationId xmlns:a16="http://schemas.microsoft.com/office/drawing/2014/main" id="{A254F30D-8F56-F34F-9E55-16BC7431F8D7}"/>
               </a:ext>
             </a:extLst>
           </p:cNvPr>
@@ -19984,7 +19918,7 @@
           <p:cNvPr id="7" name="Text Placeholder 6">
             <a:extLst>
               <a:ext uri="{FF2B5EF4-FFF2-40B4-BE49-F238E27FC236}">
-                <a16:creationId xmlns:a16="http://schemas.microsoft.com/office/drawing/2014/main" xmlns="" id="{C5305ECC-AD93-4F4C-A9D6-4178B63D8623}"/>
+                <a16:creationId xmlns:a16="http://schemas.microsoft.com/office/drawing/2014/main" id="{C5305ECC-AD93-4F4C-A9D6-4178B63D8623}"/>
               </a:ext>
             </a:extLst>
           </p:cNvPr>
@@ -20048,7 +19982,7 @@
           <p:cNvPr id="39" name="Text Placeholder 6">
             <a:extLst>
               <a:ext uri="{FF2B5EF4-FFF2-40B4-BE49-F238E27FC236}">
-                <a16:creationId xmlns:a16="http://schemas.microsoft.com/office/drawing/2014/main" xmlns="" id="{2D1197AC-3616-1E4E-8C35-67190FB58E59}"/>
+                <a16:creationId xmlns:a16="http://schemas.microsoft.com/office/drawing/2014/main" id="{2D1197AC-3616-1E4E-8C35-67190FB58E59}"/>
               </a:ext>
             </a:extLst>
           </p:cNvPr>
@@ -20175,7 +20109,7 @@
           <p:cNvPr id="40" name="Text Placeholder 6">
             <a:extLst>
               <a:ext uri="{FF2B5EF4-FFF2-40B4-BE49-F238E27FC236}">
-                <a16:creationId xmlns:a16="http://schemas.microsoft.com/office/drawing/2014/main" xmlns="" id="{99B9C3D8-A360-4543-A471-E83B3B6FA04C}"/>
+                <a16:creationId xmlns:a16="http://schemas.microsoft.com/office/drawing/2014/main" id="{99B9C3D8-A360-4543-A471-E83B3B6FA04C}"/>
               </a:ext>
             </a:extLst>
           </p:cNvPr>
@@ -20237,9 +20171,7 @@
       </p:sp>
       <p:sp>
         <p:nvSpPr>
-          <p:cNvPr id="12" name="Date Placeholder 14">
-            <a:extLst/>
-          </p:cNvPr>
+          <p:cNvPr id="12" name="Date Placeholder 14"/>
           <p:cNvSpPr>
             <a:spLocks noGrp="1"/>
           </p:cNvSpPr>
@@ -20270,7 +20202,7 @@
           <a:p>
             <a:fld id="{F0C99D87-AFAD-4B11-8D22-9469FA50E3E6}" type="datetime1">
               <a:rPr lang="en-US" smtClean="0"/>
-              <a:t>7/25/2019</a:t>
+              <a:t>2/13/2023</a:t>
             </a:fld>
             <a:endParaRPr lang="en-US" dirty="0"/>
           </a:p>
@@ -20278,9 +20210,7 @@
       </p:sp>
       <p:sp>
         <p:nvSpPr>
-          <p:cNvPr id="13" name="Slide Number Placeholder 6">
-            <a:extLst/>
-          </p:cNvPr>
+          <p:cNvPr id="13" name="Slide Number Placeholder 6"/>
           <p:cNvSpPr>
             <a:spLocks noGrp="1"/>
           </p:cNvSpPr>
@@ -20353,7 +20283,7 @@
           <p:cNvPr id="33" name="Title 1">
             <a:extLst>
               <a:ext uri="{FF2B5EF4-FFF2-40B4-BE49-F238E27FC236}">
-                <a16:creationId xmlns:a16="http://schemas.microsoft.com/office/drawing/2014/main" xmlns="" id="{E518D045-80CB-AA40-8564-4A75ACAD09A9}"/>
+                <a16:creationId xmlns:a16="http://schemas.microsoft.com/office/drawing/2014/main" id="{E518D045-80CB-AA40-8564-4A75ACAD09A9}"/>
               </a:ext>
             </a:extLst>
           </p:cNvPr>
@@ -20396,7 +20326,7 @@
           <p:cNvPr id="34" name="Straight Connector 33">
             <a:extLst>
               <a:ext uri="{FF2B5EF4-FFF2-40B4-BE49-F238E27FC236}">
-                <a16:creationId xmlns:a16="http://schemas.microsoft.com/office/drawing/2014/main" xmlns="" id="{00B418FA-A720-0B47-84CB-45475AE6480F}"/>
+                <a16:creationId xmlns:a16="http://schemas.microsoft.com/office/drawing/2014/main" id="{00B418FA-A720-0B47-84CB-45475AE6480F}"/>
               </a:ext>
             </a:extLst>
           </p:cNvPr>
@@ -20439,7 +20369,7 @@
           <p:cNvPr id="108" name="Straight Connector 107">
             <a:extLst>
               <a:ext uri="{FF2B5EF4-FFF2-40B4-BE49-F238E27FC236}">
-                <a16:creationId xmlns:a16="http://schemas.microsoft.com/office/drawing/2014/main" xmlns="" id="{923F542A-EEDA-7D40-8C63-9B278299EEBF}"/>
+                <a16:creationId xmlns:a16="http://schemas.microsoft.com/office/drawing/2014/main" id="{923F542A-EEDA-7D40-8C63-9B278299EEBF}"/>
               </a:ext>
             </a:extLst>
           </p:cNvPr>
@@ -20484,7 +20414,7 @@
           <p:cNvPr id="109" name="Oval 108">
             <a:extLst>
               <a:ext uri="{FF2B5EF4-FFF2-40B4-BE49-F238E27FC236}">
-                <a16:creationId xmlns:a16="http://schemas.microsoft.com/office/drawing/2014/main" xmlns="" id="{C01BF8AC-943E-EF48-8C42-ADA33638D928}"/>
+                <a16:creationId xmlns:a16="http://schemas.microsoft.com/office/drawing/2014/main" id="{C01BF8AC-943E-EF48-8C42-ADA33638D928}"/>
               </a:ext>
             </a:extLst>
           </p:cNvPr>
@@ -20544,7 +20474,7 @@
           <p:cNvPr id="110" name="Chevron 109">
             <a:extLst>
               <a:ext uri="{FF2B5EF4-FFF2-40B4-BE49-F238E27FC236}">
-                <a16:creationId xmlns:a16="http://schemas.microsoft.com/office/drawing/2014/main" xmlns="" id="{CBB1D8B8-9BDE-8543-AD14-184734D1B97B}"/>
+                <a16:creationId xmlns:a16="http://schemas.microsoft.com/office/drawing/2014/main" id="{CBB1D8B8-9BDE-8543-AD14-184734D1B97B}"/>
               </a:ext>
             </a:extLst>
           </p:cNvPr>
@@ -20599,7 +20529,7 @@
           <p:cNvPr id="111" name="Straight Connector 110">
             <a:extLst>
               <a:ext uri="{FF2B5EF4-FFF2-40B4-BE49-F238E27FC236}">
-                <a16:creationId xmlns:a16="http://schemas.microsoft.com/office/drawing/2014/main" xmlns="" id="{B4B77037-DE51-0D48-8F5A-06B1CEAE2248}"/>
+                <a16:creationId xmlns:a16="http://schemas.microsoft.com/office/drawing/2014/main" id="{B4B77037-DE51-0D48-8F5A-06B1CEAE2248}"/>
               </a:ext>
             </a:extLst>
           </p:cNvPr>
@@ -20644,7 +20574,7 @@
           <p:cNvPr id="112" name="Oval 111">
             <a:extLst>
               <a:ext uri="{FF2B5EF4-FFF2-40B4-BE49-F238E27FC236}">
-                <a16:creationId xmlns:a16="http://schemas.microsoft.com/office/drawing/2014/main" xmlns="" id="{08258C91-650D-7C4E-9B81-3FE297B403AD}"/>
+                <a16:creationId xmlns:a16="http://schemas.microsoft.com/office/drawing/2014/main" id="{08258C91-650D-7C4E-9B81-3FE297B403AD}"/>
               </a:ext>
             </a:extLst>
           </p:cNvPr>
@@ -20704,7 +20634,7 @@
           <p:cNvPr id="113" name="Chevron 112">
             <a:extLst>
               <a:ext uri="{FF2B5EF4-FFF2-40B4-BE49-F238E27FC236}">
-                <a16:creationId xmlns:a16="http://schemas.microsoft.com/office/drawing/2014/main" xmlns="" id="{84A64F03-97FF-A44B-B065-80AD21886BCE}"/>
+                <a16:creationId xmlns:a16="http://schemas.microsoft.com/office/drawing/2014/main" id="{84A64F03-97FF-A44B-B065-80AD21886BCE}"/>
               </a:ext>
             </a:extLst>
           </p:cNvPr>
@@ -20759,7 +20689,7 @@
           <p:cNvPr id="114" name="Straight Connector 113">
             <a:extLst>
               <a:ext uri="{FF2B5EF4-FFF2-40B4-BE49-F238E27FC236}">
-                <a16:creationId xmlns:a16="http://schemas.microsoft.com/office/drawing/2014/main" xmlns="" id="{7813D5E3-E649-4B40-B57B-19311B4DC608}"/>
+                <a16:creationId xmlns:a16="http://schemas.microsoft.com/office/drawing/2014/main" id="{7813D5E3-E649-4B40-B57B-19311B4DC608}"/>
               </a:ext>
             </a:extLst>
           </p:cNvPr>
@@ -20804,7 +20734,7 @@
           <p:cNvPr id="115" name="Oval 114">
             <a:extLst>
               <a:ext uri="{FF2B5EF4-FFF2-40B4-BE49-F238E27FC236}">
-                <a16:creationId xmlns:a16="http://schemas.microsoft.com/office/drawing/2014/main" xmlns="" id="{CEFA06B5-B93A-5F4D-BB4E-39D07D5E05DF}"/>
+                <a16:creationId xmlns:a16="http://schemas.microsoft.com/office/drawing/2014/main" id="{CEFA06B5-B93A-5F4D-BB4E-39D07D5E05DF}"/>
               </a:ext>
             </a:extLst>
           </p:cNvPr>
@@ -20864,7 +20794,7 @@
           <p:cNvPr id="116" name="Chevron 115">
             <a:extLst>
               <a:ext uri="{FF2B5EF4-FFF2-40B4-BE49-F238E27FC236}">
-                <a16:creationId xmlns:a16="http://schemas.microsoft.com/office/drawing/2014/main" xmlns="" id="{5C970224-D15C-8C4D-8EAA-DEB9DDEA0FEF}"/>
+                <a16:creationId xmlns:a16="http://schemas.microsoft.com/office/drawing/2014/main" id="{5C970224-D15C-8C4D-8EAA-DEB9DDEA0FEF}"/>
               </a:ext>
             </a:extLst>
           </p:cNvPr>
@@ -20919,7 +20849,7 @@
           <p:cNvPr id="117" name="Chevron 116">
             <a:extLst>
               <a:ext uri="{FF2B5EF4-FFF2-40B4-BE49-F238E27FC236}">
-                <a16:creationId xmlns:a16="http://schemas.microsoft.com/office/drawing/2014/main" xmlns="" id="{5E53AD75-CFFF-CE4B-A3BF-BA48CF8422C3}"/>
+                <a16:creationId xmlns:a16="http://schemas.microsoft.com/office/drawing/2014/main" id="{5E53AD75-CFFF-CE4B-A3BF-BA48CF8422C3}"/>
               </a:ext>
             </a:extLst>
           </p:cNvPr>
@@ -20974,7 +20904,7 @@
           <p:cNvPr id="118" name="Straight Connector 117">
             <a:extLst>
               <a:ext uri="{FF2B5EF4-FFF2-40B4-BE49-F238E27FC236}">
-                <a16:creationId xmlns:a16="http://schemas.microsoft.com/office/drawing/2014/main" xmlns="" id="{A4045018-C213-2048-99D9-B6CFC15828F9}"/>
+                <a16:creationId xmlns:a16="http://schemas.microsoft.com/office/drawing/2014/main" id="{A4045018-C213-2048-99D9-B6CFC15828F9}"/>
               </a:ext>
             </a:extLst>
           </p:cNvPr>
@@ -21019,7 +20949,7 @@
           <p:cNvPr id="119" name="Oval 118">
             <a:extLst>
               <a:ext uri="{FF2B5EF4-FFF2-40B4-BE49-F238E27FC236}">
-                <a16:creationId xmlns:a16="http://schemas.microsoft.com/office/drawing/2014/main" xmlns="" id="{E9E067D1-4507-4E4F-BD5F-846FA8C0C272}"/>
+                <a16:creationId xmlns:a16="http://schemas.microsoft.com/office/drawing/2014/main" id="{E9E067D1-4507-4E4F-BD5F-846FA8C0C272}"/>
               </a:ext>
             </a:extLst>
           </p:cNvPr>
@@ -21079,7 +21009,7 @@
           <p:cNvPr id="120" name="Chevron 119">
             <a:extLst>
               <a:ext uri="{FF2B5EF4-FFF2-40B4-BE49-F238E27FC236}">
-                <a16:creationId xmlns:a16="http://schemas.microsoft.com/office/drawing/2014/main" xmlns="" id="{E127B344-E9CE-3D47-A601-D3D69949568F}"/>
+                <a16:creationId xmlns:a16="http://schemas.microsoft.com/office/drawing/2014/main" id="{E127B344-E9CE-3D47-A601-D3D69949568F}"/>
               </a:ext>
             </a:extLst>
           </p:cNvPr>
@@ -21134,7 +21064,7 @@
           <p:cNvPr id="121" name="Straight Connector 120">
             <a:extLst>
               <a:ext uri="{FF2B5EF4-FFF2-40B4-BE49-F238E27FC236}">
-                <a16:creationId xmlns:a16="http://schemas.microsoft.com/office/drawing/2014/main" xmlns="" id="{FC3FEBA2-914F-484F-941D-34F625C6E3F7}"/>
+                <a16:creationId xmlns:a16="http://schemas.microsoft.com/office/drawing/2014/main" id="{FC3FEBA2-914F-484F-941D-34F625C6E3F7}"/>
               </a:ext>
             </a:extLst>
           </p:cNvPr>
@@ -21179,7 +21109,7 @@
           <p:cNvPr id="122" name="Oval 121">
             <a:extLst>
               <a:ext uri="{FF2B5EF4-FFF2-40B4-BE49-F238E27FC236}">
-                <a16:creationId xmlns:a16="http://schemas.microsoft.com/office/drawing/2014/main" xmlns="" id="{5B24FE53-F6FF-5E4F-B1F6-0D510FEA4500}"/>
+                <a16:creationId xmlns:a16="http://schemas.microsoft.com/office/drawing/2014/main" id="{5B24FE53-F6FF-5E4F-B1F6-0D510FEA4500}"/>
               </a:ext>
             </a:extLst>
           </p:cNvPr>
@@ -21239,7 +21169,7 @@
           <p:cNvPr id="123" name="Chevron 122">
             <a:extLst>
               <a:ext uri="{FF2B5EF4-FFF2-40B4-BE49-F238E27FC236}">
-                <a16:creationId xmlns:a16="http://schemas.microsoft.com/office/drawing/2014/main" xmlns="" id="{02B05266-3921-8C42-B266-195BD21B0CFF}"/>
+                <a16:creationId xmlns:a16="http://schemas.microsoft.com/office/drawing/2014/main" id="{02B05266-3921-8C42-B266-195BD21B0CFF}"/>
               </a:ext>
             </a:extLst>
           </p:cNvPr>
@@ -21294,7 +21224,7 @@
           <p:cNvPr id="124" name="Straight Connector 123">
             <a:extLst>
               <a:ext uri="{FF2B5EF4-FFF2-40B4-BE49-F238E27FC236}">
-                <a16:creationId xmlns:a16="http://schemas.microsoft.com/office/drawing/2014/main" xmlns="" id="{FDE04E0E-F4F9-4B44-A0CC-A20D4C516832}"/>
+                <a16:creationId xmlns:a16="http://schemas.microsoft.com/office/drawing/2014/main" id="{FDE04E0E-F4F9-4B44-A0CC-A20D4C516832}"/>
               </a:ext>
             </a:extLst>
           </p:cNvPr>
@@ -21339,7 +21269,7 @@
           <p:cNvPr id="125" name="Oval 124">
             <a:extLst>
               <a:ext uri="{FF2B5EF4-FFF2-40B4-BE49-F238E27FC236}">
-                <a16:creationId xmlns:a16="http://schemas.microsoft.com/office/drawing/2014/main" xmlns="" id="{7F8D2B3A-417E-2A49-B1CD-53C2BDC7B747}"/>
+                <a16:creationId xmlns:a16="http://schemas.microsoft.com/office/drawing/2014/main" id="{7F8D2B3A-417E-2A49-B1CD-53C2BDC7B747}"/>
               </a:ext>
             </a:extLst>
           </p:cNvPr>
@@ -21399,7 +21329,7 @@
           <p:cNvPr id="5" name="Text Placeholder 4">
             <a:extLst>
               <a:ext uri="{FF2B5EF4-FFF2-40B4-BE49-F238E27FC236}">
-                <a16:creationId xmlns:a16="http://schemas.microsoft.com/office/drawing/2014/main" xmlns="" id="{74374C9D-1DBD-E441-A921-704887E74AC2}"/>
+                <a16:creationId xmlns:a16="http://schemas.microsoft.com/office/drawing/2014/main" id="{74374C9D-1DBD-E441-A921-704887E74AC2}"/>
               </a:ext>
             </a:extLst>
           </p:cNvPr>
@@ -21493,7 +21423,7 @@
           <p:cNvPr id="144" name="Text Placeholder 4">
             <a:extLst>
               <a:ext uri="{FF2B5EF4-FFF2-40B4-BE49-F238E27FC236}">
-                <a16:creationId xmlns:a16="http://schemas.microsoft.com/office/drawing/2014/main" xmlns="" id="{F4D13F44-1E79-724C-8CF0-C155AB7470BE}"/>
+                <a16:creationId xmlns:a16="http://schemas.microsoft.com/office/drawing/2014/main" id="{F4D13F44-1E79-724C-8CF0-C155AB7470BE}"/>
               </a:ext>
             </a:extLst>
           </p:cNvPr>
@@ -21587,7 +21517,7 @@
           <p:cNvPr id="145" name="Text Placeholder 4">
             <a:extLst>
               <a:ext uri="{FF2B5EF4-FFF2-40B4-BE49-F238E27FC236}">
-                <a16:creationId xmlns:a16="http://schemas.microsoft.com/office/drawing/2014/main" xmlns="" id="{006552A3-3747-E44E-94DD-081528BF2973}"/>
+                <a16:creationId xmlns:a16="http://schemas.microsoft.com/office/drawing/2014/main" id="{006552A3-3747-E44E-94DD-081528BF2973}"/>
               </a:ext>
             </a:extLst>
           </p:cNvPr>
@@ -21681,7 +21611,7 @@
           <p:cNvPr id="146" name="Text Placeholder 4">
             <a:extLst>
               <a:ext uri="{FF2B5EF4-FFF2-40B4-BE49-F238E27FC236}">
-                <a16:creationId xmlns:a16="http://schemas.microsoft.com/office/drawing/2014/main" xmlns="" id="{41183156-1CFD-BF46-BA33-540A907026D9}"/>
+                <a16:creationId xmlns:a16="http://schemas.microsoft.com/office/drawing/2014/main" id="{41183156-1CFD-BF46-BA33-540A907026D9}"/>
               </a:ext>
             </a:extLst>
           </p:cNvPr>
@@ -21775,7 +21705,7 @@
           <p:cNvPr id="147" name="Text Placeholder 4">
             <a:extLst>
               <a:ext uri="{FF2B5EF4-FFF2-40B4-BE49-F238E27FC236}">
-                <a16:creationId xmlns:a16="http://schemas.microsoft.com/office/drawing/2014/main" xmlns="" id="{E629AB15-B6C4-9645-8680-3E990C7777A0}"/>
+                <a16:creationId xmlns:a16="http://schemas.microsoft.com/office/drawing/2014/main" id="{E629AB15-B6C4-9645-8680-3E990C7777A0}"/>
               </a:ext>
             </a:extLst>
           </p:cNvPr>
@@ -21869,7 +21799,7 @@
           <p:cNvPr id="148" name="Text Placeholder 4">
             <a:extLst>
               <a:ext uri="{FF2B5EF4-FFF2-40B4-BE49-F238E27FC236}">
-                <a16:creationId xmlns:a16="http://schemas.microsoft.com/office/drawing/2014/main" xmlns="" id="{9DBBF6FD-3307-1348-981B-0AC8CA938986}"/>
+                <a16:creationId xmlns:a16="http://schemas.microsoft.com/office/drawing/2014/main" id="{9DBBF6FD-3307-1348-981B-0AC8CA938986}"/>
               </a:ext>
             </a:extLst>
           </p:cNvPr>
@@ -21963,7 +21893,7 @@
           <p:cNvPr id="150" name="Text Placeholder 4">
             <a:extLst>
               <a:ext uri="{FF2B5EF4-FFF2-40B4-BE49-F238E27FC236}">
-                <a16:creationId xmlns:a16="http://schemas.microsoft.com/office/drawing/2014/main" xmlns="" id="{EB64EFD9-DAD3-7D42-A869-BF47D53E3E30}"/>
+                <a16:creationId xmlns:a16="http://schemas.microsoft.com/office/drawing/2014/main" id="{EB64EFD9-DAD3-7D42-A869-BF47D53E3E30}"/>
               </a:ext>
             </a:extLst>
           </p:cNvPr>
@@ -22049,7 +21979,7 @@
           <p:cNvPr id="151" name="Text Placeholder 4">
             <a:extLst>
               <a:ext uri="{FF2B5EF4-FFF2-40B4-BE49-F238E27FC236}">
-                <a16:creationId xmlns:a16="http://schemas.microsoft.com/office/drawing/2014/main" xmlns="" id="{D6B522CC-2723-D648-84E1-A13FB3B3E930}"/>
+                <a16:creationId xmlns:a16="http://schemas.microsoft.com/office/drawing/2014/main" id="{D6B522CC-2723-D648-84E1-A13FB3B3E930}"/>
               </a:ext>
             </a:extLst>
           </p:cNvPr>
@@ -22135,7 +22065,7 @@
           <p:cNvPr id="152" name="Text Placeholder 4">
             <a:extLst>
               <a:ext uri="{FF2B5EF4-FFF2-40B4-BE49-F238E27FC236}">
-                <a16:creationId xmlns:a16="http://schemas.microsoft.com/office/drawing/2014/main" xmlns="" id="{8931D4F5-87E6-7543-A9DA-F6C495C09FB0}"/>
+                <a16:creationId xmlns:a16="http://schemas.microsoft.com/office/drawing/2014/main" id="{8931D4F5-87E6-7543-A9DA-F6C495C09FB0}"/>
               </a:ext>
             </a:extLst>
           </p:cNvPr>
@@ -22221,7 +22151,7 @@
           <p:cNvPr id="153" name="Text Placeholder 4">
             <a:extLst>
               <a:ext uri="{FF2B5EF4-FFF2-40B4-BE49-F238E27FC236}">
-                <a16:creationId xmlns:a16="http://schemas.microsoft.com/office/drawing/2014/main" xmlns="" id="{1FE895ED-FF83-2E44-84F5-8103C77D16E4}"/>
+                <a16:creationId xmlns:a16="http://schemas.microsoft.com/office/drawing/2014/main" id="{1FE895ED-FF83-2E44-84F5-8103C77D16E4}"/>
               </a:ext>
             </a:extLst>
           </p:cNvPr>
@@ -22307,7 +22237,7 @@
           <p:cNvPr id="154" name="Text Placeholder 4">
             <a:extLst>
               <a:ext uri="{FF2B5EF4-FFF2-40B4-BE49-F238E27FC236}">
-                <a16:creationId xmlns:a16="http://schemas.microsoft.com/office/drawing/2014/main" xmlns="" id="{9B87BB6B-8795-E143-BD5F-20AF413E8902}"/>
+                <a16:creationId xmlns:a16="http://schemas.microsoft.com/office/drawing/2014/main" id="{9B87BB6B-8795-E143-BD5F-20AF413E8902}"/>
               </a:ext>
             </a:extLst>
           </p:cNvPr>
@@ -22393,7 +22323,7 @@
           <p:cNvPr id="155" name="Text Placeholder 4">
             <a:extLst>
               <a:ext uri="{FF2B5EF4-FFF2-40B4-BE49-F238E27FC236}">
-                <a16:creationId xmlns:a16="http://schemas.microsoft.com/office/drawing/2014/main" xmlns="" id="{B93905DA-9943-9F47-AA5B-310D23C86917}"/>
+                <a16:creationId xmlns:a16="http://schemas.microsoft.com/office/drawing/2014/main" id="{B93905DA-9943-9F47-AA5B-310D23C86917}"/>
               </a:ext>
             </a:extLst>
           </p:cNvPr>
@@ -22479,7 +22409,7 @@
           <p:cNvPr id="157" name="Content Placeholder 6">
             <a:extLst>
               <a:ext uri="{FF2B5EF4-FFF2-40B4-BE49-F238E27FC236}">
-                <a16:creationId xmlns:a16="http://schemas.microsoft.com/office/drawing/2014/main" xmlns="" id="{705FB734-1947-A648-A01C-98A729AB0E82}"/>
+                <a16:creationId xmlns:a16="http://schemas.microsoft.com/office/drawing/2014/main" id="{705FB734-1947-A648-A01C-98A729AB0E82}"/>
               </a:ext>
             </a:extLst>
           </p:cNvPr>
@@ -22540,7 +22470,7 @@
           <p:cNvPr id="158" name="Content Placeholder 6">
             <a:extLst>
               <a:ext uri="{FF2B5EF4-FFF2-40B4-BE49-F238E27FC236}">
-                <a16:creationId xmlns:a16="http://schemas.microsoft.com/office/drawing/2014/main" xmlns="" id="{0830127E-1CE0-1545-BBC1-F42F56B3CA37}"/>
+                <a16:creationId xmlns:a16="http://schemas.microsoft.com/office/drawing/2014/main" id="{0830127E-1CE0-1545-BBC1-F42F56B3CA37}"/>
               </a:ext>
             </a:extLst>
           </p:cNvPr>
@@ -22603,7 +22533,7 @@
           <p:cNvPr id="159" name="Content Placeholder 6">
             <a:extLst>
               <a:ext uri="{FF2B5EF4-FFF2-40B4-BE49-F238E27FC236}">
-                <a16:creationId xmlns:a16="http://schemas.microsoft.com/office/drawing/2014/main" xmlns="" id="{246FBD13-16DF-EE49-833C-08F97D3C2A27}"/>
+                <a16:creationId xmlns:a16="http://schemas.microsoft.com/office/drawing/2014/main" id="{246FBD13-16DF-EE49-833C-08F97D3C2A27}"/>
               </a:ext>
             </a:extLst>
           </p:cNvPr>
@@ -22664,7 +22594,7 @@
           <p:cNvPr id="160" name="Content Placeholder 6">
             <a:extLst>
               <a:ext uri="{FF2B5EF4-FFF2-40B4-BE49-F238E27FC236}">
-                <a16:creationId xmlns:a16="http://schemas.microsoft.com/office/drawing/2014/main" xmlns="" id="{D93D923B-DC36-0548-A57E-8CC3C5846EF9}"/>
+                <a16:creationId xmlns:a16="http://schemas.microsoft.com/office/drawing/2014/main" id="{D93D923B-DC36-0548-A57E-8CC3C5846EF9}"/>
               </a:ext>
             </a:extLst>
           </p:cNvPr>
@@ -22727,7 +22657,7 @@
           <p:cNvPr id="161" name="Content Placeholder 6">
             <a:extLst>
               <a:ext uri="{FF2B5EF4-FFF2-40B4-BE49-F238E27FC236}">
-                <a16:creationId xmlns:a16="http://schemas.microsoft.com/office/drawing/2014/main" xmlns="" id="{73288945-5AB4-C947-8751-C27FC0AC0D79}"/>
+                <a16:creationId xmlns:a16="http://schemas.microsoft.com/office/drawing/2014/main" id="{73288945-5AB4-C947-8751-C27FC0AC0D79}"/>
               </a:ext>
             </a:extLst>
           </p:cNvPr>
@@ -22788,7 +22718,7 @@
           <p:cNvPr id="162" name="Content Placeholder 6">
             <a:extLst>
               <a:ext uri="{FF2B5EF4-FFF2-40B4-BE49-F238E27FC236}">
-                <a16:creationId xmlns:a16="http://schemas.microsoft.com/office/drawing/2014/main" xmlns="" id="{9A12554D-4B21-2D4D-957D-0F6647A88C09}"/>
+                <a16:creationId xmlns:a16="http://schemas.microsoft.com/office/drawing/2014/main" id="{9A12554D-4B21-2D4D-957D-0F6647A88C09}"/>
               </a:ext>
             </a:extLst>
           </p:cNvPr>
@@ -22851,7 +22781,7 @@
           <p:cNvPr id="163" name="Content Placeholder 6">
             <a:extLst>
               <a:ext uri="{FF2B5EF4-FFF2-40B4-BE49-F238E27FC236}">
-                <a16:creationId xmlns:a16="http://schemas.microsoft.com/office/drawing/2014/main" xmlns="" id="{E19DDCE7-99C7-5A43-9789-1874D59BE4BE}"/>
+                <a16:creationId xmlns:a16="http://schemas.microsoft.com/office/drawing/2014/main" id="{E19DDCE7-99C7-5A43-9789-1874D59BE4BE}"/>
               </a:ext>
             </a:extLst>
           </p:cNvPr>
@@ -22912,7 +22842,7 @@
           <p:cNvPr id="164" name="Content Placeholder 6">
             <a:extLst>
               <a:ext uri="{FF2B5EF4-FFF2-40B4-BE49-F238E27FC236}">
-                <a16:creationId xmlns:a16="http://schemas.microsoft.com/office/drawing/2014/main" xmlns="" id="{7884D145-8359-D343-9382-58381DB801D0}"/>
+                <a16:creationId xmlns:a16="http://schemas.microsoft.com/office/drawing/2014/main" id="{7884D145-8359-D343-9382-58381DB801D0}"/>
               </a:ext>
             </a:extLst>
           </p:cNvPr>
@@ -22975,7 +22905,7 @@
           <p:cNvPr id="165" name="Content Placeholder 6">
             <a:extLst>
               <a:ext uri="{FF2B5EF4-FFF2-40B4-BE49-F238E27FC236}">
-                <a16:creationId xmlns:a16="http://schemas.microsoft.com/office/drawing/2014/main" xmlns="" id="{5D743AA2-9246-4945-A7F5-ED8916BDBA84}"/>
+                <a16:creationId xmlns:a16="http://schemas.microsoft.com/office/drawing/2014/main" id="{5D743AA2-9246-4945-A7F5-ED8916BDBA84}"/>
               </a:ext>
             </a:extLst>
           </p:cNvPr>
@@ -23036,7 +22966,7 @@
           <p:cNvPr id="166" name="Content Placeholder 6">
             <a:extLst>
               <a:ext uri="{FF2B5EF4-FFF2-40B4-BE49-F238E27FC236}">
-                <a16:creationId xmlns:a16="http://schemas.microsoft.com/office/drawing/2014/main" xmlns="" id="{CFF58FE3-F8C6-074C-AB51-4F1C6AEF628C}"/>
+                <a16:creationId xmlns:a16="http://schemas.microsoft.com/office/drawing/2014/main" id="{CFF58FE3-F8C6-074C-AB51-4F1C6AEF628C}"/>
               </a:ext>
             </a:extLst>
           </p:cNvPr>
@@ -23099,7 +23029,7 @@
           <p:cNvPr id="167" name="Content Placeholder 6">
             <a:extLst>
               <a:ext uri="{FF2B5EF4-FFF2-40B4-BE49-F238E27FC236}">
-                <a16:creationId xmlns:a16="http://schemas.microsoft.com/office/drawing/2014/main" xmlns="" id="{70CFC5E8-F6FF-DB4A-B7E0-70840368F6A1}"/>
+                <a16:creationId xmlns:a16="http://schemas.microsoft.com/office/drawing/2014/main" id="{70CFC5E8-F6FF-DB4A-B7E0-70840368F6A1}"/>
               </a:ext>
             </a:extLst>
           </p:cNvPr>
@@ -23160,7 +23090,7 @@
           <p:cNvPr id="168" name="Content Placeholder 6">
             <a:extLst>
               <a:ext uri="{FF2B5EF4-FFF2-40B4-BE49-F238E27FC236}">
-                <a16:creationId xmlns:a16="http://schemas.microsoft.com/office/drawing/2014/main" xmlns="" id="{A18C764E-D7AC-DD42-8D3D-8C77CCC84224}"/>
+                <a16:creationId xmlns:a16="http://schemas.microsoft.com/office/drawing/2014/main" id="{A18C764E-D7AC-DD42-8D3D-8C77CCC84224}"/>
               </a:ext>
             </a:extLst>
           </p:cNvPr>
@@ -23220,9 +23150,7 @@
       </p:sp>
       <p:sp>
         <p:nvSpPr>
-          <p:cNvPr id="48" name="Date Placeholder 14">
-            <a:extLst/>
-          </p:cNvPr>
+          <p:cNvPr id="48" name="Date Placeholder 14"/>
           <p:cNvSpPr>
             <a:spLocks noGrp="1"/>
           </p:cNvSpPr>
@@ -23253,7 +23181,7 @@
           <a:p>
             <a:fld id="{F0C99D87-AFAD-4B11-8D22-9469FA50E3E6}" type="datetime1">
               <a:rPr lang="en-US" smtClean="0"/>
-              <a:t>7/25/2019</a:t>
+              <a:t>2/13/2023</a:t>
             </a:fld>
             <a:endParaRPr lang="en-US" dirty="0"/>
           </a:p>
@@ -23261,9 +23189,7 @@
       </p:sp>
       <p:sp>
         <p:nvSpPr>
-          <p:cNvPr id="49" name="Slide Number Placeholder 6">
-            <a:extLst/>
-          </p:cNvPr>
+          <p:cNvPr id="49" name="Slide Number Placeholder 6"/>
           <p:cNvSpPr>
             <a:spLocks noGrp="1"/>
           </p:cNvSpPr>
@@ -23336,7 +23262,7 @@
           <p:cNvPr id="33" name="Title 1">
             <a:extLst>
               <a:ext uri="{FF2B5EF4-FFF2-40B4-BE49-F238E27FC236}">
-                <a16:creationId xmlns:a16="http://schemas.microsoft.com/office/drawing/2014/main" xmlns="" id="{E518D045-80CB-AA40-8564-4A75ACAD09A9}"/>
+                <a16:creationId xmlns:a16="http://schemas.microsoft.com/office/drawing/2014/main" id="{E518D045-80CB-AA40-8564-4A75ACAD09A9}"/>
               </a:ext>
             </a:extLst>
           </p:cNvPr>
@@ -23380,7 +23306,7 @@
           <p:cNvPr id="34" name="Straight Connector 33">
             <a:extLst>
               <a:ext uri="{FF2B5EF4-FFF2-40B4-BE49-F238E27FC236}">
-                <a16:creationId xmlns:a16="http://schemas.microsoft.com/office/drawing/2014/main" xmlns="" id="{00B418FA-A720-0B47-84CB-45475AE6480F}"/>
+                <a16:creationId xmlns:a16="http://schemas.microsoft.com/office/drawing/2014/main" id="{00B418FA-A720-0B47-84CB-45475AE6480F}"/>
               </a:ext>
             </a:extLst>
           </p:cNvPr>
@@ -23423,7 +23349,7 @@
           <p:cNvPr id="30" name="Arrow: Right 33">
             <a:extLst>
               <a:ext uri="{FF2B5EF4-FFF2-40B4-BE49-F238E27FC236}">
-                <a16:creationId xmlns:a16="http://schemas.microsoft.com/office/drawing/2014/main" xmlns="" id="{C58D93E6-0966-8E46-BE54-6D7DDDCCD02E}"/>
+                <a16:creationId xmlns:a16="http://schemas.microsoft.com/office/drawing/2014/main" id="{C58D93E6-0966-8E46-BE54-6D7DDDCCD02E}"/>
               </a:ext>
             </a:extLst>
           </p:cNvPr>
@@ -23479,7 +23405,7 @@
           <p:cNvPr id="31" name="Oval 30">
             <a:extLst>
               <a:ext uri="{FF2B5EF4-FFF2-40B4-BE49-F238E27FC236}">
-                <a16:creationId xmlns:a16="http://schemas.microsoft.com/office/drawing/2014/main" xmlns="" id="{C60FBD1D-64E3-D849-9F1B-BDAF9E4CF681}"/>
+                <a16:creationId xmlns:a16="http://schemas.microsoft.com/office/drawing/2014/main" id="{C60FBD1D-64E3-D849-9F1B-BDAF9E4CF681}"/>
               </a:ext>
             </a:extLst>
           </p:cNvPr>
@@ -23533,7 +23459,7 @@
           <p:cNvPr id="32" name="Oval 31">
             <a:extLst>
               <a:ext uri="{FF2B5EF4-FFF2-40B4-BE49-F238E27FC236}">
-                <a16:creationId xmlns:a16="http://schemas.microsoft.com/office/drawing/2014/main" xmlns="" id="{E1084C45-F159-7A40-9DFB-62E07275905C}"/>
+                <a16:creationId xmlns:a16="http://schemas.microsoft.com/office/drawing/2014/main" id="{E1084C45-F159-7A40-9DFB-62E07275905C}"/>
               </a:ext>
             </a:extLst>
           </p:cNvPr>
@@ -23587,7 +23513,7 @@
           <p:cNvPr id="42" name="Oval 41">
             <a:extLst>
               <a:ext uri="{FF2B5EF4-FFF2-40B4-BE49-F238E27FC236}">
-                <a16:creationId xmlns:a16="http://schemas.microsoft.com/office/drawing/2014/main" xmlns="" id="{054931D2-ACE0-4E44-BBCD-06E03F1466E8}"/>
+                <a16:creationId xmlns:a16="http://schemas.microsoft.com/office/drawing/2014/main" id="{054931D2-ACE0-4E44-BBCD-06E03F1466E8}"/>
               </a:ext>
             </a:extLst>
           </p:cNvPr>
@@ -23641,7 +23567,7 @@
           <p:cNvPr id="43" name="Oval 42">
             <a:extLst>
               <a:ext uri="{FF2B5EF4-FFF2-40B4-BE49-F238E27FC236}">
-                <a16:creationId xmlns:a16="http://schemas.microsoft.com/office/drawing/2014/main" xmlns="" id="{7120280A-603B-7C48-966A-1E0CCA357DA8}"/>
+                <a16:creationId xmlns:a16="http://schemas.microsoft.com/office/drawing/2014/main" id="{7120280A-603B-7C48-966A-1E0CCA357DA8}"/>
               </a:ext>
             </a:extLst>
           </p:cNvPr>
@@ -23695,7 +23621,7 @@
           <p:cNvPr id="44" name="Oval 43">
             <a:extLst>
               <a:ext uri="{FF2B5EF4-FFF2-40B4-BE49-F238E27FC236}">
-                <a16:creationId xmlns:a16="http://schemas.microsoft.com/office/drawing/2014/main" xmlns="" id="{F18AAA1A-4A29-8D4E-8B4A-3892354C94DA}"/>
+                <a16:creationId xmlns:a16="http://schemas.microsoft.com/office/drawing/2014/main" id="{F18AAA1A-4A29-8D4E-8B4A-3892354C94DA}"/>
               </a:ext>
             </a:extLst>
           </p:cNvPr>
@@ -23749,7 +23675,7 @@
           <p:cNvPr id="5" name="Text Placeholder 4">
             <a:extLst>
               <a:ext uri="{FF2B5EF4-FFF2-40B4-BE49-F238E27FC236}">
-                <a16:creationId xmlns:a16="http://schemas.microsoft.com/office/drawing/2014/main" xmlns="" id="{54F53B22-627C-D341-B6CC-5E0D11213F38}"/>
+                <a16:creationId xmlns:a16="http://schemas.microsoft.com/office/drawing/2014/main" id="{54F53B22-627C-D341-B6CC-5E0D11213F38}"/>
               </a:ext>
             </a:extLst>
           </p:cNvPr>
@@ -23836,7 +23762,7 @@
           <p:cNvPr id="119" name="Text Placeholder 4">
             <a:extLst>
               <a:ext uri="{FF2B5EF4-FFF2-40B4-BE49-F238E27FC236}">
-                <a16:creationId xmlns:a16="http://schemas.microsoft.com/office/drawing/2014/main" xmlns="" id="{79C0B9F1-F022-074B-9EC5-BC8D1F312A43}"/>
+                <a16:creationId xmlns:a16="http://schemas.microsoft.com/office/drawing/2014/main" id="{79C0B9F1-F022-074B-9EC5-BC8D1F312A43}"/>
               </a:ext>
             </a:extLst>
           </p:cNvPr>
@@ -23923,7 +23849,7 @@
           <p:cNvPr id="120" name="Text Placeholder 4">
             <a:extLst>
               <a:ext uri="{FF2B5EF4-FFF2-40B4-BE49-F238E27FC236}">
-                <a16:creationId xmlns:a16="http://schemas.microsoft.com/office/drawing/2014/main" xmlns="" id="{A8BDC5F8-4C04-5341-80CE-9A690087307D}"/>
+                <a16:creationId xmlns:a16="http://schemas.microsoft.com/office/drawing/2014/main" id="{A8BDC5F8-4C04-5341-80CE-9A690087307D}"/>
               </a:ext>
             </a:extLst>
           </p:cNvPr>
@@ -24010,7 +23936,7 @@
           <p:cNvPr id="121" name="Text Placeholder 4">
             <a:extLst>
               <a:ext uri="{FF2B5EF4-FFF2-40B4-BE49-F238E27FC236}">
-                <a16:creationId xmlns:a16="http://schemas.microsoft.com/office/drawing/2014/main" xmlns="" id="{3F54F15F-2014-9B40-906B-7AF59B0B5C79}"/>
+                <a16:creationId xmlns:a16="http://schemas.microsoft.com/office/drawing/2014/main" id="{3F54F15F-2014-9B40-906B-7AF59B0B5C79}"/>
               </a:ext>
             </a:extLst>
           </p:cNvPr>
@@ -24097,7 +24023,7 @@
           <p:cNvPr id="122" name="Text Placeholder 4">
             <a:extLst>
               <a:ext uri="{FF2B5EF4-FFF2-40B4-BE49-F238E27FC236}">
-                <a16:creationId xmlns:a16="http://schemas.microsoft.com/office/drawing/2014/main" xmlns="" id="{4697D54C-ACAA-5E4F-BAF1-D088BECED5BD}"/>
+                <a16:creationId xmlns:a16="http://schemas.microsoft.com/office/drawing/2014/main" id="{4697D54C-ACAA-5E4F-BAF1-D088BECED5BD}"/>
               </a:ext>
             </a:extLst>
           </p:cNvPr>
@@ -24224,7 +24150,7 @@
           <p:cNvPr id="123" name="Content Placeholder 6">
             <a:extLst>
               <a:ext uri="{FF2B5EF4-FFF2-40B4-BE49-F238E27FC236}">
-                <a16:creationId xmlns:a16="http://schemas.microsoft.com/office/drawing/2014/main" xmlns="" id="{AFF1FAF3-7D1C-9E4A-A3D0-DFD1F4F260C3}"/>
+                <a16:creationId xmlns:a16="http://schemas.microsoft.com/office/drawing/2014/main" id="{AFF1FAF3-7D1C-9E4A-A3D0-DFD1F4F260C3}"/>
               </a:ext>
             </a:extLst>
           </p:cNvPr>
@@ -24286,7 +24212,7 @@
           <p:cNvPr id="124" name="Content Placeholder 6">
             <a:extLst>
               <a:ext uri="{FF2B5EF4-FFF2-40B4-BE49-F238E27FC236}">
-                <a16:creationId xmlns:a16="http://schemas.microsoft.com/office/drawing/2014/main" xmlns="" id="{014B7D68-6C6F-A34E-854E-1C61F85D5A2A}"/>
+                <a16:creationId xmlns:a16="http://schemas.microsoft.com/office/drawing/2014/main" id="{014B7D68-6C6F-A34E-854E-1C61F85D5A2A}"/>
               </a:ext>
             </a:extLst>
           </p:cNvPr>
@@ -24348,7 +24274,7 @@
           <p:cNvPr id="131" name="Content Placeholder 6">
             <a:extLst>
               <a:ext uri="{FF2B5EF4-FFF2-40B4-BE49-F238E27FC236}">
-                <a16:creationId xmlns:a16="http://schemas.microsoft.com/office/drawing/2014/main" xmlns="" id="{AA401BC8-2001-ED4C-9E9E-23882480594B}"/>
+                <a16:creationId xmlns:a16="http://schemas.microsoft.com/office/drawing/2014/main" id="{AA401BC8-2001-ED4C-9E9E-23882480594B}"/>
               </a:ext>
             </a:extLst>
           </p:cNvPr>
@@ -24410,7 +24336,7 @@
           <p:cNvPr id="132" name="Content Placeholder 6">
             <a:extLst>
               <a:ext uri="{FF2B5EF4-FFF2-40B4-BE49-F238E27FC236}">
-                <a16:creationId xmlns:a16="http://schemas.microsoft.com/office/drawing/2014/main" xmlns="" id="{61D74E57-9918-3144-A0F5-2ADE8298D339}"/>
+                <a16:creationId xmlns:a16="http://schemas.microsoft.com/office/drawing/2014/main" id="{61D74E57-9918-3144-A0F5-2ADE8298D339}"/>
               </a:ext>
             </a:extLst>
           </p:cNvPr>
@@ -24472,7 +24398,7 @@
           <p:cNvPr id="133" name="Content Placeholder 6">
             <a:extLst>
               <a:ext uri="{FF2B5EF4-FFF2-40B4-BE49-F238E27FC236}">
-                <a16:creationId xmlns:a16="http://schemas.microsoft.com/office/drawing/2014/main" xmlns="" id="{FF736860-34C8-334E-B26E-D05FDBB51DBB}"/>
+                <a16:creationId xmlns:a16="http://schemas.microsoft.com/office/drawing/2014/main" id="{FF736860-34C8-334E-B26E-D05FDBB51DBB}"/>
               </a:ext>
             </a:extLst>
           </p:cNvPr>
@@ -24534,7 +24460,7 @@
           <p:cNvPr id="134" name="Content Placeholder 6">
             <a:extLst>
               <a:ext uri="{FF2B5EF4-FFF2-40B4-BE49-F238E27FC236}">
-                <a16:creationId xmlns:a16="http://schemas.microsoft.com/office/drawing/2014/main" xmlns="" id="{16A47E0D-BC66-E546-A5C3-B619BC45F1F8}"/>
+                <a16:creationId xmlns:a16="http://schemas.microsoft.com/office/drawing/2014/main" id="{16A47E0D-BC66-E546-A5C3-B619BC45F1F8}"/>
               </a:ext>
             </a:extLst>
           </p:cNvPr>
@@ -24596,7 +24522,7 @@
           <p:cNvPr id="135" name="Content Placeholder 6">
             <a:extLst>
               <a:ext uri="{FF2B5EF4-FFF2-40B4-BE49-F238E27FC236}">
-                <a16:creationId xmlns:a16="http://schemas.microsoft.com/office/drawing/2014/main" xmlns="" id="{38D8476D-7DB6-E44F-A721-DA023310BF37}"/>
+                <a16:creationId xmlns:a16="http://schemas.microsoft.com/office/drawing/2014/main" id="{38D8476D-7DB6-E44F-A721-DA023310BF37}"/>
               </a:ext>
             </a:extLst>
           </p:cNvPr>
@@ -24658,7 +24584,7 @@
           <p:cNvPr id="136" name="Content Placeholder 6">
             <a:extLst>
               <a:ext uri="{FF2B5EF4-FFF2-40B4-BE49-F238E27FC236}">
-                <a16:creationId xmlns:a16="http://schemas.microsoft.com/office/drawing/2014/main" xmlns="" id="{B196D1A0-9BAF-8444-A2C0-D5C2250B3673}"/>
+                <a16:creationId xmlns:a16="http://schemas.microsoft.com/office/drawing/2014/main" id="{B196D1A0-9BAF-8444-A2C0-D5C2250B3673}"/>
               </a:ext>
             </a:extLst>
           </p:cNvPr>
@@ -24720,7 +24646,7 @@
           <p:cNvPr id="137" name="Content Placeholder 6">
             <a:extLst>
               <a:ext uri="{FF2B5EF4-FFF2-40B4-BE49-F238E27FC236}">
-                <a16:creationId xmlns:a16="http://schemas.microsoft.com/office/drawing/2014/main" xmlns="" id="{2FBD37A9-FA29-2C41-A15A-7904946CF179}"/>
+                <a16:creationId xmlns:a16="http://schemas.microsoft.com/office/drawing/2014/main" id="{2FBD37A9-FA29-2C41-A15A-7904946CF179}"/>
               </a:ext>
             </a:extLst>
           </p:cNvPr>
@@ -24782,7 +24708,7 @@
           <p:cNvPr id="138" name="Content Placeholder 6">
             <a:extLst>
               <a:ext uri="{FF2B5EF4-FFF2-40B4-BE49-F238E27FC236}">
-                <a16:creationId xmlns:a16="http://schemas.microsoft.com/office/drawing/2014/main" xmlns="" id="{6CB7C04A-0C57-A747-A02D-EB7EA33AB8D7}"/>
+                <a16:creationId xmlns:a16="http://schemas.microsoft.com/office/drawing/2014/main" id="{6CB7C04A-0C57-A747-A02D-EB7EA33AB8D7}"/>
               </a:ext>
             </a:extLst>
           </p:cNvPr>
@@ -24841,9 +24767,7 @@
       </p:sp>
       <p:sp>
         <p:nvSpPr>
-          <p:cNvPr id="27" name="Date Placeholder 14">
-            <a:extLst/>
-          </p:cNvPr>
+          <p:cNvPr id="27" name="Date Placeholder 14"/>
           <p:cNvSpPr>
             <a:spLocks noGrp="1"/>
           </p:cNvSpPr>
@@ -24874,7 +24798,7 @@
           <a:p>
             <a:fld id="{F0C99D87-AFAD-4B11-8D22-9469FA50E3E6}" type="datetime1">
               <a:rPr lang="en-US" smtClean="0"/>
-              <a:t>7/25/2019</a:t>
+              <a:t>2/13/2023</a:t>
             </a:fld>
             <a:endParaRPr lang="en-US" dirty="0"/>
           </a:p>
@@ -24882,9 +24806,7 @@
       </p:sp>
       <p:sp>
         <p:nvSpPr>
-          <p:cNvPr id="28" name="Slide Number Placeholder 6">
-            <a:extLst/>
-          </p:cNvPr>
+          <p:cNvPr id="28" name="Slide Number Placeholder 6"/>
           <p:cNvSpPr>
             <a:spLocks noGrp="1"/>
           </p:cNvSpPr>
@@ -24957,7 +24879,7 @@
           <p:cNvPr id="5" name="Picture 4" descr="Video.png">
             <a:extLst>
               <a:ext uri="{FF2B5EF4-FFF2-40B4-BE49-F238E27FC236}">
-                <a16:creationId xmlns:a16="http://schemas.microsoft.com/office/drawing/2014/main" xmlns="" id="{7DB068F8-170B-9948-8621-E03DFF2A769E}"/>
+                <a16:creationId xmlns:a16="http://schemas.microsoft.com/office/drawing/2014/main" id="{7DB068F8-170B-9948-8621-E03DFF2A769E}"/>
               </a:ext>
             </a:extLst>
           </p:cNvPr>
@@ -24993,7 +24915,7 @@
           <p:cNvPr id="6" name="Picture Placeholder 3">
             <a:extLst>
               <a:ext uri="{FF2B5EF4-FFF2-40B4-BE49-F238E27FC236}">
-                <a16:creationId xmlns:a16="http://schemas.microsoft.com/office/drawing/2014/main" xmlns="" id="{5F5516AE-6A2C-6241-814B-4C06B2F0325A}"/>
+                <a16:creationId xmlns:a16="http://schemas.microsoft.com/office/drawing/2014/main" id="{5F5516AE-6A2C-6241-814B-4C06B2F0325A}"/>
               </a:ext>
             </a:extLst>
           </p:cNvPr>
@@ -25038,7 +24960,7 @@
           <p:cNvPr id="7" name="Title 1">
             <a:extLst>
               <a:ext uri="{FF2B5EF4-FFF2-40B4-BE49-F238E27FC236}">
-                <a16:creationId xmlns:a16="http://schemas.microsoft.com/office/drawing/2014/main" xmlns="" id="{42AD8904-BFD7-1349-8FDF-99EE25D4305B}"/>
+                <a16:creationId xmlns:a16="http://schemas.microsoft.com/office/drawing/2014/main" id="{42AD8904-BFD7-1349-8FDF-99EE25D4305B}"/>
               </a:ext>
             </a:extLst>
           </p:cNvPr>
@@ -25082,7 +25004,7 @@
           <p:cNvPr id="8" name="Straight Connector 7">
             <a:extLst>
               <a:ext uri="{FF2B5EF4-FFF2-40B4-BE49-F238E27FC236}">
-                <a16:creationId xmlns:a16="http://schemas.microsoft.com/office/drawing/2014/main" xmlns="" id="{4F867103-D0B5-C847-8536-EF9EA8CAE7C3}"/>
+                <a16:creationId xmlns:a16="http://schemas.microsoft.com/office/drawing/2014/main" id="{4F867103-D0B5-C847-8536-EF9EA8CAE7C3}"/>
               </a:ext>
             </a:extLst>
           </p:cNvPr>
@@ -25125,7 +25047,7 @@
           <p:cNvPr id="9" name="Text Placeholder 623">
             <a:extLst>
               <a:ext uri="{FF2B5EF4-FFF2-40B4-BE49-F238E27FC236}">
-                <a16:creationId xmlns:a16="http://schemas.microsoft.com/office/drawing/2014/main" xmlns="" id="{B210D10F-58D2-AD40-A3AF-7D1051BFF71D}"/>
+                <a16:creationId xmlns:a16="http://schemas.microsoft.com/office/drawing/2014/main" id="{B210D10F-58D2-AD40-A3AF-7D1051BFF71D}"/>
               </a:ext>
             </a:extLst>
           </p:cNvPr>
@@ -25171,9 +25093,7 @@
       </p:sp>
       <p:sp>
         <p:nvSpPr>
-          <p:cNvPr id="12" name="Date Placeholder 14">
-            <a:extLst/>
-          </p:cNvPr>
+          <p:cNvPr id="12" name="Date Placeholder 14"/>
           <p:cNvSpPr>
             <a:spLocks noGrp="1"/>
           </p:cNvSpPr>
@@ -25204,7 +25124,7 @@
           <a:p>
             <a:fld id="{F0C99D87-AFAD-4B11-8D22-9469FA50E3E6}" type="datetime1">
               <a:rPr lang="en-US" smtClean="0"/>
-              <a:t>7/25/2019</a:t>
+              <a:t>2/13/2023</a:t>
             </a:fld>
             <a:endParaRPr lang="en-US" dirty="0"/>
           </a:p>
@@ -25212,9 +25132,7 @@
       </p:sp>
       <p:sp>
         <p:nvSpPr>
-          <p:cNvPr id="13" name="Slide Number Placeholder 6">
-            <a:extLst/>
-          </p:cNvPr>
+          <p:cNvPr id="13" name="Slide Number Placeholder 6"/>
           <p:cNvSpPr>
             <a:spLocks noGrp="1"/>
           </p:cNvSpPr>
@@ -25441,7 +25359,7 @@
           <p:cNvPr id="8" name="Straight Connector 7">
             <a:extLst>
               <a:ext uri="{FF2B5EF4-FFF2-40B4-BE49-F238E27FC236}">
-                <a16:creationId xmlns:a16="http://schemas.microsoft.com/office/drawing/2014/main" xmlns="" id="{9DC31F21-9582-8245-8ECF-B1ABC72454E1}"/>
+                <a16:creationId xmlns:a16="http://schemas.microsoft.com/office/drawing/2014/main" id="{9DC31F21-9582-8245-8ECF-B1ABC72454E1}"/>
               </a:ext>
             </a:extLst>
           </p:cNvPr>
@@ -25488,7 +25406,7 @@
           <p:cNvPr id="9" name="Content Placeholder 4">
             <a:extLst>
               <a:ext uri="{FF2B5EF4-FFF2-40B4-BE49-F238E27FC236}">
-                <a16:creationId xmlns:a16="http://schemas.microsoft.com/office/drawing/2014/main" xmlns="" id="{187164F7-465F-064F-85B7-9F6D010F4EE2}"/>
+                <a16:creationId xmlns:a16="http://schemas.microsoft.com/office/drawing/2014/main" id="{187164F7-465F-064F-85B7-9F6D010F4EE2}"/>
               </a:ext>
             </a:extLst>
           </p:cNvPr>
@@ -25566,7 +25484,7 @@
           <p:cNvPr id="13" name="Content Placeholder 3">
             <a:extLst>
               <a:ext uri="{FF2B5EF4-FFF2-40B4-BE49-F238E27FC236}">
-                <a16:creationId xmlns:a16="http://schemas.microsoft.com/office/drawing/2014/main" xmlns="" id="{4B55E246-1D9F-2543-9702-1848A85A6ED9}"/>
+                <a16:creationId xmlns:a16="http://schemas.microsoft.com/office/drawing/2014/main" id="{4B55E246-1D9F-2543-9702-1848A85A6ED9}"/>
               </a:ext>
             </a:extLst>
           </p:cNvPr>
@@ -25717,9 +25635,7 @@
       </p:sp>
       <p:sp>
         <p:nvSpPr>
-          <p:cNvPr id="6" name="Content Placeholder 3">
-            <a:extLst/>
-          </p:cNvPr>
+          <p:cNvPr id="6" name="Content Placeholder 3"/>
           <p:cNvSpPr>
             <a:spLocks noGrp="1"/>
           </p:cNvSpPr>
@@ -25900,7 +25816,7 @@
           <p:cNvPr id="29" name="Title 1">
             <a:extLst>
               <a:ext uri="{FF2B5EF4-FFF2-40B4-BE49-F238E27FC236}">
-                <a16:creationId xmlns:a16="http://schemas.microsoft.com/office/drawing/2014/main" xmlns="" id="{624D84FE-9F10-3E4F-A3EE-08F2DC268A10}"/>
+                <a16:creationId xmlns:a16="http://schemas.microsoft.com/office/drawing/2014/main" id="{624D84FE-9F10-3E4F-A3EE-08F2DC268A10}"/>
               </a:ext>
             </a:extLst>
           </p:cNvPr>
@@ -25943,7 +25859,7 @@
           <p:cNvPr id="42" name="Content Placeholder 6">
             <a:extLst>
               <a:ext uri="{FF2B5EF4-FFF2-40B4-BE49-F238E27FC236}">
-                <a16:creationId xmlns:a16="http://schemas.microsoft.com/office/drawing/2014/main" xmlns="" id="{75017C15-5C84-864C-A758-2173DADE9D4C}"/>
+                <a16:creationId xmlns:a16="http://schemas.microsoft.com/office/drawing/2014/main" id="{75017C15-5C84-864C-A758-2173DADE9D4C}"/>
               </a:ext>
             </a:extLst>
           </p:cNvPr>
@@ -26004,7 +25920,7 @@
           <p:cNvPr id="43" name="Content Placeholder 6">
             <a:extLst>
               <a:ext uri="{FF2B5EF4-FFF2-40B4-BE49-F238E27FC236}">
-                <a16:creationId xmlns:a16="http://schemas.microsoft.com/office/drawing/2014/main" xmlns="" id="{A0EE83B3-BECA-1D43-BEF8-4F2989341F31}"/>
+                <a16:creationId xmlns:a16="http://schemas.microsoft.com/office/drawing/2014/main" id="{A0EE83B3-BECA-1D43-BEF8-4F2989341F31}"/>
               </a:ext>
             </a:extLst>
           </p:cNvPr>
@@ -26065,7 +25981,7 @@
           <p:cNvPr id="17" name="Picture Placeholder 16">
             <a:extLst>
               <a:ext uri="{FF2B5EF4-FFF2-40B4-BE49-F238E27FC236}">
-                <a16:creationId xmlns:a16="http://schemas.microsoft.com/office/drawing/2014/main" xmlns="" id="{4CA10605-3116-984C-A0AF-EC2544693FE7}"/>
+                <a16:creationId xmlns:a16="http://schemas.microsoft.com/office/drawing/2014/main" id="{4CA10605-3116-984C-A0AF-EC2544693FE7}"/>
               </a:ext>
             </a:extLst>
           </p:cNvPr>
@@ -26112,7 +26028,7 @@
           <p:cNvPr id="20" name="Content Placeholder 19">
             <a:extLst>
               <a:ext uri="{FF2B5EF4-FFF2-40B4-BE49-F238E27FC236}">
-                <a16:creationId xmlns:a16="http://schemas.microsoft.com/office/drawing/2014/main" xmlns="" id="{DEDD13EB-6660-0D49-BC58-C9A7DD7F6F15}"/>
+                <a16:creationId xmlns:a16="http://schemas.microsoft.com/office/drawing/2014/main" id="{DEDD13EB-6660-0D49-BC58-C9A7DD7F6F15}"/>
               </a:ext>
             </a:extLst>
           </p:cNvPr>
@@ -26327,7 +26243,7 @@
           <p:cNvPr id="44" name="Oval 43">
             <a:extLst>
               <a:ext uri="{FF2B5EF4-FFF2-40B4-BE49-F238E27FC236}">
-                <a16:creationId xmlns:a16="http://schemas.microsoft.com/office/drawing/2014/main" xmlns="" id="{1494AF86-CD17-AF46-937C-31D448FA2D77}"/>
+                <a16:creationId xmlns:a16="http://schemas.microsoft.com/office/drawing/2014/main" id="{1494AF86-CD17-AF46-937C-31D448FA2D77}"/>
               </a:ext>
             </a:extLst>
           </p:cNvPr>
@@ -26380,7 +26296,7 @@
           <p:cNvPr id="45" name="Picture Placeholder 4">
             <a:extLst>
               <a:ext uri="{FF2B5EF4-FFF2-40B4-BE49-F238E27FC236}">
-                <a16:creationId xmlns:a16="http://schemas.microsoft.com/office/drawing/2014/main" xmlns="" id="{363B9D27-B811-F94A-B596-AB9D92866735}"/>
+                <a16:creationId xmlns:a16="http://schemas.microsoft.com/office/drawing/2014/main" id="{363B9D27-B811-F94A-B596-AB9D92866735}"/>
               </a:ext>
             </a:extLst>
           </p:cNvPr>
@@ -26425,7 +26341,7 @@
           <p:cNvPr id="54" name="Content Placeholder 6">
             <a:extLst>
               <a:ext uri="{FF2B5EF4-FFF2-40B4-BE49-F238E27FC236}">
-                <a16:creationId xmlns:a16="http://schemas.microsoft.com/office/drawing/2014/main" xmlns="" id="{ED7FB2A8-B744-6946-9ED2-B59217BCB6CA}"/>
+                <a16:creationId xmlns:a16="http://schemas.microsoft.com/office/drawing/2014/main" id="{ED7FB2A8-B744-6946-9ED2-B59217BCB6CA}"/>
               </a:ext>
             </a:extLst>
           </p:cNvPr>
@@ -26486,7 +26402,7 @@
           <p:cNvPr id="55" name="Content Placeholder 6">
             <a:extLst>
               <a:ext uri="{FF2B5EF4-FFF2-40B4-BE49-F238E27FC236}">
-                <a16:creationId xmlns:a16="http://schemas.microsoft.com/office/drawing/2014/main" xmlns="" id="{5AC59FCF-E5F7-A74A-8A68-8BFB121C9F6B}"/>
+                <a16:creationId xmlns:a16="http://schemas.microsoft.com/office/drawing/2014/main" id="{5AC59FCF-E5F7-A74A-8A68-8BFB121C9F6B}"/>
               </a:ext>
             </a:extLst>
           </p:cNvPr>
@@ -26547,7 +26463,7 @@
           <p:cNvPr id="56" name="Oval 55">
             <a:extLst>
               <a:ext uri="{FF2B5EF4-FFF2-40B4-BE49-F238E27FC236}">
-                <a16:creationId xmlns:a16="http://schemas.microsoft.com/office/drawing/2014/main" xmlns="" id="{D8A4C361-73D2-8943-95C5-945414C71588}"/>
+                <a16:creationId xmlns:a16="http://schemas.microsoft.com/office/drawing/2014/main" id="{D8A4C361-73D2-8943-95C5-945414C71588}"/>
               </a:ext>
             </a:extLst>
           </p:cNvPr>
@@ -26600,7 +26516,7 @@
           <p:cNvPr id="57" name="Picture Placeholder 4">
             <a:extLst>
               <a:ext uri="{FF2B5EF4-FFF2-40B4-BE49-F238E27FC236}">
-                <a16:creationId xmlns:a16="http://schemas.microsoft.com/office/drawing/2014/main" xmlns="" id="{D6C69307-ED1E-0C42-B470-8C4C1C2558B5}"/>
+                <a16:creationId xmlns:a16="http://schemas.microsoft.com/office/drawing/2014/main" id="{D6C69307-ED1E-0C42-B470-8C4C1C2558B5}"/>
               </a:ext>
             </a:extLst>
           </p:cNvPr>
@@ -26645,7 +26561,7 @@
           <p:cNvPr id="58" name="Content Placeholder 6">
             <a:extLst>
               <a:ext uri="{FF2B5EF4-FFF2-40B4-BE49-F238E27FC236}">
-                <a16:creationId xmlns:a16="http://schemas.microsoft.com/office/drawing/2014/main" xmlns="" id="{8014838B-3EF1-A241-BFD5-3DB9CBE0F340}"/>
+                <a16:creationId xmlns:a16="http://schemas.microsoft.com/office/drawing/2014/main" id="{8014838B-3EF1-A241-BFD5-3DB9CBE0F340}"/>
               </a:ext>
             </a:extLst>
           </p:cNvPr>
@@ -26706,7 +26622,7 @@
           <p:cNvPr id="59" name="Content Placeholder 6">
             <a:extLst>
               <a:ext uri="{FF2B5EF4-FFF2-40B4-BE49-F238E27FC236}">
-                <a16:creationId xmlns:a16="http://schemas.microsoft.com/office/drawing/2014/main" xmlns="" id="{FB282532-0B6E-8841-BEC3-C8D9B470EA6C}"/>
+                <a16:creationId xmlns:a16="http://schemas.microsoft.com/office/drawing/2014/main" id="{FB282532-0B6E-8841-BEC3-C8D9B470EA6C}"/>
               </a:ext>
             </a:extLst>
           </p:cNvPr>
@@ -26767,7 +26683,7 @@
           <p:cNvPr id="60" name="Oval 59">
             <a:extLst>
               <a:ext uri="{FF2B5EF4-FFF2-40B4-BE49-F238E27FC236}">
-                <a16:creationId xmlns:a16="http://schemas.microsoft.com/office/drawing/2014/main" xmlns="" id="{45B636FF-29DD-0E48-82E3-0B22C337D07F}"/>
+                <a16:creationId xmlns:a16="http://schemas.microsoft.com/office/drawing/2014/main" id="{45B636FF-29DD-0E48-82E3-0B22C337D07F}"/>
               </a:ext>
             </a:extLst>
           </p:cNvPr>
@@ -26820,7 +26736,7 @@
           <p:cNvPr id="61" name="Picture Placeholder 4">
             <a:extLst>
               <a:ext uri="{FF2B5EF4-FFF2-40B4-BE49-F238E27FC236}">
-                <a16:creationId xmlns:a16="http://schemas.microsoft.com/office/drawing/2014/main" xmlns="" id="{1059853C-F902-F646-98A1-66B57FE5D40F}"/>
+                <a16:creationId xmlns:a16="http://schemas.microsoft.com/office/drawing/2014/main" id="{1059853C-F902-F646-98A1-66B57FE5D40F}"/>
               </a:ext>
             </a:extLst>
           </p:cNvPr>
@@ -26865,7 +26781,7 @@
           <p:cNvPr id="62" name="Content Placeholder 6">
             <a:extLst>
               <a:ext uri="{FF2B5EF4-FFF2-40B4-BE49-F238E27FC236}">
-                <a16:creationId xmlns:a16="http://schemas.microsoft.com/office/drawing/2014/main" xmlns="" id="{1A54322A-9FCE-9645-9E41-5CE7AF3C62B3}"/>
+                <a16:creationId xmlns:a16="http://schemas.microsoft.com/office/drawing/2014/main" id="{1A54322A-9FCE-9645-9E41-5CE7AF3C62B3}"/>
               </a:ext>
             </a:extLst>
           </p:cNvPr>
@@ -26926,7 +26842,7 @@
           <p:cNvPr id="63" name="Content Placeholder 6">
             <a:extLst>
               <a:ext uri="{FF2B5EF4-FFF2-40B4-BE49-F238E27FC236}">
-                <a16:creationId xmlns:a16="http://schemas.microsoft.com/office/drawing/2014/main" xmlns="" id="{DAAC6976-3EB5-F74F-AC24-80348243078E}"/>
+                <a16:creationId xmlns:a16="http://schemas.microsoft.com/office/drawing/2014/main" id="{DAAC6976-3EB5-F74F-AC24-80348243078E}"/>
               </a:ext>
             </a:extLst>
           </p:cNvPr>
@@ -26987,7 +26903,7 @@
           <p:cNvPr id="64" name="Oval 63">
             <a:extLst>
               <a:ext uri="{FF2B5EF4-FFF2-40B4-BE49-F238E27FC236}">
-                <a16:creationId xmlns:a16="http://schemas.microsoft.com/office/drawing/2014/main" xmlns="" id="{2DC5EE37-846E-D847-ADF6-4E35BB9ED5C2}"/>
+                <a16:creationId xmlns:a16="http://schemas.microsoft.com/office/drawing/2014/main" id="{2DC5EE37-846E-D847-ADF6-4E35BB9ED5C2}"/>
               </a:ext>
             </a:extLst>
           </p:cNvPr>
@@ -27040,7 +26956,7 @@
           <p:cNvPr id="65" name="Picture Placeholder 4">
             <a:extLst>
               <a:ext uri="{FF2B5EF4-FFF2-40B4-BE49-F238E27FC236}">
-                <a16:creationId xmlns:a16="http://schemas.microsoft.com/office/drawing/2014/main" xmlns="" id="{96462F1B-EF23-654F-90F5-478FFE8E78A4}"/>
+                <a16:creationId xmlns:a16="http://schemas.microsoft.com/office/drawing/2014/main" id="{96462F1B-EF23-654F-90F5-478FFE8E78A4}"/>
               </a:ext>
             </a:extLst>
           </p:cNvPr>
@@ -27082,9 +26998,7 @@
       </p:sp>
       <p:sp>
         <p:nvSpPr>
-          <p:cNvPr id="23" name="Date Placeholder 14">
-            <a:extLst/>
-          </p:cNvPr>
+          <p:cNvPr id="23" name="Date Placeholder 14"/>
           <p:cNvSpPr>
             <a:spLocks noGrp="1"/>
           </p:cNvSpPr>
@@ -27115,7 +27029,7 @@
           <a:p>
             <a:fld id="{F0C99D87-AFAD-4B11-8D22-9469FA50E3E6}" type="datetime1">
               <a:rPr lang="en-US" smtClean="0"/>
-              <a:t>7/25/2019</a:t>
+              <a:t>2/13/2023</a:t>
             </a:fld>
             <a:endParaRPr lang="en-US" dirty="0"/>
           </a:p>
@@ -27123,9 +27037,7 @@
       </p:sp>
       <p:sp>
         <p:nvSpPr>
-          <p:cNvPr id="24" name="Slide Number Placeholder 6">
-            <a:extLst/>
-          </p:cNvPr>
+          <p:cNvPr id="24" name="Slide Number Placeholder 6"/>
           <p:cNvSpPr>
             <a:spLocks noGrp="1"/>
           </p:cNvSpPr>
@@ -27579,7 +27491,7 @@
           <p:cNvPr id="2" name="Title 1">
             <a:extLst>
               <a:ext uri="{FF2B5EF4-FFF2-40B4-BE49-F238E27FC236}">
-                <a16:creationId xmlns:a16="http://schemas.microsoft.com/office/drawing/2014/main" xmlns="" id="{970DC997-9FB6-D045-9852-6C2F156B7477}"/>
+                <a16:creationId xmlns:a16="http://schemas.microsoft.com/office/drawing/2014/main" id="{970DC997-9FB6-D045-9852-6C2F156B7477}"/>
               </a:ext>
             </a:extLst>
           </p:cNvPr>
@@ -27622,7 +27534,7 @@
           <p:cNvPr id="14" name="Rectangle 13">
             <a:extLst>
               <a:ext uri="{FF2B5EF4-FFF2-40B4-BE49-F238E27FC236}">
-                <a16:creationId xmlns:a16="http://schemas.microsoft.com/office/drawing/2014/main" xmlns="" id="{8DCDF801-7226-F043-807D-FCFC7CCBCF2C}"/>
+                <a16:creationId xmlns:a16="http://schemas.microsoft.com/office/drawing/2014/main" id="{8DCDF801-7226-F043-807D-FCFC7CCBCF2C}"/>
               </a:ext>
             </a:extLst>
           </p:cNvPr>
@@ -27676,7 +27588,7 @@
           <p:cNvPr id="121" name="Rectangle 120">
             <a:extLst>
               <a:ext uri="{FF2B5EF4-FFF2-40B4-BE49-F238E27FC236}">
-                <a16:creationId xmlns:a16="http://schemas.microsoft.com/office/drawing/2014/main" xmlns="" id="{701AB268-57B2-794B-85C6-4AF929228007}"/>
+                <a16:creationId xmlns:a16="http://schemas.microsoft.com/office/drawing/2014/main" id="{701AB268-57B2-794B-85C6-4AF929228007}"/>
               </a:ext>
             </a:extLst>
           </p:cNvPr>
@@ -27730,7 +27642,7 @@
           <p:cNvPr id="16" name="Picture Placeholder 15">
             <a:extLst>
               <a:ext uri="{FF2B5EF4-FFF2-40B4-BE49-F238E27FC236}">
-                <a16:creationId xmlns:a16="http://schemas.microsoft.com/office/drawing/2014/main" xmlns="" id="{AFC2DADD-C3AD-D84B-A33D-2CA55BD94EBD}"/>
+                <a16:creationId xmlns:a16="http://schemas.microsoft.com/office/drawing/2014/main" id="{AFC2DADD-C3AD-D84B-A33D-2CA55BD94EBD}"/>
               </a:ext>
             </a:extLst>
           </p:cNvPr>
@@ -27788,7 +27700,7 @@
           <p:cNvPr id="18" name="Text Placeholder 17">
             <a:extLst>
               <a:ext uri="{FF2B5EF4-FFF2-40B4-BE49-F238E27FC236}">
-                <a16:creationId xmlns:a16="http://schemas.microsoft.com/office/drawing/2014/main" xmlns="" id="{FF8BFB5D-0B99-604B-BE7B-90B448DE5C59}"/>
+                <a16:creationId xmlns:a16="http://schemas.microsoft.com/office/drawing/2014/main" id="{FF8BFB5D-0B99-604B-BE7B-90B448DE5C59}"/>
               </a:ext>
             </a:extLst>
           </p:cNvPr>
@@ -27897,7 +27809,7 @@
           <p:cNvPr id="20" name="Content Placeholder 19">
             <a:extLst>
               <a:ext uri="{FF2B5EF4-FFF2-40B4-BE49-F238E27FC236}">
-                <a16:creationId xmlns:a16="http://schemas.microsoft.com/office/drawing/2014/main" xmlns="" id="{86E77C1E-36DB-5746-9E37-2A000174794B}"/>
+                <a16:creationId xmlns:a16="http://schemas.microsoft.com/office/drawing/2014/main" id="{86E77C1E-36DB-5746-9E37-2A000174794B}"/>
               </a:ext>
             </a:extLst>
           </p:cNvPr>
@@ -27983,7 +27895,7 @@
           <p:cNvPr id="139" name="Rectangle 138">
             <a:extLst>
               <a:ext uri="{FF2B5EF4-FFF2-40B4-BE49-F238E27FC236}">
-                <a16:creationId xmlns:a16="http://schemas.microsoft.com/office/drawing/2014/main" xmlns="" id="{24A82334-50D2-6545-8402-73E577956B06}"/>
+                <a16:creationId xmlns:a16="http://schemas.microsoft.com/office/drawing/2014/main" id="{24A82334-50D2-6545-8402-73E577956B06}"/>
               </a:ext>
             </a:extLst>
           </p:cNvPr>
@@ -28037,7 +27949,7 @@
           <p:cNvPr id="140" name="Rectangle 139">
             <a:extLst>
               <a:ext uri="{FF2B5EF4-FFF2-40B4-BE49-F238E27FC236}">
-                <a16:creationId xmlns:a16="http://schemas.microsoft.com/office/drawing/2014/main" xmlns="" id="{80D6DCA8-3567-7B48-B645-33DFD5B260FC}"/>
+                <a16:creationId xmlns:a16="http://schemas.microsoft.com/office/drawing/2014/main" id="{80D6DCA8-3567-7B48-B645-33DFD5B260FC}"/>
               </a:ext>
             </a:extLst>
           </p:cNvPr>
@@ -28091,7 +28003,7 @@
           <p:cNvPr id="141" name="Picture Placeholder 15">
             <a:extLst>
               <a:ext uri="{FF2B5EF4-FFF2-40B4-BE49-F238E27FC236}">
-                <a16:creationId xmlns:a16="http://schemas.microsoft.com/office/drawing/2014/main" xmlns="" id="{FC5C4ABB-169E-5545-9F16-ECB477C13384}"/>
+                <a16:creationId xmlns:a16="http://schemas.microsoft.com/office/drawing/2014/main" id="{FC5C4ABB-169E-5545-9F16-ECB477C13384}"/>
               </a:ext>
             </a:extLst>
           </p:cNvPr>
@@ -28169,7 +28081,7 @@
           <p:cNvPr id="142" name="Text Placeholder 17">
             <a:extLst>
               <a:ext uri="{FF2B5EF4-FFF2-40B4-BE49-F238E27FC236}">
-                <a16:creationId xmlns:a16="http://schemas.microsoft.com/office/drawing/2014/main" xmlns="" id="{F47FD92D-718E-A041-B7FD-A13778B21B11}"/>
+                <a16:creationId xmlns:a16="http://schemas.microsoft.com/office/drawing/2014/main" id="{F47FD92D-718E-A041-B7FD-A13778B21B11}"/>
               </a:ext>
             </a:extLst>
           </p:cNvPr>
@@ -28278,7 +28190,7 @@
           <p:cNvPr id="143" name="Content Placeholder 19">
             <a:extLst>
               <a:ext uri="{FF2B5EF4-FFF2-40B4-BE49-F238E27FC236}">
-                <a16:creationId xmlns:a16="http://schemas.microsoft.com/office/drawing/2014/main" xmlns="" id="{E50A98A2-B02B-7D41-A872-3CF12E3E210E}"/>
+                <a16:creationId xmlns:a16="http://schemas.microsoft.com/office/drawing/2014/main" id="{E50A98A2-B02B-7D41-A872-3CF12E3E210E}"/>
               </a:ext>
             </a:extLst>
           </p:cNvPr>
@@ -28364,7 +28276,7 @@
           <p:cNvPr id="144" name="Rectangle 143">
             <a:extLst>
               <a:ext uri="{FF2B5EF4-FFF2-40B4-BE49-F238E27FC236}">
-                <a16:creationId xmlns:a16="http://schemas.microsoft.com/office/drawing/2014/main" xmlns="" id="{322FE3A6-CBCB-FD46-A2F2-B3FD45610C75}"/>
+                <a16:creationId xmlns:a16="http://schemas.microsoft.com/office/drawing/2014/main" id="{322FE3A6-CBCB-FD46-A2F2-B3FD45610C75}"/>
               </a:ext>
             </a:extLst>
           </p:cNvPr>
@@ -28418,7 +28330,7 @@
           <p:cNvPr id="145" name="Rectangle 144">
             <a:extLst>
               <a:ext uri="{FF2B5EF4-FFF2-40B4-BE49-F238E27FC236}">
-                <a16:creationId xmlns:a16="http://schemas.microsoft.com/office/drawing/2014/main" xmlns="" id="{CCE8A42B-044D-9B4C-80D8-8514ED46601D}"/>
+                <a16:creationId xmlns:a16="http://schemas.microsoft.com/office/drawing/2014/main" id="{CCE8A42B-044D-9B4C-80D8-8514ED46601D}"/>
               </a:ext>
             </a:extLst>
           </p:cNvPr>
@@ -28472,7 +28384,7 @@
           <p:cNvPr id="146" name="Picture Placeholder 15">
             <a:extLst>
               <a:ext uri="{FF2B5EF4-FFF2-40B4-BE49-F238E27FC236}">
-                <a16:creationId xmlns:a16="http://schemas.microsoft.com/office/drawing/2014/main" xmlns="" id="{928BF688-53D9-F24E-94AA-45587254B181}"/>
+                <a16:creationId xmlns:a16="http://schemas.microsoft.com/office/drawing/2014/main" id="{928BF688-53D9-F24E-94AA-45587254B181}"/>
               </a:ext>
             </a:extLst>
           </p:cNvPr>
@@ -28550,7 +28462,7 @@
           <p:cNvPr id="147" name="Text Placeholder 17">
             <a:extLst>
               <a:ext uri="{FF2B5EF4-FFF2-40B4-BE49-F238E27FC236}">
-                <a16:creationId xmlns:a16="http://schemas.microsoft.com/office/drawing/2014/main" xmlns="" id="{7D5C2D69-8440-1D45-AD60-4604AFE569C8}"/>
+                <a16:creationId xmlns:a16="http://schemas.microsoft.com/office/drawing/2014/main" id="{7D5C2D69-8440-1D45-AD60-4604AFE569C8}"/>
               </a:ext>
             </a:extLst>
           </p:cNvPr>
@@ -28659,7 +28571,7 @@
           <p:cNvPr id="148" name="Content Placeholder 19">
             <a:extLst>
               <a:ext uri="{FF2B5EF4-FFF2-40B4-BE49-F238E27FC236}">
-                <a16:creationId xmlns:a16="http://schemas.microsoft.com/office/drawing/2014/main" xmlns="" id="{0C94B147-24BC-DF4B-957E-89C0BEF11D91}"/>
+                <a16:creationId xmlns:a16="http://schemas.microsoft.com/office/drawing/2014/main" id="{0C94B147-24BC-DF4B-957E-89C0BEF11D91}"/>
               </a:ext>
             </a:extLst>
           </p:cNvPr>
@@ -28745,7 +28657,7 @@
           <p:cNvPr id="149" name="Straight Connector 148">
             <a:extLst>
               <a:ext uri="{FF2B5EF4-FFF2-40B4-BE49-F238E27FC236}">
-                <a16:creationId xmlns:a16="http://schemas.microsoft.com/office/drawing/2014/main" xmlns="" id="{60D7F3F1-1A67-6243-A48A-89DD1EDA958F}"/>
+                <a16:creationId xmlns:a16="http://schemas.microsoft.com/office/drawing/2014/main" id="{60D7F3F1-1A67-6243-A48A-89DD1EDA958F}"/>
               </a:ext>
             </a:extLst>
           </p:cNvPr>
@@ -28785,9 +28697,7 @@
       </p:cxnSp>
       <p:sp>
         <p:nvSpPr>
-          <p:cNvPr id="21" name="Date Placeholder 14">
-            <a:extLst/>
-          </p:cNvPr>
+          <p:cNvPr id="21" name="Date Placeholder 14"/>
           <p:cNvSpPr>
             <a:spLocks noGrp="1"/>
           </p:cNvSpPr>
@@ -28818,7 +28728,7 @@
           <a:p>
             <a:fld id="{F0C99D87-AFAD-4B11-8D22-9469FA50E3E6}" type="datetime1">
               <a:rPr lang="en-US" smtClean="0"/>
-              <a:t>7/25/2019</a:t>
+              <a:t>2/13/2023</a:t>
             </a:fld>
             <a:endParaRPr lang="en-US" dirty="0"/>
           </a:p>
@@ -28826,9 +28736,7 @@
       </p:sp>
       <p:sp>
         <p:nvSpPr>
-          <p:cNvPr id="22" name="Slide Number Placeholder 6">
-            <a:extLst/>
-          </p:cNvPr>
+          <p:cNvPr id="22" name="Slide Number Placeholder 6"/>
           <p:cNvSpPr>
             <a:spLocks noGrp="1"/>
           </p:cNvSpPr>
@@ -28913,7 +28821,7 @@
           <p:cNvPr id="7" name="Rectangle 6">
             <a:extLst>
               <a:ext uri="{FF2B5EF4-FFF2-40B4-BE49-F238E27FC236}">
-                <a16:creationId xmlns:a16="http://schemas.microsoft.com/office/drawing/2014/main" xmlns="" id="{899BBD82-F2F3-1842-9AB0-CC221A9C48C6}"/>
+                <a16:creationId xmlns:a16="http://schemas.microsoft.com/office/drawing/2014/main" id="{899BBD82-F2F3-1842-9AB0-CC221A9C48C6}"/>
               </a:ext>
             </a:extLst>
           </p:cNvPr>
@@ -28972,7 +28880,7 @@
           <p:cNvPr id="18" name="Text Placeholder 17">
             <a:extLst>
               <a:ext uri="{FF2B5EF4-FFF2-40B4-BE49-F238E27FC236}">
-                <a16:creationId xmlns:a16="http://schemas.microsoft.com/office/drawing/2014/main" xmlns="" id="{069D40B6-6B9C-3F46-A7AA-9DAEC04FD677}"/>
+                <a16:creationId xmlns:a16="http://schemas.microsoft.com/office/drawing/2014/main" id="{069D40B6-6B9C-3F46-A7AA-9DAEC04FD677}"/>
               </a:ext>
             </a:extLst>
           </p:cNvPr>
@@ -29039,7 +28947,7 @@
           <p:cNvPr id="3" name="Picture 2">
             <a:extLst>
               <a:ext uri="{FF2B5EF4-FFF2-40B4-BE49-F238E27FC236}">
-                <a16:creationId xmlns:a16="http://schemas.microsoft.com/office/drawing/2014/main" xmlns="" id="{B3DF0AD6-0B2E-544C-B992-3D2F7D60DECD}"/>
+                <a16:creationId xmlns:a16="http://schemas.microsoft.com/office/drawing/2014/main" id="{B3DF0AD6-0B2E-544C-B992-3D2F7D60DECD}"/>
               </a:ext>
             </a:extLst>
           </p:cNvPr>
@@ -29074,7 +28982,7 @@
           <p:cNvPr id="2" name="TextBox 1">
             <a:extLst>
               <a:ext uri="{FF2B5EF4-FFF2-40B4-BE49-F238E27FC236}">
-                <a16:creationId xmlns:a16="http://schemas.microsoft.com/office/drawing/2014/main" xmlns="" id="{895B60B6-703F-5A41-91C4-7AAA65F8E721}"/>
+                <a16:creationId xmlns:a16="http://schemas.microsoft.com/office/drawing/2014/main" id="{895B60B6-703F-5A41-91C4-7AAA65F8E721}"/>
               </a:ext>
             </a:extLst>
           </p:cNvPr>
@@ -29258,7 +29166,7 @@
           <p:cNvPr id="8" name="TextBox 7">
             <a:extLst>
               <a:ext uri="{FF2B5EF4-FFF2-40B4-BE49-F238E27FC236}">
-                <a16:creationId xmlns:a16="http://schemas.microsoft.com/office/drawing/2014/main" xmlns="" id="{1347B09E-7834-DA4F-8069-D23F00934E41}"/>
+                <a16:creationId xmlns:a16="http://schemas.microsoft.com/office/drawing/2014/main" id="{1347B09E-7834-DA4F-8069-D23F00934E41}"/>
               </a:ext>
             </a:extLst>
           </p:cNvPr>
@@ -29376,7 +29284,7 @@
           <p:cNvPr id="6" name="Picture Placeholder 6" descr="2.jpg">
             <a:extLst>
               <a:ext uri="{FF2B5EF4-FFF2-40B4-BE49-F238E27FC236}">
-                <a16:creationId xmlns:a16="http://schemas.microsoft.com/office/drawing/2014/main" xmlns="" id="{814860D1-BA3F-8249-9014-FA50AC5991FC}"/>
+                <a16:creationId xmlns:a16="http://schemas.microsoft.com/office/drawing/2014/main" id="{814860D1-BA3F-8249-9014-FA50AC5991FC}"/>
               </a:ext>
             </a:extLst>
           </p:cNvPr>
@@ -29413,7 +29321,7 @@
           <p:cNvPr id="7" name="Rounded Rectangle 6">
             <a:extLst>
               <a:ext uri="{FF2B5EF4-FFF2-40B4-BE49-F238E27FC236}">
-                <a16:creationId xmlns:a16="http://schemas.microsoft.com/office/drawing/2014/main" xmlns="" id="{972D545C-E698-A945-847B-35CFA1D61EB3}"/>
+                <a16:creationId xmlns:a16="http://schemas.microsoft.com/office/drawing/2014/main" id="{972D545C-E698-A945-847B-35CFA1D61EB3}"/>
               </a:ext>
             </a:extLst>
           </p:cNvPr>
@@ -29468,7 +29376,7 @@
           <p:cNvPr id="8" name="Rounded Rectangle 7">
             <a:extLst>
               <a:ext uri="{FF2B5EF4-FFF2-40B4-BE49-F238E27FC236}">
-                <a16:creationId xmlns:a16="http://schemas.microsoft.com/office/drawing/2014/main" xmlns="" id="{F6592730-9082-0D48-B742-1A4991DFD08B}"/>
+                <a16:creationId xmlns:a16="http://schemas.microsoft.com/office/drawing/2014/main" id="{F6592730-9082-0D48-B742-1A4991DFD08B}"/>
               </a:ext>
             </a:extLst>
           </p:cNvPr>
@@ -29532,7 +29440,7 @@
           <p:cNvPr id="9" name="Rounded Rectangle 8">
             <a:extLst>
               <a:ext uri="{FF2B5EF4-FFF2-40B4-BE49-F238E27FC236}">
-                <a16:creationId xmlns:a16="http://schemas.microsoft.com/office/drawing/2014/main" xmlns="" id="{E5460C34-646D-E545-A724-7D37328FCD8B}"/>
+                <a16:creationId xmlns:a16="http://schemas.microsoft.com/office/drawing/2014/main" id="{E5460C34-646D-E545-A724-7D37328FCD8B}"/>
               </a:ext>
             </a:extLst>
           </p:cNvPr>
@@ -29593,7 +29501,7 @@
           <p:cNvPr id="19" name="Text Placeholder 5">
             <a:extLst>
               <a:ext uri="{FF2B5EF4-FFF2-40B4-BE49-F238E27FC236}">
-                <a16:creationId xmlns:a16="http://schemas.microsoft.com/office/drawing/2014/main" xmlns="" id="{264AE598-F519-EC48-B46B-53072B7D7840}"/>
+                <a16:creationId xmlns:a16="http://schemas.microsoft.com/office/drawing/2014/main" id="{264AE598-F519-EC48-B46B-53072B7D7840}"/>
               </a:ext>
             </a:extLst>
           </p:cNvPr>
@@ -29802,7 +29710,7 @@
           <p:cNvPr id="20" name="Text Placeholder 5">
             <a:extLst>
               <a:ext uri="{FF2B5EF4-FFF2-40B4-BE49-F238E27FC236}">
-                <a16:creationId xmlns:a16="http://schemas.microsoft.com/office/drawing/2014/main" xmlns="" id="{A3F209CD-3E6C-DB45-8E51-E1C8DE39EBBA}"/>
+                <a16:creationId xmlns:a16="http://schemas.microsoft.com/office/drawing/2014/main" id="{A3F209CD-3E6C-DB45-8E51-E1C8DE39EBBA}"/>
               </a:ext>
             </a:extLst>
           </p:cNvPr>
@@ -30010,7 +29918,7 @@
           <p:cNvPr id="21" name="Picture 20">
             <a:extLst>
               <a:ext uri="{FF2B5EF4-FFF2-40B4-BE49-F238E27FC236}">
-                <a16:creationId xmlns:a16="http://schemas.microsoft.com/office/drawing/2014/main" xmlns="" id="{0E1FD598-B273-A749-8E53-C3679F79E367}"/>
+                <a16:creationId xmlns:a16="http://schemas.microsoft.com/office/drawing/2014/main" id="{0E1FD598-B273-A749-8E53-C3679F79E367}"/>
               </a:ext>
             </a:extLst>
           </p:cNvPr>
@@ -30039,7 +29947,7 @@
           <p:cNvPr id="22" name="Content Placeholder 21">
             <a:extLst>
               <a:ext uri="{FF2B5EF4-FFF2-40B4-BE49-F238E27FC236}">
-                <a16:creationId xmlns:a16="http://schemas.microsoft.com/office/drawing/2014/main" xmlns="" id="{66CA826B-6C53-F94A-8E50-3D5B53C75395}"/>
+                <a16:creationId xmlns:a16="http://schemas.microsoft.com/office/drawing/2014/main" id="{66CA826B-6C53-F94A-8E50-3D5B53C75395}"/>
               </a:ext>
             </a:extLst>
           </p:cNvPr>
@@ -30103,7 +30011,7 @@
           <p:cNvPr id="24" name="Content Placeholder 21">
             <a:extLst>
               <a:ext uri="{FF2B5EF4-FFF2-40B4-BE49-F238E27FC236}">
-                <a16:creationId xmlns:a16="http://schemas.microsoft.com/office/drawing/2014/main" xmlns="" id="{3DE5018B-D1CC-5447-85EA-EC7D47CAA95B}"/>
+                <a16:creationId xmlns:a16="http://schemas.microsoft.com/office/drawing/2014/main" id="{3DE5018B-D1CC-5447-85EA-EC7D47CAA95B}"/>
               </a:ext>
             </a:extLst>
           </p:cNvPr>
@@ -30168,7 +30076,7 @@
           <p:cNvPr id="10" name="Straight Connector 9">
             <a:extLst>
               <a:ext uri="{FF2B5EF4-FFF2-40B4-BE49-F238E27FC236}">
-                <a16:creationId xmlns:a16="http://schemas.microsoft.com/office/drawing/2014/main" xmlns="" id="{0D31820A-DD73-7E4D-B283-9AB9C85B3AB6}"/>
+                <a16:creationId xmlns:a16="http://schemas.microsoft.com/office/drawing/2014/main" id="{0D31820A-DD73-7E4D-B283-9AB9C85B3AB6}"/>
               </a:ext>
             </a:extLst>
           </p:cNvPr>
@@ -30213,7 +30121,7 @@
           <p:cNvPr id="11" name="Straight Connector 10">
             <a:extLst>
               <a:ext uri="{FF2B5EF4-FFF2-40B4-BE49-F238E27FC236}">
-                <a16:creationId xmlns:a16="http://schemas.microsoft.com/office/drawing/2014/main" xmlns="" id="{573A9758-1889-534B-A91C-E1CF96566C0E}"/>
+                <a16:creationId xmlns:a16="http://schemas.microsoft.com/office/drawing/2014/main" id="{573A9758-1889-534B-A91C-E1CF96566C0E}"/>
               </a:ext>
             </a:extLst>
           </p:cNvPr>
@@ -30259,7 +30167,7 @@
             <a:hlinkClick r:id="rId4"/>
             <a:extLst>
               <a:ext uri="{FF2B5EF4-FFF2-40B4-BE49-F238E27FC236}">
-                <a16:creationId xmlns:a16="http://schemas.microsoft.com/office/drawing/2014/main" xmlns="" id="{8831CF71-0BF3-8D4D-99EA-11A06B5F5294}"/>
+                <a16:creationId xmlns:a16="http://schemas.microsoft.com/office/drawing/2014/main" id="{8831CF71-0BF3-8D4D-99EA-11A06B5F5294}"/>
               </a:ext>
             </a:extLst>
           </p:cNvPr>
@@ -30272,7 +30180,7 @@
           <a:blip r:embed="rId5">
             <a:extLst>
               <a:ext uri="{96DAC541-7B7A-43D3-8B79-37D633B846F1}">
-                <asvg:svgBlip xmlns:asvg="http://schemas.microsoft.com/office/drawing/2016/SVG/main" xmlns="" r:embed="rId6"/>
+                <asvg:svgBlip xmlns:asvg="http://schemas.microsoft.com/office/drawing/2016/SVG/main" r:embed="rId6"/>
               </a:ext>
             </a:extLst>
           </a:blip>
@@ -30295,7 +30203,7 @@
           <p:cNvPr id="3" name="Text Placeholder 2">
             <a:extLst>
               <a:ext uri="{FF2B5EF4-FFF2-40B4-BE49-F238E27FC236}">
-                <a16:creationId xmlns:a16="http://schemas.microsoft.com/office/drawing/2014/main" xmlns="" id="{D3256AB7-BF80-7048-815F-A1D51B0A27FC}"/>
+                <a16:creationId xmlns:a16="http://schemas.microsoft.com/office/drawing/2014/main" id="{D3256AB7-BF80-7048-815F-A1D51B0A27FC}"/>
               </a:ext>
             </a:extLst>
           </p:cNvPr>
@@ -30373,7 +30281,7 @@
           <p:cNvPr id="5" name="Picture Placeholder 4">
             <a:extLst>
               <a:ext uri="{FF2B5EF4-FFF2-40B4-BE49-F238E27FC236}">
-                <a16:creationId xmlns:a16="http://schemas.microsoft.com/office/drawing/2014/main" xmlns="" id="{E26FFB31-183E-1A45-A793-BF684D65704D}"/>
+                <a16:creationId xmlns:a16="http://schemas.microsoft.com/office/drawing/2014/main" id="{E26FFB31-183E-1A45-A793-BF684D65704D}"/>
               </a:ext>
             </a:extLst>
           </p:cNvPr>
@@ -30415,7 +30323,7 @@
             <a:hlinkClick r:id="rId7"/>
             <a:extLst>
               <a:ext uri="{FF2B5EF4-FFF2-40B4-BE49-F238E27FC236}">
-                <a16:creationId xmlns:a16="http://schemas.microsoft.com/office/drawing/2014/main" xmlns="" id="{EC6F4EF2-E475-B144-86D2-DF5D92BF755C}"/>
+                <a16:creationId xmlns:a16="http://schemas.microsoft.com/office/drawing/2014/main" id="{EC6F4EF2-E475-B144-86D2-DF5D92BF755C}"/>
               </a:ext>
             </a:extLst>
           </p:cNvPr>
@@ -30428,7 +30336,7 @@
           <a:blip r:embed="rId8">
             <a:extLst>
               <a:ext uri="{96DAC541-7B7A-43D3-8B79-37D633B846F1}">
-                <asvg:svgBlip xmlns:asvg="http://schemas.microsoft.com/office/drawing/2016/SVG/main" xmlns="" r:embed="rId9"/>
+                <asvg:svgBlip xmlns:asvg="http://schemas.microsoft.com/office/drawing/2016/SVG/main" r:embed="rId9"/>
               </a:ext>
             </a:extLst>
           </a:blip>
@@ -30452,7 +30360,7 @@
             <a:hlinkClick r:id="rId10"/>
             <a:extLst>
               <a:ext uri="{FF2B5EF4-FFF2-40B4-BE49-F238E27FC236}">
-                <a16:creationId xmlns:a16="http://schemas.microsoft.com/office/drawing/2014/main" xmlns="" id="{B987D016-0AA5-1647-B182-B3E47A11AE3E}"/>
+                <a16:creationId xmlns:a16="http://schemas.microsoft.com/office/drawing/2014/main" id="{B987D016-0AA5-1647-B182-B3E47A11AE3E}"/>
               </a:ext>
             </a:extLst>
           </p:cNvPr>
@@ -30465,7 +30373,7 @@
           <a:blip r:embed="rId11">
             <a:extLst>
               <a:ext uri="{96DAC541-7B7A-43D3-8B79-37D633B846F1}">
-                <asvg:svgBlip xmlns:asvg="http://schemas.microsoft.com/office/drawing/2016/SVG/main" xmlns="" r:embed="rId12"/>
+                <asvg:svgBlip xmlns:asvg="http://schemas.microsoft.com/office/drawing/2016/SVG/main" r:embed="rId12"/>
               </a:ext>
             </a:extLst>
           </a:blip>
@@ -31059,7 +30967,7 @@
           <p:cNvPr id="4" name="Title 3">
             <a:extLst>
               <a:ext uri="{FF2B5EF4-FFF2-40B4-BE49-F238E27FC236}">
-                <a16:creationId xmlns:a16="http://schemas.microsoft.com/office/drawing/2014/main" xmlns="" id="{6301F199-8DFA-4B32-A155-C165D2E1EE92}"/>
+                <a16:creationId xmlns:a16="http://schemas.microsoft.com/office/drawing/2014/main" id="{6301F199-8DFA-4B32-A155-C165D2E1EE92}"/>
               </a:ext>
             </a:extLst>
           </p:cNvPr>
@@ -31106,7 +31014,7 @@
           <p:cNvPr id="5" name="TextBox 4">
             <a:extLst>
               <a:ext uri="{FF2B5EF4-FFF2-40B4-BE49-F238E27FC236}">
-                <a16:creationId xmlns:a16="http://schemas.microsoft.com/office/drawing/2014/main" xmlns="" id="{3A4359F7-4D65-4302-8E17-A9CEBAE0878B}"/>
+                <a16:creationId xmlns:a16="http://schemas.microsoft.com/office/drawing/2014/main" id="{3A4359F7-4D65-4302-8E17-A9CEBAE0878B}"/>
               </a:ext>
             </a:extLst>
           </p:cNvPr>
@@ -31145,7 +31053,7 @@
           <p:cNvPr id="17" name="TextBox 16">
             <a:extLst>
               <a:ext uri="{FF2B5EF4-FFF2-40B4-BE49-F238E27FC236}">
-                <a16:creationId xmlns:a16="http://schemas.microsoft.com/office/drawing/2014/main" xmlns="" id="{E117062F-0EF4-4017-AEE4-696F5CCBAD82}"/>
+                <a16:creationId xmlns:a16="http://schemas.microsoft.com/office/drawing/2014/main" id="{E117062F-0EF4-4017-AEE4-696F5CCBAD82}"/>
               </a:ext>
             </a:extLst>
           </p:cNvPr>
@@ -31190,7 +31098,7 @@
           <p:cNvPr id="7" name="Straight Connector 6">
             <a:extLst>
               <a:ext uri="{FF2B5EF4-FFF2-40B4-BE49-F238E27FC236}">
-                <a16:creationId xmlns:a16="http://schemas.microsoft.com/office/drawing/2014/main" xmlns="" id="{D6C4363B-EC02-4871-9C9B-6E6736588C89}"/>
+                <a16:creationId xmlns:a16="http://schemas.microsoft.com/office/drawing/2014/main" id="{D6C4363B-EC02-4871-9C9B-6E6736588C89}"/>
               </a:ext>
             </a:extLst>
           </p:cNvPr>
@@ -31231,7 +31139,7 @@
           <p:cNvPr id="9" name="TextBox 8">
             <a:extLst>
               <a:ext uri="{FF2B5EF4-FFF2-40B4-BE49-F238E27FC236}">
-                <a16:creationId xmlns:a16="http://schemas.microsoft.com/office/drawing/2014/main" xmlns="" id="{865C9440-CB5B-4827-BE55-C89C95E08BD3}"/>
+                <a16:creationId xmlns:a16="http://schemas.microsoft.com/office/drawing/2014/main" id="{865C9440-CB5B-4827-BE55-C89C95E08BD3}"/>
               </a:ext>
             </a:extLst>
           </p:cNvPr>
@@ -31261,7 +31169,7 @@
                   <a:schemeClr val="bg1"/>
                 </a:solidFill>
               </a:rPr>
-              <a:t>July 25, 2019</a:t>
+              <a:t>February 13, 2023</a:t>
             </a:fld>
             <a:endParaRPr lang="en-US" sz="1000" dirty="0">
               <a:solidFill>
@@ -31323,7 +31231,7 @@
           <p:cNvPr id="8" name="Straight Connector 7">
             <a:extLst>
               <a:ext uri="{FF2B5EF4-FFF2-40B4-BE49-F238E27FC236}">
-                <a16:creationId xmlns:a16="http://schemas.microsoft.com/office/drawing/2014/main" xmlns="" id="{9DC31F21-9582-8245-8ECF-B1ABC72454E1}"/>
+                <a16:creationId xmlns:a16="http://schemas.microsoft.com/office/drawing/2014/main" id="{9DC31F21-9582-8245-8ECF-B1ABC72454E1}"/>
               </a:ext>
             </a:extLst>
           </p:cNvPr>
@@ -31370,7 +31278,7 @@
           <p:cNvPr id="9" name="Content Placeholder 4">
             <a:extLst>
               <a:ext uri="{FF2B5EF4-FFF2-40B4-BE49-F238E27FC236}">
-                <a16:creationId xmlns:a16="http://schemas.microsoft.com/office/drawing/2014/main" xmlns="" id="{187164F7-465F-064F-85B7-9F6D010F4EE2}"/>
+                <a16:creationId xmlns:a16="http://schemas.microsoft.com/office/drawing/2014/main" id="{187164F7-465F-064F-85B7-9F6D010F4EE2}"/>
               </a:ext>
             </a:extLst>
           </p:cNvPr>
@@ -31500,7 +31408,7 @@
           <p:cNvPr id="14" name="Straight Connector 13">
             <a:extLst>
               <a:ext uri="{FF2B5EF4-FFF2-40B4-BE49-F238E27FC236}">
-                <a16:creationId xmlns:a16="http://schemas.microsoft.com/office/drawing/2014/main" xmlns="" id="{21D4628A-B1AC-4841-9E66-F6821160679E}"/>
+                <a16:creationId xmlns:a16="http://schemas.microsoft.com/office/drawing/2014/main" id="{21D4628A-B1AC-4841-9E66-F6821160679E}"/>
               </a:ext>
             </a:extLst>
           </p:cNvPr>
@@ -31547,7 +31455,7 @@
           <p:cNvPr id="15" name="Content Placeholder 4">
             <a:extLst>
               <a:ext uri="{FF2B5EF4-FFF2-40B4-BE49-F238E27FC236}">
-                <a16:creationId xmlns:a16="http://schemas.microsoft.com/office/drawing/2014/main" xmlns="" id="{5EBD051B-9568-44C4-9FCB-BE19E68BD254}"/>
+                <a16:creationId xmlns:a16="http://schemas.microsoft.com/office/drawing/2014/main" id="{5EBD051B-9568-44C4-9FCB-BE19E68BD254}"/>
               </a:ext>
             </a:extLst>
           </p:cNvPr>
@@ -31670,7 +31578,7 @@
           <p:cNvPr id="7" name="Straight Connector 6">
             <a:extLst>
               <a:ext uri="{FF2B5EF4-FFF2-40B4-BE49-F238E27FC236}">
-                <a16:creationId xmlns:a16="http://schemas.microsoft.com/office/drawing/2014/main" xmlns="" id="{8ECA65AC-DD40-481A-BFE2-65329FDE3E86}"/>
+                <a16:creationId xmlns:a16="http://schemas.microsoft.com/office/drawing/2014/main" id="{8ECA65AC-DD40-481A-BFE2-65329FDE3E86}"/>
               </a:ext>
             </a:extLst>
           </p:cNvPr>
@@ -31717,7 +31625,7 @@
           <p:cNvPr id="10" name="Content Placeholder 4">
             <a:extLst>
               <a:ext uri="{FF2B5EF4-FFF2-40B4-BE49-F238E27FC236}">
-                <a16:creationId xmlns:a16="http://schemas.microsoft.com/office/drawing/2014/main" xmlns="" id="{D9C63D07-EA1D-403D-9409-0860A3F4875E}"/>
+                <a16:creationId xmlns:a16="http://schemas.microsoft.com/office/drawing/2014/main" id="{D9C63D07-EA1D-403D-9409-0860A3F4875E}"/>
               </a:ext>
             </a:extLst>
           </p:cNvPr>
@@ -31843,7 +31751,7 @@
           <p:cNvPr id="8" name="Straight Connector 7">
             <a:extLst>
               <a:ext uri="{FF2B5EF4-FFF2-40B4-BE49-F238E27FC236}">
-                <a16:creationId xmlns:a16="http://schemas.microsoft.com/office/drawing/2014/main" xmlns="" id="{71AC6746-0DDB-4F8F-ACBB-1CF4059EAF95}"/>
+                <a16:creationId xmlns:a16="http://schemas.microsoft.com/office/drawing/2014/main" id="{71AC6746-0DDB-4F8F-ACBB-1CF4059EAF95}"/>
               </a:ext>
             </a:extLst>
           </p:cNvPr>
@@ -31890,7 +31798,7 @@
           <p:cNvPr id="9" name="Content Placeholder 4">
             <a:extLst>
               <a:ext uri="{FF2B5EF4-FFF2-40B4-BE49-F238E27FC236}">
-                <a16:creationId xmlns:a16="http://schemas.microsoft.com/office/drawing/2014/main" xmlns="" id="{3F49BA89-69A3-4D64-A8DD-249173941AC6}"/>
+                <a16:creationId xmlns:a16="http://schemas.microsoft.com/office/drawing/2014/main" id="{3F49BA89-69A3-4D64-A8DD-249173941AC6}"/>
               </a:ext>
             </a:extLst>
           </p:cNvPr>
@@ -32007,7 +31915,7 @@
           <p:cNvPr id="11" name="Content Placeholder 4">
             <a:extLst>
               <a:ext uri="{FF2B5EF4-FFF2-40B4-BE49-F238E27FC236}">
-                <a16:creationId xmlns:a16="http://schemas.microsoft.com/office/drawing/2014/main" xmlns="" id="{7553F1C2-709E-4A37-B651-8FD25501CBAB}"/>
+                <a16:creationId xmlns:a16="http://schemas.microsoft.com/office/drawing/2014/main" id="{7553F1C2-709E-4A37-B651-8FD25501CBAB}"/>
               </a:ext>
             </a:extLst>
           </p:cNvPr>
@@ -32087,7 +31995,7 @@
           <p:cNvPr id="12" name="Straight Connector 11">
             <a:extLst>
               <a:ext uri="{FF2B5EF4-FFF2-40B4-BE49-F238E27FC236}">
-                <a16:creationId xmlns:a16="http://schemas.microsoft.com/office/drawing/2014/main" xmlns="" id="{37666132-2057-4532-97BF-EA752EEA5129}"/>
+                <a16:creationId xmlns:a16="http://schemas.microsoft.com/office/drawing/2014/main" id="{37666132-2057-4532-97BF-EA752EEA5129}"/>
               </a:ext>
             </a:extLst>
           </p:cNvPr>
@@ -32164,7 +32072,7 @@
           <p:cNvPr id="7" name="Rectangle 6">
             <a:extLst>
               <a:ext uri="{FF2B5EF4-FFF2-40B4-BE49-F238E27FC236}">
-                <a16:creationId xmlns:a16="http://schemas.microsoft.com/office/drawing/2014/main" xmlns="" id="{899BBD82-F2F3-1842-9AB0-CC221A9C48C6}"/>
+                <a16:creationId xmlns:a16="http://schemas.microsoft.com/office/drawing/2014/main" id="{899BBD82-F2F3-1842-9AB0-CC221A9C48C6}"/>
               </a:ext>
             </a:extLst>
           </p:cNvPr>
@@ -32223,7 +32131,7 @@
           <p:cNvPr id="18" name="Text Placeholder 17">
             <a:extLst>
               <a:ext uri="{FF2B5EF4-FFF2-40B4-BE49-F238E27FC236}">
-                <a16:creationId xmlns:a16="http://schemas.microsoft.com/office/drawing/2014/main" xmlns="" id="{069D40B6-6B9C-3F46-A7AA-9DAEC04FD677}"/>
+                <a16:creationId xmlns:a16="http://schemas.microsoft.com/office/drawing/2014/main" id="{069D40B6-6B9C-3F46-A7AA-9DAEC04FD677}"/>
               </a:ext>
             </a:extLst>
           </p:cNvPr>
@@ -32290,7 +32198,7 @@
           <p:cNvPr id="3" name="Picture 2">
             <a:extLst>
               <a:ext uri="{FF2B5EF4-FFF2-40B4-BE49-F238E27FC236}">
-                <a16:creationId xmlns:a16="http://schemas.microsoft.com/office/drawing/2014/main" xmlns="" id="{B3DF0AD6-0B2E-544C-B992-3D2F7D60DECD}"/>
+                <a16:creationId xmlns:a16="http://schemas.microsoft.com/office/drawing/2014/main" id="{B3DF0AD6-0B2E-544C-B992-3D2F7D60DECD}"/>
               </a:ext>
             </a:extLst>
           </p:cNvPr>
@@ -32325,7 +32233,7 @@
           <p:cNvPr id="2" name="TextBox 1">
             <a:extLst>
               <a:ext uri="{FF2B5EF4-FFF2-40B4-BE49-F238E27FC236}">
-                <a16:creationId xmlns:a16="http://schemas.microsoft.com/office/drawing/2014/main" xmlns="" id="{895B60B6-703F-5A41-91C4-7AAA65F8E721}"/>
+                <a16:creationId xmlns:a16="http://schemas.microsoft.com/office/drawing/2014/main" id="{895B60B6-703F-5A41-91C4-7AAA65F8E721}"/>
               </a:ext>
             </a:extLst>
           </p:cNvPr>
@@ -32509,7 +32417,7 @@
           <p:cNvPr id="8" name="TextBox 7">
             <a:extLst>
               <a:ext uri="{FF2B5EF4-FFF2-40B4-BE49-F238E27FC236}">
-                <a16:creationId xmlns:a16="http://schemas.microsoft.com/office/drawing/2014/main" xmlns="" id="{1347B09E-7834-DA4F-8069-D23F00934E41}"/>
+                <a16:creationId xmlns:a16="http://schemas.microsoft.com/office/drawing/2014/main" id="{1347B09E-7834-DA4F-8069-D23F00934E41}"/>
               </a:ext>
             </a:extLst>
           </p:cNvPr>
@@ -32632,7 +32540,7 @@
           <p:cNvPr id="2" name="Title Placeholder 1">
             <a:extLst>
               <a:ext uri="{FF2B5EF4-FFF2-40B4-BE49-F238E27FC236}">
-                <a16:creationId xmlns:a16="http://schemas.microsoft.com/office/drawing/2014/main" xmlns="" id="{EA88CB77-1E72-824D-B3D4-56F1E9E4F43C}"/>
+                <a16:creationId xmlns:a16="http://schemas.microsoft.com/office/drawing/2014/main" id="{EA88CB77-1E72-824D-B3D4-56F1E9E4F43C}"/>
               </a:ext>
             </a:extLst>
           </p:cNvPr>
@@ -32670,7 +32578,7 @@
           <p:cNvPr id="3" name="Text Placeholder 2">
             <a:extLst>
               <a:ext uri="{FF2B5EF4-FFF2-40B4-BE49-F238E27FC236}">
-                <a16:creationId xmlns:a16="http://schemas.microsoft.com/office/drawing/2014/main" xmlns="" id="{468EC10F-208E-0147-97A6-B8FBD50313BF}"/>
+                <a16:creationId xmlns:a16="http://schemas.microsoft.com/office/drawing/2014/main" id="{468EC10F-208E-0147-97A6-B8FBD50313BF}"/>
               </a:ext>
             </a:extLst>
           </p:cNvPr>
@@ -32737,7 +32645,7 @@
           <p:cNvPr id="4" name="Date Placeholder 3">
             <a:extLst>
               <a:ext uri="{FF2B5EF4-FFF2-40B4-BE49-F238E27FC236}">
-                <a16:creationId xmlns:a16="http://schemas.microsoft.com/office/drawing/2014/main" xmlns="" id="{6F7F3240-3BC2-2D40-AB4A-C4FF968573D7}"/>
+                <a16:creationId xmlns:a16="http://schemas.microsoft.com/office/drawing/2014/main" id="{6F7F3240-3BC2-2D40-AB4A-C4FF968573D7}"/>
               </a:ext>
             </a:extLst>
           </p:cNvPr>
@@ -32773,7 +32681,7 @@
           <a:p>
             <a:fld id="{87B830A7-0C15-4F6E-81FE-DDB0DAA966ED}" type="datetime1">
               <a:rPr lang="en-US" smtClean="0"/>
-              <a:t>7/25/2019</a:t>
+              <a:t>2/13/2023</a:t>
             </a:fld>
             <a:endParaRPr lang="en-US" dirty="0"/>
           </a:p>
@@ -32784,7 +32692,7 @@
           <p:cNvPr id="5" name="Footer Placeholder 4">
             <a:extLst>
               <a:ext uri="{FF2B5EF4-FFF2-40B4-BE49-F238E27FC236}">
-                <a16:creationId xmlns:a16="http://schemas.microsoft.com/office/drawing/2014/main" xmlns="" id="{FA4FCE7A-5A6C-E449-85F9-C7D6F8357022}"/>
+                <a16:creationId xmlns:a16="http://schemas.microsoft.com/office/drawing/2014/main" id="{FA4FCE7A-5A6C-E449-85F9-C7D6F8357022}"/>
               </a:ext>
             </a:extLst>
           </p:cNvPr>
@@ -32827,7 +32735,7 @@
           <p:cNvPr id="6" name="Slide Number Placeholder 5">
             <a:extLst>
               <a:ext uri="{FF2B5EF4-FFF2-40B4-BE49-F238E27FC236}">
-                <a16:creationId xmlns:a16="http://schemas.microsoft.com/office/drawing/2014/main" xmlns="" id="{E557A773-AC90-5044-90E9-B1CF0D0BE80D}"/>
+                <a16:creationId xmlns:a16="http://schemas.microsoft.com/office/drawing/2014/main" id="{E557A773-AC90-5044-90E9-B1CF0D0BE80D}"/>
               </a:ext>
             </a:extLst>
           </p:cNvPr>
@@ -33201,7 +33109,7 @@
           <p:cNvPr id="2" name="Title Placeholder 1">
             <a:extLst>
               <a:ext uri="{FF2B5EF4-FFF2-40B4-BE49-F238E27FC236}">
-                <a16:creationId xmlns:a16="http://schemas.microsoft.com/office/drawing/2014/main" xmlns="" id="{210F24C7-54C1-2E4E-9E15-603AEC5BB8A7}"/>
+                <a16:creationId xmlns:a16="http://schemas.microsoft.com/office/drawing/2014/main" id="{210F24C7-54C1-2E4E-9E15-603AEC5BB8A7}"/>
               </a:ext>
             </a:extLst>
           </p:cNvPr>
@@ -33239,7 +33147,7 @@
           <p:cNvPr id="16" name="Rectangle 15">
             <a:extLst>
               <a:ext uri="{FF2B5EF4-FFF2-40B4-BE49-F238E27FC236}">
-                <a16:creationId xmlns:a16="http://schemas.microsoft.com/office/drawing/2014/main" xmlns="" id="{704A8B77-1367-B04D-9027-A0FE3FB9A295}"/>
+                <a16:creationId xmlns:a16="http://schemas.microsoft.com/office/drawing/2014/main" id="{704A8B77-1367-B04D-9027-A0FE3FB9A295}"/>
               </a:ext>
             </a:extLst>
           </p:cNvPr>
@@ -33301,7 +33209,7 @@
           <p:cNvPr id="17" name="Picture 16">
             <a:extLst>
               <a:ext uri="{FF2B5EF4-FFF2-40B4-BE49-F238E27FC236}">
-                <a16:creationId xmlns:a16="http://schemas.microsoft.com/office/drawing/2014/main" xmlns="" id="{3F8EAD30-43C4-3247-B11A-C4F72EB11537}"/>
+                <a16:creationId xmlns:a16="http://schemas.microsoft.com/office/drawing/2014/main" id="{3F8EAD30-43C4-3247-B11A-C4F72EB11537}"/>
               </a:ext>
             </a:extLst>
           </p:cNvPr>
@@ -33330,7 +33238,7 @@
           <p:cNvPr id="18" name="TextBox 17">
             <a:extLst>
               <a:ext uri="{FF2B5EF4-FFF2-40B4-BE49-F238E27FC236}">
-                <a16:creationId xmlns:a16="http://schemas.microsoft.com/office/drawing/2014/main" xmlns="" id="{4B6228ED-838E-704B-ADD5-DCDA5F148705}"/>
+                <a16:creationId xmlns:a16="http://schemas.microsoft.com/office/drawing/2014/main" id="{4B6228ED-838E-704B-ADD5-DCDA5F148705}"/>
               </a:ext>
             </a:extLst>
           </p:cNvPr>
@@ -33391,7 +33299,7 @@
           <p:cNvPr id="19" name="Date Placeholder 14">
             <a:extLst>
               <a:ext uri="{FF2B5EF4-FFF2-40B4-BE49-F238E27FC236}">
-                <a16:creationId xmlns:a16="http://schemas.microsoft.com/office/drawing/2014/main" xmlns="" id="{5E9891BD-8B5B-3743-8E54-7E6AED7A954C}"/>
+                <a16:creationId xmlns:a16="http://schemas.microsoft.com/office/drawing/2014/main" id="{5E9891BD-8B5B-3743-8E54-7E6AED7A954C}"/>
               </a:ext>
             </a:extLst>
           </p:cNvPr>
@@ -33425,7 +33333,7 @@
           <a:p>
             <a:fld id="{F0C99D87-AFAD-4B11-8D22-9469FA50E3E6}" type="datetime1">
               <a:rPr lang="en-US" smtClean="0"/>
-              <a:t>7/25/2019</a:t>
+              <a:t>2/13/2023</a:t>
             </a:fld>
             <a:endParaRPr lang="en-US" dirty="0"/>
           </a:p>
@@ -33436,7 +33344,7 @@
           <p:cNvPr id="20" name="Slide Number Placeholder 6">
             <a:extLst>
               <a:ext uri="{FF2B5EF4-FFF2-40B4-BE49-F238E27FC236}">
-                <a16:creationId xmlns:a16="http://schemas.microsoft.com/office/drawing/2014/main" xmlns="" id="{4210031E-7CCB-FE4D-BBF1-261BBED1588D}"/>
+                <a16:creationId xmlns:a16="http://schemas.microsoft.com/office/drawing/2014/main" id="{4210031E-7CCB-FE4D-BBF1-261BBED1588D}"/>
               </a:ext>
             </a:extLst>
           </p:cNvPr>
@@ -33818,7 +33726,7 @@
           <p:cNvPr id="8" name="Text Placeholder 7">
             <a:extLst>
               <a:ext uri="{FF2B5EF4-FFF2-40B4-BE49-F238E27FC236}">
-                <a16:creationId xmlns:a16="http://schemas.microsoft.com/office/drawing/2014/main" xmlns="" id="{D1ACAD02-4527-BB4B-B170-AD2241F08FEA}"/>
+                <a16:creationId xmlns:a16="http://schemas.microsoft.com/office/drawing/2014/main" id="{D1ACAD02-4527-BB4B-B170-AD2241F08FEA}"/>
               </a:ext>
             </a:extLst>
           </p:cNvPr>
@@ -33842,43 +33750,9 @@
           <a:lstStyle/>
           <a:p>
             <a:r>
-              <a:rPr lang="en-US" dirty="0" smtClean="0"/>
-              <a:t>Web Test Automation Idea &amp; </a:t>
+              <a:rPr lang="en-US" dirty="0"/>
+              <a:t>Web Test Automation Idea &amp; Implementation thru Katalon Studio</a:t>
             </a:r>
-            <a:r>
-              <a:rPr lang="en-US" dirty="0" smtClean="0"/>
-              <a:t>Implementation thru Katalon Studio</a:t>
-            </a:r>
-            <a:endParaRPr lang="en-US" dirty="0"/>
-          </a:p>
-        </p:txBody>
-      </p:sp>
-      <p:sp>
-        <p:nvSpPr>
-          <p:cNvPr id="9" name="Text Placeholder 8">
-            <a:extLst>
-              <a:ext uri="{FF2B5EF4-FFF2-40B4-BE49-F238E27FC236}">
-                <a16:creationId xmlns:a16="http://schemas.microsoft.com/office/drawing/2014/main" xmlns="" id="{8F0BEED6-0AEA-0341-B51D-8AA5473C9D43}"/>
-              </a:ext>
-            </a:extLst>
-          </p:cNvPr>
-          <p:cNvSpPr>
-            <a:spLocks noGrp="1"/>
-          </p:cNvSpPr>
-          <p:nvPr>
-            <p:ph type="body" sz="quarter" idx="11"/>
-          </p:nvPr>
-        </p:nvSpPr>
-        <p:spPr/>
-        <p:txBody>
-          <a:bodyPr/>
-          <a:lstStyle/>
-          <a:p>
-            <a:r>
-              <a:rPr lang="en-US" dirty="0" smtClean="0"/>
-              <a:t>June 2019</a:t>
-            </a:r>
-            <a:endParaRPr lang="en-US" dirty="0"/>
           </a:p>
         </p:txBody>
       </p:sp>
@@ -33892,13 +33766,6 @@
   <p:clrMapOvr>
     <a:masterClrMapping/>
   </p:clrMapOvr>
-  <p:timing>
-    <p:tnLst>
-      <p:par>
-        <p:cTn id="1" dur="indefinite" restart="never" nodeType="tmRoot"/>
-      </p:par>
-    </p:tnLst>
-  </p:timing>
 </p:sld>
 </file>
 
@@ -33924,7 +33791,7 @@
           <p:cNvPr id="6" name="Title 5">
             <a:extLst>
               <a:ext uri="{FF2B5EF4-FFF2-40B4-BE49-F238E27FC236}">
-                <a16:creationId xmlns:a16="http://schemas.microsoft.com/office/drawing/2014/main" xmlns="" id="{7AF3C5B0-406E-4512-91A0-00736F9C21C3}"/>
+                <a16:creationId xmlns:a16="http://schemas.microsoft.com/office/drawing/2014/main" id="{7AF3C5B0-406E-4512-91A0-00736F9C21C3}"/>
               </a:ext>
             </a:extLst>
           </p:cNvPr>
@@ -33946,10 +33813,9 @@
           <a:lstStyle/>
           <a:p>
             <a:r>
-              <a:rPr lang="en-US" dirty="0" smtClean="0"/>
+              <a:rPr lang="en-US" dirty="0"/>
               <a:t>POC Detail</a:t>
             </a:r>
-            <a:endParaRPr lang="en-US" dirty="0"/>
           </a:p>
         </p:txBody>
       </p:sp>
@@ -34061,7 +33927,7 @@
                 </a:spcAft>
               </a:pPr>
               <a:r>
-                <a:rPr lang="en-US" sz="1500" b="1" kern="1200" dirty="0" smtClean="0">
+                <a:rPr lang="en-US" sz="1500" b="1" kern="1200" dirty="0">
                   <a:solidFill>
                     <a:schemeClr val="tx1"/>
                   </a:solidFill>
@@ -34099,13 +33965,6 @@
       </p:transition>
     </mc:Fallback>
   </mc:AlternateContent>
-  <p:timing>
-    <p:tnLst>
-      <p:par>
-        <p:cTn id="1" dur="indefinite" restart="never" nodeType="tmRoot"/>
-      </p:par>
-    </p:tnLst>
-  </p:timing>
 </p:sld>
 </file>
 
@@ -34131,7 +33990,7 @@
           <p:cNvPr id="6" name="Text Placeholder 5">
             <a:extLst>
               <a:ext uri="{FF2B5EF4-FFF2-40B4-BE49-F238E27FC236}">
-                <a16:creationId xmlns:a16="http://schemas.microsoft.com/office/drawing/2014/main" xmlns="" id="{93AABD03-5BAA-1B4C-97DE-B92E4A699F7E}"/>
+                <a16:creationId xmlns:a16="http://schemas.microsoft.com/office/drawing/2014/main" id="{93AABD03-5BAA-1B4C-97DE-B92E4A699F7E}"/>
               </a:ext>
             </a:extLst>
           </p:cNvPr>
@@ -34164,13 +34023,6 @@
   <p:clrMapOvr>
     <a:masterClrMapping/>
   </p:clrMapOvr>
-  <p:timing>
-    <p:tnLst>
-      <p:par>
-        <p:cTn id="1" dur="indefinite" restart="never" nodeType="tmRoot"/>
-      </p:par>
-    </p:tnLst>
-  </p:timing>
 </p:sld>
 </file>
 
@@ -34285,7 +34137,7 @@
                 </a:spcAft>
               </a:pPr>
               <a:r>
-                <a:rPr lang="en-US" sz="1500" b="1" kern="1200" dirty="0" smtClean="0">
+                <a:rPr lang="en-US" sz="1500" b="1" kern="1200" dirty="0">
                   <a:solidFill>
                     <a:schemeClr val="tx1"/>
                   </a:solidFill>
@@ -34395,7 +34247,7 @@
                 </a:spcAft>
               </a:pPr>
               <a:r>
-                <a:rPr lang="en-US" sz="1500" b="1" dirty="0" smtClean="0">
+                <a:rPr lang="en-US" sz="1500" b="1" dirty="0">
                   <a:solidFill>
                     <a:schemeClr val="tx1"/>
                   </a:solidFill>
@@ -35038,7 +34890,7 @@
                   </a:spcAft>
                 </a:pPr>
                 <a:r>
-                  <a:rPr lang="en-US" sz="1500" b="1" kern="1200" dirty="0" smtClean="0">
+                  <a:rPr lang="en-US" sz="1500" b="1" kern="1200" dirty="0">
                     <a:solidFill>
                       <a:schemeClr val="tx1"/>
                     </a:solidFill>
@@ -35281,18 +35133,13 @@
                   </a:spcAft>
                 </a:pPr>
                 <a:r>
-                  <a:rPr lang="en-US" sz="1500" b="1" dirty="0" smtClean="0">
+                  <a:rPr lang="en-US" sz="1500" b="1" dirty="0">
                     <a:solidFill>
                       <a:schemeClr val="tx1"/>
                     </a:solidFill>
                   </a:rPr>
                   <a:t>Email Notification</a:t>
                 </a:r>
-                <a:endParaRPr lang="en-US" sz="1500" b="1" dirty="0">
-                  <a:solidFill>
-                    <a:schemeClr val="tx1"/>
-                  </a:solidFill>
-                </a:endParaRPr>
               </a:p>
             </p:txBody>
           </p:sp>
@@ -35405,18 +35252,13 @@
                   </a:spcAft>
                 </a:pPr>
                 <a:r>
-                  <a:rPr lang="en-US" sz="1500" b="1" dirty="0" smtClean="0">
+                  <a:rPr lang="en-US" sz="1500" b="1" dirty="0">
                     <a:solidFill>
                       <a:schemeClr val="tx1"/>
                     </a:solidFill>
                   </a:rPr>
                   <a:t>Integration</a:t>
                 </a:r>
-                <a:endParaRPr lang="en-US" sz="1500" b="1" dirty="0">
-                  <a:solidFill>
-                    <a:schemeClr val="tx1"/>
-                  </a:solidFill>
-                </a:endParaRPr>
               </a:p>
             </p:txBody>
           </p:sp>
@@ -35529,18 +35371,13 @@
                   </a:spcAft>
                 </a:pPr>
                 <a:r>
-                  <a:rPr lang="en-US" sz="1500" b="1" dirty="0" smtClean="0">
+                  <a:rPr lang="en-US" sz="1500" b="1" dirty="0">
                     <a:solidFill>
                       <a:schemeClr val="tx1"/>
                     </a:solidFill>
                   </a:rPr>
                   <a:t>Regression Test Case Reporting</a:t>
                 </a:r>
-                <a:endParaRPr lang="en-US" sz="1500" b="1" dirty="0">
-                  <a:solidFill>
-                    <a:schemeClr val="tx1"/>
-                  </a:solidFill>
-                </a:endParaRPr>
               </a:p>
             </p:txBody>
           </p:sp>
@@ -35653,18 +35490,13 @@
                   </a:spcAft>
                 </a:pPr>
                 <a:r>
-                  <a:rPr lang="en-US" sz="1500" b="1" dirty="0" smtClean="0">
+                  <a:rPr lang="en-US" sz="1500" b="1" dirty="0">
                     <a:solidFill>
                       <a:schemeClr val="tx1"/>
                     </a:solidFill>
                   </a:rPr>
                   <a:t>Data Driven</a:t>
                 </a:r>
-                <a:endParaRPr lang="en-US" sz="1500" b="1" dirty="0">
-                  <a:solidFill>
-                    <a:schemeClr val="tx1"/>
-                  </a:solidFill>
-                </a:endParaRPr>
               </a:p>
             </p:txBody>
           </p:sp>
@@ -35777,18 +35609,13 @@
                   </a:spcAft>
                 </a:pPr>
                 <a:r>
-                  <a:rPr lang="en-US" sz="1500" b="1" dirty="0" smtClean="0">
+                  <a:rPr lang="en-US" sz="1500" b="1" dirty="0">
                     <a:solidFill>
                       <a:schemeClr val="tx1"/>
                     </a:solidFill>
                   </a:rPr>
                   <a:t>Resources with 0% Programming Skills</a:t>
                 </a:r>
-                <a:endParaRPr lang="en-US" sz="1500" b="1" dirty="0">
-                  <a:solidFill>
-                    <a:schemeClr val="tx1"/>
-                  </a:solidFill>
-                </a:endParaRPr>
               </a:p>
             </p:txBody>
           </p:sp>
@@ -35888,7 +35715,7 @@
                 </a:spcAft>
               </a:pPr>
               <a:r>
-                <a:rPr lang="en-US" sz="1500" b="1" kern="1200" dirty="0" smtClean="0">
+                <a:rPr lang="en-US" sz="1500" b="1" kern="1200" dirty="0">
                   <a:solidFill>
                     <a:schemeClr val="tx1"/>
                   </a:solidFill>
@@ -36019,7 +35846,7 @@
                 </a:spcAft>
               </a:pPr>
               <a:r>
-                <a:rPr lang="en-US" sz="1500" b="1" kern="1200" dirty="0" smtClean="0">
+                <a:rPr lang="en-US" sz="1500" b="1" kern="1200" dirty="0">
                   <a:solidFill>
                     <a:schemeClr val="tx1"/>
                   </a:solidFill>
@@ -36121,7 +35948,6 @@
                 <a:rPr lang="en-US" sz="1600" b="1" dirty="0"/>
                 <a:t>POC – Web Automated Regression Testing by Katalon Studio</a:t>
               </a:r>
-              <a:endParaRPr lang="en-US" sz="1600" b="1" dirty="0"/>
             </a:p>
           </p:txBody>
         </p:sp>
@@ -36241,7 +36067,7 @@
                 </a:spcAft>
               </a:pPr>
               <a:r>
-                <a:rPr lang="en-US" sz="1500" b="1" kern="1200" dirty="0" smtClean="0">
+                <a:rPr lang="en-US" sz="1500" b="1" kern="1200" dirty="0">
                   <a:solidFill>
                     <a:schemeClr val="tx1"/>
                   </a:solidFill>
@@ -36372,7 +36198,7 @@
                 </a:spcAft>
               </a:pPr>
               <a:r>
-                <a:rPr lang="en-US" sz="1500" b="1" kern="1200" dirty="0" smtClean="0">
+                <a:rPr lang="en-US" sz="1500" b="1" kern="1200" dirty="0">
                   <a:solidFill>
                     <a:schemeClr val="tx1"/>
                   </a:solidFill>
@@ -36980,10 +36806,9 @@
           <a:lstStyle/>
           <a:p>
             <a:r>
-              <a:rPr lang="en-US" dirty="0" smtClean="0"/>
+              <a:rPr lang="en-US" dirty="0"/>
               <a:t>Contents</a:t>
             </a:r>
-            <a:endParaRPr lang="en-US" dirty="0"/>
           </a:p>
         </p:txBody>
       </p:sp>
@@ -37100,7 +36925,7 @@
                 </a:spcAft>
               </a:pPr>
               <a:r>
-                <a:rPr lang="en-US" sz="1500" b="1" kern="1200" dirty="0" smtClean="0">
+                <a:rPr lang="en-US" sz="1500" b="1" kern="1200" dirty="0">
                   <a:solidFill>
                     <a:schemeClr val="tx1"/>
                   </a:solidFill>
@@ -37229,7 +37054,7 @@
                 </a:spcAft>
               </a:pPr>
               <a:r>
-                <a:rPr lang="en-US" sz="1500" b="1" kern="1200" dirty="0" smtClean="0">
+                <a:rPr lang="en-US" sz="1500" b="1" kern="1200" dirty="0">
                   <a:solidFill>
                     <a:schemeClr val="tx1"/>
                   </a:solidFill>
@@ -37358,7 +37183,7 @@
                 </a:spcAft>
               </a:pPr>
               <a:r>
-                <a:rPr lang="en-US" sz="1500" b="1" kern="1200" dirty="0" smtClean="0">
+                <a:rPr lang="en-US" sz="1500" b="1" kern="1200" dirty="0">
                   <a:solidFill>
                     <a:schemeClr val="tx1"/>
                   </a:solidFill>
@@ -37487,7 +37312,7 @@
                 </a:spcAft>
               </a:pPr>
               <a:r>
-                <a:rPr lang="en-US" sz="1500" b="1" kern="1200" dirty="0" smtClean="0">
+                <a:rPr lang="en-US" sz="1500" b="1" kern="1200" dirty="0">
                   <a:solidFill>
                     <a:schemeClr val="tx1"/>
                   </a:solidFill>
@@ -37616,7 +37441,7 @@
                 </a:spcAft>
               </a:pPr>
               <a:r>
-                <a:rPr lang="en-US" sz="1500" b="1" kern="1200" dirty="0" smtClean="0">
+                <a:rPr lang="en-US" sz="1500" b="1" kern="1200" dirty="0">
                   <a:solidFill>
                     <a:schemeClr val="tx1"/>
                   </a:solidFill>
@@ -37745,7 +37570,7 @@
                 </a:spcAft>
               </a:pPr>
               <a:r>
-                <a:rPr lang="en-US" sz="1500" b="1" kern="1200" dirty="0" smtClean="0">
+                <a:rPr lang="en-US" sz="1500" b="1" kern="1200" dirty="0">
                   <a:solidFill>
                     <a:schemeClr val="tx1"/>
                   </a:solidFill>
@@ -37783,13 +37608,6 @@
       </p:transition>
     </mc:Fallback>
   </mc:AlternateContent>
-  <p:timing>
-    <p:tnLst>
-      <p:par>
-        <p:cTn id="1" dur="indefinite" restart="never" nodeType="tmRoot"/>
-      </p:par>
-    </p:tnLst>
-  </p:timing>
 </p:sld>
 </file>
 
@@ -37815,7 +37633,7 @@
           <p:cNvPr id="6" name="Title 5">
             <a:extLst>
               <a:ext uri="{FF2B5EF4-FFF2-40B4-BE49-F238E27FC236}">
-                <a16:creationId xmlns:a16="http://schemas.microsoft.com/office/drawing/2014/main" xmlns="" id="{7AF3C5B0-406E-4512-91A0-00736F9C21C3}"/>
+                <a16:creationId xmlns:a16="http://schemas.microsoft.com/office/drawing/2014/main" id="{7AF3C5B0-406E-4512-91A0-00736F9C21C3}"/>
               </a:ext>
             </a:extLst>
           </p:cNvPr>
@@ -37837,10 +37655,9 @@
           <a:lstStyle/>
           <a:p>
             <a:r>
-              <a:rPr lang="en-US" dirty="0" smtClean="0"/>
+              <a:rPr lang="en-US" dirty="0"/>
               <a:t>Problem Statement</a:t>
             </a:r>
-            <a:endParaRPr lang="en-US" dirty="0"/>
           </a:p>
         </p:txBody>
       </p:sp>
@@ -37957,7 +37774,7 @@
                 </a:spcAft>
               </a:pPr>
               <a:r>
-                <a:rPr lang="en-US" sz="1600" b="1" kern="1200" dirty="0" smtClean="0">
+                <a:rPr lang="en-US" sz="1600" b="1" kern="1200" dirty="0">
                   <a:solidFill>
                     <a:schemeClr val="bg1"/>
                   </a:solidFill>
@@ -38081,7 +37898,7 @@
                 </a:spcAft>
               </a:pPr>
               <a:r>
-                <a:rPr lang="en-US" sz="1500" b="1" kern="1200" dirty="0" smtClean="0">
+                <a:rPr lang="en-US" sz="1500" b="1" kern="1200" dirty="0">
                   <a:solidFill>
                     <a:schemeClr val="tx1"/>
                   </a:solidFill>
@@ -38205,7 +38022,7 @@
                 </a:spcAft>
               </a:pPr>
               <a:r>
-                <a:rPr lang="en-US" sz="1500" b="1" kern="1200" dirty="0" smtClean="0">
+                <a:rPr lang="en-US" sz="1500" b="1" kern="1200" dirty="0">
                   <a:solidFill>
                     <a:schemeClr val="tx1"/>
                   </a:solidFill>
@@ -38329,7 +38146,7 @@
                 </a:spcAft>
               </a:pPr>
               <a:r>
-                <a:rPr lang="en-US" sz="1500" b="1" dirty="0" smtClean="0">
+                <a:rPr lang="en-US" sz="1500" b="1" dirty="0">
                   <a:solidFill>
                     <a:schemeClr val="tx1"/>
                   </a:solidFill>
@@ -38458,7 +38275,7 @@
                 </a:spcAft>
               </a:pPr>
               <a:r>
-                <a:rPr lang="en-US" sz="1600" b="1" kern="1200" dirty="0" smtClean="0">
+                <a:rPr lang="en-US" sz="1600" b="1" kern="1200" dirty="0">
                   <a:solidFill>
                     <a:schemeClr val="bg1"/>
                   </a:solidFill>
@@ -38466,7 +38283,7 @@
                 <a:t>High Viscosity between application layers </a:t>
               </a:r>
               <a:r>
-                <a:rPr lang="en-US" sz="1400" b="1" kern="1200" dirty="0" smtClean="0">
+                <a:rPr lang="en-US" sz="1400" b="1" kern="1200" dirty="0">
                   <a:solidFill>
                     <a:srgbClr val="FFFF00"/>
                   </a:solidFill>
@@ -38595,20 +38412,12 @@
                 </a:spcAft>
               </a:pPr>
               <a:r>
-                <a:rPr lang="en-US" sz="1600" b="1" dirty="0" smtClean="0">
-                  <a:solidFill>
-                    <a:schemeClr val="bg1"/>
-                  </a:solidFill>
-                </a:rPr>
-                <a:t>High </a:t>
-              </a:r>
-              <a:r>
                 <a:rPr lang="en-US" sz="1600" b="1" dirty="0">
                   <a:solidFill>
                     <a:schemeClr val="bg1"/>
                   </a:solidFill>
                 </a:rPr>
-                <a:t>Impact Level even for small change in System</a:t>
+                <a:t>High Impact Level even for small change in System</a:t>
               </a:r>
               <a:endParaRPr lang="en-US" sz="1600" dirty="0">
                 <a:solidFill>
@@ -38732,7 +38541,7 @@
                 </a:spcAft>
               </a:pPr>
               <a:r>
-                <a:rPr lang="en-US" sz="1600" b="1" dirty="0" smtClean="0">
+                <a:rPr lang="en-US" sz="1600" b="1" dirty="0">
                   <a:solidFill>
                     <a:schemeClr val="bg1"/>
                   </a:solidFill>
@@ -38861,7 +38670,7 @@
                 </a:spcAft>
               </a:pPr>
               <a:r>
-                <a:rPr lang="en-US" sz="1600" b="1" dirty="0" smtClean="0">
+                <a:rPr lang="en-US" sz="1600" b="1" dirty="0">
                   <a:solidFill>
                     <a:schemeClr val="bg1"/>
                   </a:solidFill>
@@ -38990,7 +38799,7 @@
                 </a:spcAft>
               </a:pPr>
               <a:r>
-                <a:rPr lang="en-US" sz="1600" b="1" dirty="0" smtClean="0">
+                <a:rPr lang="en-US" sz="1600" b="1" dirty="0">
                   <a:solidFill>
                     <a:schemeClr val="bg1"/>
                   </a:solidFill>
@@ -39114,7 +38923,7 @@
                 </a:spcAft>
               </a:pPr>
               <a:r>
-                <a:rPr lang="en-US" sz="1500" b="1" dirty="0" smtClean="0">
+                <a:rPr lang="en-US" sz="1500" b="1" dirty="0">
                   <a:solidFill>
                     <a:schemeClr val="tx1"/>
                   </a:solidFill>
@@ -39243,7 +39052,7 @@
                 </a:spcAft>
               </a:pPr>
               <a:r>
-                <a:rPr lang="en-US" sz="1600" b="1" dirty="0" smtClean="0">
+                <a:rPr lang="en-US" sz="1600" b="1" dirty="0">
                   <a:solidFill>
                     <a:schemeClr val="bg1"/>
                   </a:solidFill>
@@ -39372,7 +39181,7 @@
                 </a:spcAft>
               </a:pPr>
               <a:r>
-                <a:rPr lang="en-US" sz="1600" b="1" dirty="0" smtClean="0">
+                <a:rPr lang="en-US" sz="1600" b="1" dirty="0">
                   <a:solidFill>
                     <a:schemeClr val="bg1"/>
                   </a:solidFill>
@@ -39566,13 +39375,6 @@
       </p:transition>
     </mc:Fallback>
   </mc:AlternateContent>
-  <p:timing>
-    <p:tnLst>
-      <p:par>
-        <p:cTn id="1" dur="indefinite" restart="never" nodeType="tmRoot"/>
-      </p:par>
-    </p:tnLst>
-  </p:timing>
 </p:sld>
 </file>
 
@@ -39818,13 +39620,6 @@
       </p:transition>
     </mc:Fallback>
   </mc:AlternateContent>
-  <p:timing>
-    <p:tnLst>
-      <p:par>
-        <p:cTn id="1" dur="indefinite" restart="never" nodeType="tmRoot"/>
-      </p:par>
-    </p:tnLst>
-  </p:timing>
 </p:sld>
 </file>
 
@@ -39850,7 +39645,7 @@
           <p:cNvPr id="6" name="Title 5">
             <a:extLst>
               <a:ext uri="{FF2B5EF4-FFF2-40B4-BE49-F238E27FC236}">
-                <a16:creationId xmlns:a16="http://schemas.microsoft.com/office/drawing/2014/main" xmlns="" id="{7AF3C5B0-406E-4512-91A0-00736F9C21C3}"/>
+                <a16:creationId xmlns:a16="http://schemas.microsoft.com/office/drawing/2014/main" id="{7AF3C5B0-406E-4512-91A0-00736F9C21C3}"/>
               </a:ext>
             </a:extLst>
           </p:cNvPr>
@@ -39872,10 +39667,9 @@
           <a:lstStyle/>
           <a:p>
             <a:r>
-              <a:rPr lang="en-US" dirty="0" smtClean="0"/>
+              <a:rPr lang="en-US" dirty="0"/>
               <a:t>Solution &amp; Justification</a:t>
             </a:r>
-            <a:endParaRPr lang="en-US" dirty="0"/>
           </a:p>
         </p:txBody>
       </p:sp>
@@ -39973,7 +39767,7 @@
                 </a:spcAft>
               </a:pPr>
               <a:r>
-                <a:rPr lang="en-US" sz="1500" b="1" kern="1200" dirty="0" smtClean="0">
+                <a:rPr lang="en-US" sz="1500" b="1" kern="1200" dirty="0">
                   <a:solidFill>
                     <a:schemeClr val="tx1"/>
                   </a:solidFill>
@@ -40083,7 +39877,7 @@
                 </a:spcAft>
               </a:pPr>
               <a:r>
-                <a:rPr lang="en-US" sz="1500" b="1" kern="1200" dirty="0" smtClean="0">
+                <a:rPr lang="en-US" sz="1500" b="1" kern="1200" dirty="0">
                   <a:solidFill>
                     <a:schemeClr val="tx1"/>
                   </a:solidFill>
@@ -40193,7 +39987,7 @@
                 </a:spcAft>
               </a:pPr>
               <a:r>
-                <a:rPr lang="en-US" sz="1500" b="1" kern="1200" dirty="0" smtClean="0">
+                <a:rPr lang="en-US" sz="1500" b="1" kern="1200" dirty="0">
                   <a:solidFill>
                     <a:schemeClr val="tx1"/>
                   </a:solidFill>
@@ -40324,7 +40118,7 @@
                 </a:spcAft>
               </a:pPr>
               <a:r>
-                <a:rPr lang="en-US" sz="1500" b="1" kern="1200" dirty="0" smtClean="0">
+                <a:rPr lang="en-US" sz="1500" b="1" kern="1200" dirty="0">
                   <a:solidFill>
                     <a:schemeClr val="tx1"/>
                   </a:solidFill>
@@ -40455,7 +40249,7 @@
                 </a:spcAft>
               </a:pPr>
               <a:r>
-                <a:rPr lang="en-US" sz="1500" b="1" kern="1200" dirty="0" smtClean="0">
+                <a:rPr lang="en-US" sz="1500" b="1" kern="1200" dirty="0">
                   <a:solidFill>
                     <a:schemeClr val="tx1"/>
                   </a:solidFill>
@@ -41098,20 +40892,12 @@
                   </a:spcAft>
                 </a:pPr>
                 <a:r>
-                  <a:rPr lang="en-US" sz="1500" b="1" kern="1200" dirty="0" smtClean="0">
+                  <a:rPr lang="en-US" sz="1500" b="1" kern="1200" dirty="0">
                     <a:solidFill>
                       <a:schemeClr val="tx1"/>
                     </a:solidFill>
                   </a:rPr>
-                  <a:t>0% Coding </a:t>
-                </a:r>
-                <a:r>
-                  <a:rPr lang="en-US" sz="1500" b="1" kern="1200" dirty="0" smtClean="0">
-                    <a:solidFill>
-                      <a:schemeClr val="tx1"/>
-                    </a:solidFill>
-                  </a:rPr>
-                  <a:t>Effort &amp; Easy to set up</a:t>
+                  <a:t>0% Coding Effort &amp; Easy to set up</a:t>
                 </a:r>
                 <a:endParaRPr lang="en-US" sz="1500" kern="1200" dirty="0">
                   <a:solidFill>
@@ -41235,23 +41021,7 @@
                       <a:schemeClr val="tx1"/>
                     </a:solidFill>
                   </a:rPr>
-                  <a:t>Fastest </a:t>
-                </a:r>
-                <a:r>
-                  <a:rPr lang="en-US" sz="1500" b="1" dirty="0" smtClean="0">
-                    <a:solidFill>
-                      <a:schemeClr val="tx1"/>
-                    </a:solidFill>
-                  </a:rPr>
-                  <a:t>&amp; Scalable Test </a:t>
-                </a:r>
-                <a:r>
-                  <a:rPr lang="en-US" sz="1500" b="1" dirty="0">
-                    <a:solidFill>
-                      <a:schemeClr val="tx1"/>
-                    </a:solidFill>
-                  </a:rPr>
-                  <a:t>Case Preparation</a:t>
+                  <a:t>Fastest &amp; Scalable Test Case Preparation</a:t>
                 </a:r>
               </a:p>
             </p:txBody>
@@ -41365,18 +41135,13 @@
                   </a:spcAft>
                 </a:pPr>
                 <a:r>
-                  <a:rPr lang="en-US" sz="1500" b="1" dirty="0" smtClean="0">
+                  <a:rPr lang="en-US" sz="1500" b="1" dirty="0">
                     <a:solidFill>
                       <a:schemeClr val="tx1"/>
                     </a:solidFill>
                   </a:rPr>
                   <a:t>Email Notification</a:t>
                 </a:r>
-                <a:endParaRPr lang="en-US" sz="1500" b="1" dirty="0">
-                  <a:solidFill>
-                    <a:schemeClr val="tx1"/>
-                  </a:solidFill>
-                </a:endParaRPr>
               </a:p>
             </p:txBody>
           </p:sp>
@@ -41489,18 +41254,13 @@
                   </a:spcAft>
                 </a:pPr>
                 <a:r>
-                  <a:rPr lang="en-US" sz="1500" b="1" dirty="0" smtClean="0">
+                  <a:rPr lang="en-US" sz="1500" b="1" dirty="0">
                     <a:solidFill>
                       <a:schemeClr val="tx1"/>
                     </a:solidFill>
                   </a:rPr>
                   <a:t>Integration</a:t>
                 </a:r>
-                <a:endParaRPr lang="en-US" sz="1500" b="1" dirty="0">
-                  <a:solidFill>
-                    <a:schemeClr val="tx1"/>
-                  </a:solidFill>
-                </a:endParaRPr>
               </a:p>
             </p:txBody>
           </p:sp>
@@ -41613,18 +41373,13 @@
                   </a:spcAft>
                 </a:pPr>
                 <a:r>
-                  <a:rPr lang="en-US" sz="1500" b="1" dirty="0" smtClean="0">
+                  <a:rPr lang="en-US" sz="1500" b="1" dirty="0">
                     <a:solidFill>
                       <a:schemeClr val="tx1"/>
                     </a:solidFill>
                   </a:rPr>
                   <a:t>Regression Test Case Reporting</a:t>
                 </a:r>
-                <a:endParaRPr lang="en-US" sz="1500" b="1" dirty="0">
-                  <a:solidFill>
-                    <a:schemeClr val="tx1"/>
-                  </a:solidFill>
-                </a:endParaRPr>
               </a:p>
             </p:txBody>
           </p:sp>
@@ -41737,18 +41492,13 @@
                   </a:spcAft>
                 </a:pPr>
                 <a:r>
-                  <a:rPr lang="en-US" sz="1500" b="1" dirty="0" smtClean="0">
+                  <a:rPr lang="en-US" sz="1500" b="1" dirty="0">
                     <a:solidFill>
                       <a:schemeClr val="tx1"/>
                     </a:solidFill>
                   </a:rPr>
                   <a:t>Data Driven</a:t>
                 </a:r>
-                <a:endParaRPr lang="en-US" sz="1500" b="1" dirty="0">
-                  <a:solidFill>
-                    <a:schemeClr val="tx1"/>
-                  </a:solidFill>
-                </a:endParaRPr>
               </a:p>
             </p:txBody>
           </p:sp>
@@ -41861,18 +41611,13 @@
                   </a:spcAft>
                 </a:pPr>
                 <a:r>
-                  <a:rPr lang="en-US" sz="1500" b="1" dirty="0" smtClean="0">
+                  <a:rPr lang="en-US" sz="1500" b="1" dirty="0">
                     <a:solidFill>
                       <a:schemeClr val="tx1"/>
                     </a:solidFill>
                   </a:rPr>
                   <a:t>Resources with 0% Programming Skills</a:t>
                 </a:r>
-                <a:endParaRPr lang="en-US" sz="1500" b="1" dirty="0">
-                  <a:solidFill>
-                    <a:schemeClr val="tx1"/>
-                  </a:solidFill>
-                </a:endParaRPr>
               </a:p>
             </p:txBody>
           </p:sp>
@@ -41900,13 +41645,6 @@
       </p:transition>
     </mc:Fallback>
   </mc:AlternateContent>
-  <p:timing>
-    <p:tnLst>
-      <p:par>
-        <p:cTn id="1" dur="indefinite" restart="never" nodeType="tmRoot"/>
-      </p:par>
-    </p:tnLst>
-  </p:timing>
 </p:sld>
 </file>
 
@@ -41932,7 +41670,7 @@
           <p:cNvPr id="6" name="Title 5">
             <a:extLst>
               <a:ext uri="{FF2B5EF4-FFF2-40B4-BE49-F238E27FC236}">
-                <a16:creationId xmlns:a16="http://schemas.microsoft.com/office/drawing/2014/main" xmlns="" id="{7AF3C5B0-406E-4512-91A0-00736F9C21C3}"/>
+                <a16:creationId xmlns:a16="http://schemas.microsoft.com/office/drawing/2014/main" id="{7AF3C5B0-406E-4512-91A0-00736F9C21C3}"/>
               </a:ext>
             </a:extLst>
           </p:cNvPr>
@@ -41954,10 +41692,9 @@
           <a:lstStyle/>
           <a:p>
             <a:r>
-              <a:rPr lang="en-US" dirty="0" smtClean="0"/>
+              <a:rPr lang="en-US" dirty="0"/>
               <a:t>Implementation Snap Shots</a:t>
             </a:r>
-            <a:endParaRPr lang="en-US" dirty="0"/>
           </a:p>
         </p:txBody>
       </p:sp>
@@ -42254,7 +41991,7 @@
                 </a:spcAft>
               </a:pPr>
               <a:r>
-                <a:rPr lang="en-US" sz="1500" b="1" kern="1200" dirty="0" smtClean="0">
+                <a:rPr lang="en-US" sz="1500" b="1" kern="1200" dirty="0">
                   <a:solidFill>
                     <a:schemeClr val="tx1"/>
                   </a:solidFill>
@@ -42292,13 +42029,6 @@
       </p:transition>
     </mc:Fallback>
   </mc:AlternateContent>
-  <p:timing>
-    <p:tnLst>
-      <p:par>
-        <p:cTn id="1" dur="indefinite" restart="never" nodeType="tmRoot"/>
-      </p:par>
-    </p:tnLst>
-  </p:timing>
 </p:sld>
 </file>
 
@@ -42324,7 +42054,7 @@
           <p:cNvPr id="6" name="Title 5">
             <a:extLst>
               <a:ext uri="{FF2B5EF4-FFF2-40B4-BE49-F238E27FC236}">
-                <a16:creationId xmlns:a16="http://schemas.microsoft.com/office/drawing/2014/main" xmlns="" id="{7AF3C5B0-406E-4512-91A0-00736F9C21C3}"/>
+                <a16:creationId xmlns:a16="http://schemas.microsoft.com/office/drawing/2014/main" id="{7AF3C5B0-406E-4512-91A0-00736F9C21C3}"/>
               </a:ext>
             </a:extLst>
           </p:cNvPr>
@@ -42346,10 +42076,9 @@
           <a:lstStyle/>
           <a:p>
             <a:r>
-              <a:rPr lang="en-US" dirty="0" smtClean="0"/>
+              <a:rPr lang="en-US" dirty="0"/>
               <a:t>Implementation Snap Shots</a:t>
             </a:r>
-            <a:endParaRPr lang="en-US" dirty="0"/>
           </a:p>
         </p:txBody>
       </p:sp>
@@ -42577,7 +42306,7 @@
                 </a:spcAft>
               </a:pPr>
               <a:r>
-                <a:rPr lang="en-US" sz="1500" b="1" dirty="0" smtClean="0">
+                <a:rPr lang="en-US" sz="1500" b="1" dirty="0">
                   <a:solidFill>
                     <a:schemeClr val="tx1"/>
                   </a:solidFill>
@@ -42615,13 +42344,6 @@
       </p:transition>
     </mc:Fallback>
   </mc:AlternateContent>
-  <p:timing>
-    <p:tnLst>
-      <p:par>
-        <p:cTn id="1" dur="indefinite" restart="never" nodeType="tmRoot"/>
-      </p:par>
-    </p:tnLst>
-  </p:timing>
 </p:sld>
 </file>
 
@@ -42647,7 +42369,7 @@
           <p:cNvPr id="6" name="Title 5">
             <a:extLst>
               <a:ext uri="{FF2B5EF4-FFF2-40B4-BE49-F238E27FC236}">
-                <a16:creationId xmlns:a16="http://schemas.microsoft.com/office/drawing/2014/main" xmlns="" id="{7AF3C5B0-406E-4512-91A0-00736F9C21C3}"/>
+                <a16:creationId xmlns:a16="http://schemas.microsoft.com/office/drawing/2014/main" id="{7AF3C5B0-406E-4512-91A0-00736F9C21C3}"/>
               </a:ext>
             </a:extLst>
           </p:cNvPr>
@@ -42669,10 +42391,9 @@
           <a:lstStyle/>
           <a:p>
             <a:r>
-              <a:rPr lang="en-US" dirty="0" smtClean="0"/>
+              <a:rPr lang="en-US" dirty="0"/>
               <a:t>Implementation Snap Shots</a:t>
             </a:r>
-            <a:endParaRPr lang="en-US" dirty="0"/>
           </a:p>
         </p:txBody>
       </p:sp>
@@ -42929,18 +42650,13 @@
             <a:lstStyle/>
             <a:p>
               <a:r>
-                <a:rPr lang="en-US" b="1" dirty="0" smtClean="0">
+                <a:rPr lang="en-US" b="1" dirty="0">
                   <a:solidFill>
                     <a:srgbClr val="002060"/>
                   </a:solidFill>
                 </a:rPr>
                 <a:t>HTML Report</a:t>
               </a:r>
-              <a:endParaRPr lang="en-US" b="1" dirty="0">
-                <a:solidFill>
-                  <a:srgbClr val="002060"/>
-                </a:solidFill>
-              </a:endParaRPr>
             </a:p>
           </p:txBody>
         </p:sp>
@@ -42967,18 +42683,13 @@
             <a:lstStyle/>
             <a:p>
               <a:r>
-                <a:rPr lang="en-US" b="1" dirty="0" smtClean="0">
+                <a:rPr lang="en-US" b="1" dirty="0">
                   <a:solidFill>
                     <a:srgbClr val="002060"/>
                   </a:solidFill>
                 </a:rPr>
                 <a:t>Report Formats</a:t>
               </a:r>
-              <a:endParaRPr lang="en-US" b="1" dirty="0">
-                <a:solidFill>
-                  <a:srgbClr val="002060"/>
-                </a:solidFill>
-              </a:endParaRPr>
             </a:p>
           </p:txBody>
         </p:sp>
@@ -43005,18 +42716,13 @@
             <a:lstStyle/>
             <a:p>
               <a:r>
-                <a:rPr lang="en-US" b="1" dirty="0" smtClean="0">
+                <a:rPr lang="en-US" b="1" dirty="0">
                   <a:solidFill>
                     <a:srgbClr val="002060"/>
                   </a:solidFill>
                 </a:rPr>
                 <a:t>Excel Report</a:t>
               </a:r>
-              <a:endParaRPr lang="en-US" b="1" dirty="0">
-                <a:solidFill>
-                  <a:srgbClr val="002060"/>
-                </a:solidFill>
-              </a:endParaRPr>
             </a:p>
           </p:txBody>
         </p:sp>
@@ -43137,7 +42843,7 @@
                 </a:spcAft>
               </a:pPr>
               <a:r>
-                <a:rPr lang="en-US" sz="1500" b="1" dirty="0" smtClean="0">
+                <a:rPr lang="en-US" sz="1500" b="1" dirty="0">
                   <a:solidFill>
                     <a:schemeClr val="tx1"/>
                   </a:solidFill>
@@ -43175,13 +42881,6 @@
       </p:transition>
     </mc:Fallback>
   </mc:AlternateContent>
-  <p:timing>
-    <p:tnLst>
-      <p:par>
-        <p:cTn id="1" dur="indefinite" restart="never" nodeType="tmRoot"/>
-      </p:par>
-    </p:tnLst>
-  </p:timing>
 </p:sld>
 </file>
 
@@ -43207,7 +42906,7 @@
           <p:cNvPr id="6" name="Title 5">
             <a:extLst>
               <a:ext uri="{FF2B5EF4-FFF2-40B4-BE49-F238E27FC236}">
-                <a16:creationId xmlns:a16="http://schemas.microsoft.com/office/drawing/2014/main" xmlns="" id="{7AF3C5B0-406E-4512-91A0-00736F9C21C3}"/>
+                <a16:creationId xmlns:a16="http://schemas.microsoft.com/office/drawing/2014/main" id="{7AF3C5B0-406E-4512-91A0-00736F9C21C3}"/>
               </a:ext>
             </a:extLst>
           </p:cNvPr>
@@ -43229,10 +42928,9 @@
           <a:lstStyle/>
           <a:p>
             <a:r>
-              <a:rPr lang="en-US" dirty="0" smtClean="0"/>
+              <a:rPr lang="en-US" dirty="0"/>
               <a:t>Target Achieved</a:t>
             </a:r>
-            <a:endParaRPr lang="en-US" dirty="0"/>
           </a:p>
         </p:txBody>
       </p:sp>
@@ -43349,7 +43047,7 @@
                 </a:spcAft>
               </a:pPr>
               <a:r>
-                <a:rPr lang="en-US" sz="1600" b="1" dirty="0" smtClean="0">
+                <a:rPr lang="en-US" sz="1600" b="1" dirty="0">
                   <a:solidFill>
                     <a:schemeClr val="tx1"/>
                   </a:solidFill>
@@ -43468,7 +43166,7 @@
                 </a:spcAft>
               </a:pPr>
               <a:r>
-                <a:rPr lang="en-US" sz="1500" b="1" kern="1200" dirty="0" smtClean="0">
+                <a:rPr lang="en-US" sz="1500" b="1" kern="1200" dirty="0">
                   <a:solidFill>
                     <a:schemeClr val="tx1"/>
                   </a:solidFill>
@@ -43592,7 +43290,7 @@
                 </a:spcAft>
               </a:pPr>
               <a:r>
-                <a:rPr lang="en-US" sz="1500" b="1" kern="1200" dirty="0" smtClean="0">
+                <a:rPr lang="en-US" sz="1500" b="1" kern="1200" dirty="0">
                   <a:solidFill>
                     <a:schemeClr val="tx1"/>
                   </a:solidFill>
@@ -43721,7 +43419,7 @@
                 </a:spcAft>
               </a:pPr>
               <a:r>
-                <a:rPr lang="en-US" sz="1600" b="1" dirty="0" smtClean="0">
+                <a:rPr lang="en-US" sz="1600" b="1" dirty="0">
                   <a:solidFill>
                     <a:schemeClr val="tx1"/>
                   </a:solidFill>
@@ -43850,7 +43548,7 @@
                 </a:spcAft>
               </a:pPr>
               <a:r>
-                <a:rPr lang="en-US" sz="1600" b="1" dirty="0" smtClean="0">
+                <a:rPr lang="en-US" sz="1600" b="1" dirty="0">
                   <a:solidFill>
                     <a:schemeClr val="tx1"/>
                   </a:solidFill>
@@ -43979,7 +43677,7 @@
                 </a:spcAft>
               </a:pPr>
               <a:r>
-                <a:rPr lang="en-US" sz="1600" b="1" dirty="0" smtClean="0">
+                <a:rPr lang="en-US" sz="1600" b="1" dirty="0">
                   <a:solidFill>
                     <a:schemeClr val="tx1"/>
                   </a:solidFill>
@@ -44108,7 +43806,7 @@
                 </a:spcAft>
               </a:pPr>
               <a:r>
-                <a:rPr lang="en-US" sz="1600" b="1" dirty="0" smtClean="0">
+                <a:rPr lang="en-US" sz="1600" b="1" dirty="0">
                   <a:solidFill>
                     <a:schemeClr val="tx1"/>
                   </a:solidFill>
@@ -44237,7 +43935,7 @@
                 </a:spcAft>
               </a:pPr>
               <a:r>
-                <a:rPr lang="en-US" sz="1600" b="1" dirty="0" smtClean="0">
+                <a:rPr lang="en-US" sz="1600" b="1" dirty="0">
                   <a:solidFill>
                     <a:schemeClr val="tx1"/>
                   </a:solidFill>
@@ -44366,7 +44064,7 @@
                 </a:spcAft>
               </a:pPr>
               <a:r>
-                <a:rPr lang="en-US" sz="1600" b="1" dirty="0" smtClean="0">
+                <a:rPr lang="en-US" sz="1600" b="1" dirty="0">
                   <a:solidFill>
                     <a:schemeClr val="tx1"/>
                   </a:solidFill>
@@ -44495,7 +44193,7 @@
                 </a:spcAft>
               </a:pPr>
               <a:r>
-                <a:rPr lang="en-US" sz="1600" b="1" dirty="0" smtClean="0">
+                <a:rPr lang="en-US" sz="1600" b="1" dirty="0">
                   <a:solidFill>
                     <a:schemeClr val="tx1"/>
                   </a:solidFill>
@@ -44619,7 +44317,7 @@
                 </a:spcAft>
               </a:pPr>
               <a:r>
-                <a:rPr lang="en-US" sz="1500" b="1" kern="1200" dirty="0" smtClean="0">
+                <a:rPr lang="en-US" sz="1500" b="1" kern="1200" dirty="0">
                   <a:solidFill>
                     <a:schemeClr val="tx1"/>
                   </a:solidFill>
@@ -44748,20 +44446,12 @@
                 </a:spcAft>
               </a:pPr>
               <a:r>
-                <a:rPr lang="en-US" sz="1600" b="1" dirty="0" smtClean="0">
+                <a:rPr lang="en-US" sz="1600" b="1" dirty="0">
                   <a:solidFill>
                     <a:schemeClr val="tx1"/>
                   </a:solidFill>
                 </a:rPr>
-                <a:t>Gained Business Value </a:t>
-              </a:r>
-              <a:r>
-                <a:rPr lang="en-US" sz="1600" b="1" dirty="0" smtClean="0">
-                  <a:solidFill>
-                    <a:schemeClr val="tx1"/>
-                  </a:solidFill>
-                </a:rPr>
-                <a:t>thru Katalon Studio Automated Regression for 1 Lakh policies quickly .  </a:t>
+                <a:t>Gained Business Value thru Katalon Studio Automated Regression for 1 Lakh policies quickly .  </a:t>
               </a:r>
             </a:p>
             <a:p>
@@ -44778,36 +44468,12 @@
                 <a:buAutoNum type="alphaLcParenR"/>
               </a:pPr>
               <a:r>
-                <a:rPr lang="en-US" sz="1600" b="1" dirty="0" smtClean="0">
-                  <a:solidFill>
-                    <a:schemeClr val="tx1"/>
-                  </a:solidFill>
-                </a:rPr>
-                <a:t>Time </a:t>
-              </a:r>
-              <a:r>
                 <a:rPr lang="en-US" sz="1600" b="1" dirty="0">
                   <a:solidFill>
                     <a:schemeClr val="tx1"/>
                   </a:solidFill>
                 </a:rPr>
-                <a:t>taken </a:t>
-              </a:r>
-              <a:r>
-                <a:rPr lang="en-US" sz="1600" b="1" dirty="0" smtClean="0">
-                  <a:solidFill>
-                    <a:schemeClr val="tx1"/>
-                  </a:solidFill>
-                </a:rPr>
-                <a:t>reduced to </a:t>
-              </a:r>
-              <a:r>
-                <a:rPr lang="en-US" sz="1600" b="1" dirty="0" smtClean="0">
-                  <a:solidFill>
-                    <a:schemeClr val="tx1"/>
-                  </a:solidFill>
-                </a:rPr>
-                <a:t>1 day from 1 week by Automation</a:t>
+                <a:t>Time taken reduced to 1 day from 1 week by Automation</a:t>
               </a:r>
             </a:p>
             <a:p>
@@ -44824,20 +44490,12 @@
                 <a:buAutoNum type="alphaLcParenR"/>
               </a:pPr>
               <a:r>
-                <a:rPr lang="en-US" sz="1600" b="1" dirty="0" smtClean="0">
+                <a:rPr lang="en-US" sz="1600" b="1" dirty="0">
                   <a:solidFill>
                     <a:schemeClr val="tx1"/>
                   </a:solidFill>
                 </a:rPr>
-                <a:t>Cost </a:t>
-              </a:r>
-              <a:r>
-                <a:rPr lang="en-US" sz="1600" b="1" dirty="0" smtClean="0">
-                  <a:solidFill>
-                    <a:schemeClr val="tx1"/>
-                  </a:solidFill>
-                </a:rPr>
-                <a:t>by 0% coding &amp; 0% Programming skill </a:t>
+                <a:t>Cost by 0% coding &amp; 0% Programming skill </a:t>
               </a:r>
             </a:p>
             <a:p>
@@ -44854,7 +44512,7 @@
                 <a:buAutoNum type="alphaLcParenR"/>
               </a:pPr>
               <a:r>
-                <a:rPr lang="en-US" sz="1600" b="1" dirty="0" smtClean="0">
+                <a:rPr lang="en-US" sz="1600" b="1" dirty="0">
                   <a:solidFill>
                     <a:schemeClr val="tx1"/>
                   </a:solidFill>
@@ -44887,13 +44545,6 @@
       </p:transition>
     </mc:Fallback>
   </mc:AlternateContent>
-  <p:timing>
-    <p:tnLst>
-      <p:par>
-        <p:cTn id="1" dur="indefinite" restart="never" nodeType="tmRoot"/>
-      </p:par>
-    </p:tnLst>
-  </p:timing>
 </p:sld>
 </file>
 
@@ -45186,7 +44837,7 @@
   <a:extraClrSchemeLst/>
   <a:extLst>
     <a:ext uri="{05A4C25C-085E-4340-85A3-A5531E510DB2}">
-      <thm15:themeFamily xmlns:thm15="http://schemas.microsoft.com/office/thememl/2012/main" xmlns="" name="5041_Mphasis template_US date_Vas_v1_6Dec18" id="{1659C8C1-4956-4861-B6F2-872426D8B2AD}" vid="{BFF7CD5E-53F8-4E7E-9C9C-D744FA90F880}"/>
+      <thm15:themeFamily xmlns:thm15="http://schemas.microsoft.com/office/thememl/2012/main" name="5041_Mphasis template_US date_Vas_v1_6Dec18" id="{1659C8C1-4956-4861-B6F2-872426D8B2AD}" vid="{BFF7CD5E-53F8-4E7E-9C9C-D744FA90F880}"/>
     </a:ext>
   </a:extLst>
 </a:theme>
@@ -45481,7 +45132,7 @@
   <a:extraClrSchemeLst/>
   <a:extLst>
     <a:ext uri="{05A4C25C-085E-4340-85A3-A5531E510DB2}">
-      <thm15:themeFamily xmlns:thm15="http://schemas.microsoft.com/office/thememl/2012/main" xmlns="" name="5041_Mphasis template_US date_Vas_v1_6Dec18" id="{1659C8C1-4956-4861-B6F2-872426D8B2AD}" vid="{915890CC-9E06-4303-9996-032667F2622E}"/>
+      <thm15:themeFamily xmlns:thm15="http://schemas.microsoft.com/office/thememl/2012/main" name="5041_Mphasis template_US date_Vas_v1_6Dec18" id="{1659C8C1-4956-4861-B6F2-872426D8B2AD}" vid="{915890CC-9E06-4303-9996-032667F2622E}"/>
     </a:ext>
   </a:extLst>
 </a:theme>
@@ -45776,7 +45427,7 @@
   <a:extraClrSchemeLst/>
   <a:extLst>
     <a:ext uri="{05A4C25C-085E-4340-85A3-A5531E510DB2}">
-      <thm15:themeFamily xmlns:thm15="http://schemas.microsoft.com/office/thememl/2012/main" xmlns="" name="Office Theme" id="{62F939B6-93AF-4DB8-9C6B-D6C7DFDC589F}" vid="{4A3C46E8-61CC-4603-A589-7422A47A8E4A}"/>
+      <thm15:themeFamily xmlns:thm15="http://schemas.microsoft.com/office/thememl/2012/main" name="Office Theme" id="{62F939B6-93AF-4DB8-9C6B-D6C7DFDC589F}" vid="{4A3C46E8-61CC-4603-A589-7422A47A8E4A}"/>
     </a:ext>
   </a:extLst>
 </a:theme>
@@ -46071,7 +45722,7 @@
   <a:extraClrSchemeLst/>
   <a:extLst>
     <a:ext uri="{05A4C25C-085E-4340-85A3-A5531E510DB2}">
-      <thm15:themeFamily xmlns:thm15="http://schemas.microsoft.com/office/thememl/2012/main" xmlns="" name="Office Theme" id="{62F939B6-93AF-4DB8-9C6B-D6C7DFDC589F}" vid="{4A3C46E8-61CC-4603-A589-7422A47A8E4A}"/>
+      <thm15:themeFamily xmlns:thm15="http://schemas.microsoft.com/office/thememl/2012/main" name="Office Theme" id="{62F939B6-93AF-4DB8-9C6B-D6C7DFDC589F}" vid="{4A3C46E8-61CC-4603-A589-7422A47A8E4A}"/>
     </a:ext>
   </a:extLst>
 </a:theme>
